--- a/nextjs.pptx
+++ b/nextjs.pptx
@@ -5,25 +5,24 @@
     <p:sldMasterId id="2147483710" r:id="rId1"/>
   </p:sldMasterIdLst>
   <p:notesMasterIdLst>
-    <p:notesMasterId r:id="rId10"/>
+    <p:notesMasterId r:id="rId9"/>
   </p:notesMasterIdLst>
   <p:handoutMasterIdLst>
-    <p:handoutMasterId r:id="rId11"/>
+    <p:handoutMasterId r:id="rId10"/>
   </p:handoutMasterIdLst>
   <p:sldIdLst>
     <p:sldId id="754" r:id="rId2"/>
     <p:sldId id="755" r:id="rId3"/>
-    <p:sldId id="760" r:id="rId4"/>
-    <p:sldId id="762" r:id="rId5"/>
-    <p:sldId id="741" r:id="rId6"/>
-    <p:sldId id="756" r:id="rId7"/>
-    <p:sldId id="757" r:id="rId8"/>
-    <p:sldId id="763" r:id="rId9"/>
+    <p:sldId id="764" r:id="rId4"/>
+    <p:sldId id="741" r:id="rId5"/>
+    <p:sldId id="756" r:id="rId6"/>
+    <p:sldId id="757" r:id="rId7"/>
+    <p:sldId id="763" r:id="rId8"/>
   </p:sldIdLst>
   <p:sldSz cx="9144000" cy="5143500" type="screen16x9"/>
   <p:notesSz cx="9939338" cy="6807200"/>
   <p:custDataLst>
-    <p:tags r:id="rId12"/>
+    <p:tags r:id="rId11"/>
   </p:custDataLst>
   <p:defaultTextStyle>
     <a:defPPr>
@@ -122,7 +121,7 @@
   </p:defaultTextStyle>
   <p:extLst>
     <p:ext uri="{EFAFB233-063F-42B5-8137-9DF3F51BA10A}">
-      <p15:sldGuideLst xmlns:p15="http://schemas.microsoft.com/office/powerpoint/2012/main" xmlns="">
+      <p15:sldGuideLst xmlns="" xmlns:p15="http://schemas.microsoft.com/office/powerpoint/2012/main">
         <p15:guide id="1" orient="horz" pos="305" userDrawn="1">
           <p15:clr>
             <a:srgbClr val="A4A3A4"/>
@@ -206,7 +205,7 @@
       </p15:sldGuideLst>
     </p:ext>
     <p:ext uri="{2D200454-40CA-4A62-9FC3-DE9A4176ACB9}">
-      <p15:notesGuideLst xmlns:p15="http://schemas.microsoft.com/office/powerpoint/2012/main" xmlns="">
+      <p15:notesGuideLst xmlns="" xmlns:p15="http://schemas.microsoft.com/office/powerpoint/2012/main">
         <p15:guide id="1" orient="horz" pos="1972" userDrawn="1">
           <p15:clr>
             <a:srgbClr val="A4A3A4"/>
@@ -315,7 +314,7 @@
           <a:p>
             <a:fld id="{11A960B2-A5C1-43A5-97FF-B6E8302B8F3F}" type="datetimeFigureOut">
               <a:rPr lang="de-DE" smtClean="0"/>
-              <a:t>13.05.2019</a:t>
+              <a:t>17.05.2019</a:t>
             </a:fld>
             <a:endParaRPr lang="de-DE"/>
           </a:p>
@@ -480,7 +479,7 @@
           <a:p>
             <a:fld id="{4E0710C9-FE5E-4BBD-997C-1850EB479084}" type="datetimeFigureOut">
               <a:rPr lang="de-DE" smtClean="0"/>
-              <a:t>13.05.2019</a:t>
+              <a:t>17.05.2019</a:t>
             </a:fld>
             <a:endParaRPr lang="de-DE"/>
           </a:p>
@@ -1088,7 +1087,7 @@
     </p:spTree>
     <p:extLst>
       <p:ext uri="{BB962C8B-B14F-4D97-AF65-F5344CB8AC3E}">
-        <p14:creationId xmlns:p14="http://schemas.microsoft.com/office/powerpoint/2010/main" val="3801393794"/>
+        <p14:creationId xmlns:p14="http://schemas.microsoft.com/office/powerpoint/2010/main" val="3246917207"/>
       </p:ext>
     </p:extLst>
   </p:cSld>
@@ -1176,7 +1175,7 @@
     </p:spTree>
     <p:extLst>
       <p:ext uri="{BB962C8B-B14F-4D97-AF65-F5344CB8AC3E}">
-        <p14:creationId xmlns:p14="http://schemas.microsoft.com/office/powerpoint/2010/main" val="3246917207"/>
+        <p14:creationId xmlns:p14="http://schemas.microsoft.com/office/powerpoint/2010/main" val="3801393794"/>
       </p:ext>
     </p:extLst>
   </p:cSld>
@@ -1352,94 +1351,6 @@
     </p:spTree>
     <p:extLst>
       <p:ext uri="{BB962C8B-B14F-4D97-AF65-F5344CB8AC3E}">
-        <p14:creationId xmlns:p14="http://schemas.microsoft.com/office/powerpoint/2010/main" val="3801393794"/>
-      </p:ext>
-    </p:extLst>
-  </p:cSld>
-  <p:clrMapOvr>
-    <a:masterClrMapping/>
-  </p:clrMapOvr>
-</p:notes>
-</file>
-
-<file path=ppt/notesSlides/notesSlide8.xml><?xml version="1.0" encoding="utf-8"?>
-<p:notes xmlns:a="http://schemas.openxmlformats.org/drawingml/2006/main" xmlns:r="http://schemas.openxmlformats.org/officeDocument/2006/relationships" xmlns:p="http://schemas.openxmlformats.org/presentationml/2006/main">
-  <p:cSld>
-    <p:spTree>
-      <p:nvGrpSpPr>
-        <p:cNvPr id="1" name=""/>
-        <p:cNvGrpSpPr/>
-        <p:nvPr/>
-      </p:nvGrpSpPr>
-      <p:grpSpPr>
-        <a:xfrm>
-          <a:off x="0" y="0"/>
-          <a:ext cx="0" cy="0"/>
-          <a:chOff x="0" y="0"/>
-          <a:chExt cx="0" cy="0"/>
-        </a:xfrm>
-      </p:grpSpPr>
-      <p:sp>
-        <p:nvSpPr>
-          <p:cNvPr id="2" name="Folienbildplatzhalter 1"/>
-          <p:cNvSpPr>
-            <a:spLocks noGrp="1" noRot="1" noChangeAspect="1"/>
-          </p:cNvSpPr>
-          <p:nvPr>
-            <p:ph type="sldImg"/>
-          </p:nvPr>
-        </p:nvSpPr>
-        <p:spPr/>
-      </p:sp>
-      <p:sp>
-        <p:nvSpPr>
-          <p:cNvPr id="3" name="Notizenplatzhalter 2"/>
-          <p:cNvSpPr>
-            <a:spLocks noGrp="1"/>
-          </p:cNvSpPr>
-          <p:nvPr>
-            <p:ph type="body" idx="1"/>
-          </p:nvPr>
-        </p:nvSpPr>
-        <p:spPr/>
-        <p:txBody>
-          <a:bodyPr/>
-          <a:lstStyle/>
-          <a:p>
-            <a:r>
-              <a:rPr lang="de-DE" sz="1600" dirty="0"/>
-              <a:t>Texte von agile optimierung.de</a:t>
-            </a:r>
-            <a:endParaRPr lang="de-DE" dirty="0"/>
-          </a:p>
-        </p:txBody>
-      </p:sp>
-      <p:sp>
-        <p:nvSpPr>
-          <p:cNvPr id="4" name="Foliennummernplatzhalter 3"/>
-          <p:cNvSpPr>
-            <a:spLocks noGrp="1"/>
-          </p:cNvSpPr>
-          <p:nvPr>
-            <p:ph type="sldNum" sz="quarter" idx="10"/>
-          </p:nvPr>
-        </p:nvSpPr>
-        <p:spPr/>
-        <p:txBody>
-          <a:bodyPr/>
-          <a:lstStyle/>
-          <a:p>
-            <a:fld id="{69D0E59C-A1CD-4B3B-825E-331B59F2F74A}" type="slidenum">
-              <a:rPr lang="de-DE" smtClean="0"/>
-              <a:t>8</a:t>
-            </a:fld>
-            <a:endParaRPr lang="de-DE"/>
-          </a:p>
-        </p:txBody>
-      </p:sp>
-    </p:spTree>
-    <p:extLst>
-      <p:ext uri="{BB962C8B-B14F-4D97-AF65-F5344CB8AC3E}">
         <p14:creationId xmlns:p14="http://schemas.microsoft.com/office/powerpoint/2010/main" val="3246917207"/>
       </p:ext>
     </p:extLst>
@@ -1472,7 +1383,7 @@
           <p:cNvPr id="2" name="Titel 1">
             <a:extLst>
               <a:ext uri="{FF2B5EF4-FFF2-40B4-BE49-F238E27FC236}">
-                <a16:creationId xmlns:a16="http://schemas.microsoft.com/office/drawing/2014/main" xmlns="" id="{5C549A9E-72E4-453D-A969-18030D094C26}"/>
+                <a16:creationId xmlns="" xmlns:a16="http://schemas.microsoft.com/office/drawing/2014/main" id="{5C549A9E-72E4-453D-A969-18030D094C26}"/>
               </a:ext>
             </a:extLst>
           </p:cNvPr>
@@ -1518,7 +1429,7 @@
           <p:cNvPr id="4" name="Textplatzhalter 9">
             <a:extLst>
               <a:ext uri="{FF2B5EF4-FFF2-40B4-BE49-F238E27FC236}">
-                <a16:creationId xmlns:a16="http://schemas.microsoft.com/office/drawing/2014/main" xmlns="" id="{7354D325-36B6-4393-9937-7DD8A6F5FD9E}"/>
+                <a16:creationId xmlns="" xmlns:a16="http://schemas.microsoft.com/office/drawing/2014/main" id="{7354D325-36B6-4393-9937-7DD8A6F5FD9E}"/>
               </a:ext>
             </a:extLst>
           </p:cNvPr>
@@ -1663,7 +1574,7 @@
   </mc:AlternateContent>
   <p:extLst mod="1">
     <p:ext uri="{DCECCB84-F9BA-43D5-87BE-67443E8EF086}">
-      <p15:sldGuideLst xmlns:p15="http://schemas.microsoft.com/office/powerpoint/2012/main" xmlns="">
+      <p15:sldGuideLst xmlns="" xmlns:p15="http://schemas.microsoft.com/office/powerpoint/2012/main">
         <p15:guide id="1" orient="horz" pos="1620" userDrawn="1">
           <p15:clr>
             <a:srgbClr val="FBAE40"/>
@@ -1717,7 +1628,7 @@
           <p:cNvPr id="5" name="Rechteck 4">
             <a:extLst>
               <a:ext uri="{FF2B5EF4-FFF2-40B4-BE49-F238E27FC236}">
-                <a16:creationId xmlns:a16="http://schemas.microsoft.com/office/drawing/2014/main" xmlns="" id="{BEE4C139-A0E8-4CD8-861F-728341978709}"/>
+                <a16:creationId xmlns="" xmlns:a16="http://schemas.microsoft.com/office/drawing/2014/main" id="{BEE4C139-A0E8-4CD8-861F-728341978709}"/>
               </a:ext>
             </a:extLst>
           </p:cNvPr>
@@ -1773,7 +1684,7 @@
           <p:cNvPr id="2" name="Titel 1">
             <a:extLst>
               <a:ext uri="{FF2B5EF4-FFF2-40B4-BE49-F238E27FC236}">
-                <a16:creationId xmlns:a16="http://schemas.microsoft.com/office/drawing/2014/main" xmlns="" id="{5C549A9E-72E4-453D-A969-18030D094C26}"/>
+                <a16:creationId xmlns="" xmlns:a16="http://schemas.microsoft.com/office/drawing/2014/main" id="{5C549A9E-72E4-453D-A969-18030D094C26}"/>
               </a:ext>
             </a:extLst>
           </p:cNvPr>
@@ -1824,7 +1735,7 @@
           <p:cNvPr id="4" name="Textplatzhalter 9">
             <a:extLst>
               <a:ext uri="{FF2B5EF4-FFF2-40B4-BE49-F238E27FC236}">
-                <a16:creationId xmlns:a16="http://schemas.microsoft.com/office/drawing/2014/main" xmlns="" id="{7354D325-36B6-4393-9937-7DD8A6F5FD9E}"/>
+                <a16:creationId xmlns="" xmlns:a16="http://schemas.microsoft.com/office/drawing/2014/main" id="{7354D325-36B6-4393-9937-7DD8A6F5FD9E}"/>
               </a:ext>
             </a:extLst>
           </p:cNvPr>
@@ -1950,7 +1861,7 @@
           <p:cNvPr id="6" name="Textfeld 5">
             <a:extLst>
               <a:ext uri="{FF2B5EF4-FFF2-40B4-BE49-F238E27FC236}">
-                <a16:creationId xmlns:a16="http://schemas.microsoft.com/office/drawing/2014/main" xmlns="" id="{B4A9AF9E-2473-446B-A756-D2E26855994C}"/>
+                <a16:creationId xmlns="" xmlns:a16="http://schemas.microsoft.com/office/drawing/2014/main" id="{B4A9AF9E-2473-446B-A756-D2E26855994C}"/>
               </a:ext>
             </a:extLst>
           </p:cNvPr>
@@ -1994,7 +1905,7 @@
           <p:cNvPr id="7" name="Grafik 6">
             <a:extLst>
               <a:ext uri="{FF2B5EF4-FFF2-40B4-BE49-F238E27FC236}">
-                <a16:creationId xmlns:a16="http://schemas.microsoft.com/office/drawing/2014/main" xmlns="" id="{FE5D3318-47EA-4144-9F00-D12AE5CF4D96}"/>
+                <a16:creationId xmlns="" xmlns:a16="http://schemas.microsoft.com/office/drawing/2014/main" id="{FE5D3318-47EA-4144-9F00-D12AE5CF4D96}"/>
               </a:ext>
             </a:extLst>
           </p:cNvPr>
@@ -2049,7 +1960,7 @@
   </mc:AlternateContent>
   <p:extLst mod="1">
     <p:ext uri="{DCECCB84-F9BA-43D5-87BE-67443E8EF086}">
-      <p15:sldGuideLst xmlns:p15="http://schemas.microsoft.com/office/powerpoint/2012/main" xmlns="">
+      <p15:sldGuideLst xmlns="" xmlns:p15="http://schemas.microsoft.com/office/powerpoint/2012/main">
         <p15:guide id="1" orient="horz" pos="1620">
           <p15:clr>
             <a:srgbClr val="FBAE40"/>
@@ -2103,7 +2014,7 @@
           <p:cNvPr id="5" name="Rechteck 4">
             <a:extLst>
               <a:ext uri="{FF2B5EF4-FFF2-40B4-BE49-F238E27FC236}">
-                <a16:creationId xmlns:a16="http://schemas.microsoft.com/office/drawing/2014/main" xmlns="" id="{BEE4C139-A0E8-4CD8-861F-728341978709}"/>
+                <a16:creationId xmlns="" xmlns:a16="http://schemas.microsoft.com/office/drawing/2014/main" id="{BEE4C139-A0E8-4CD8-861F-728341978709}"/>
               </a:ext>
             </a:extLst>
           </p:cNvPr>
@@ -2159,7 +2070,7 @@
           <p:cNvPr id="6" name="Textfeld 5">
             <a:extLst>
               <a:ext uri="{FF2B5EF4-FFF2-40B4-BE49-F238E27FC236}">
-                <a16:creationId xmlns:a16="http://schemas.microsoft.com/office/drawing/2014/main" xmlns="" id="{B4A9AF9E-2473-446B-A756-D2E26855994C}"/>
+                <a16:creationId xmlns="" xmlns:a16="http://schemas.microsoft.com/office/drawing/2014/main" id="{B4A9AF9E-2473-446B-A756-D2E26855994C}"/>
               </a:ext>
             </a:extLst>
           </p:cNvPr>
@@ -2203,7 +2114,7 @@
           <p:cNvPr id="7" name="Grafik 6">
             <a:extLst>
               <a:ext uri="{FF2B5EF4-FFF2-40B4-BE49-F238E27FC236}">
-                <a16:creationId xmlns:a16="http://schemas.microsoft.com/office/drawing/2014/main" xmlns="" id="{FE5D3318-47EA-4144-9F00-D12AE5CF4D96}"/>
+                <a16:creationId xmlns="" xmlns:a16="http://schemas.microsoft.com/office/drawing/2014/main" id="{FE5D3318-47EA-4144-9F00-D12AE5CF4D96}"/>
               </a:ext>
             </a:extLst>
           </p:cNvPr>
@@ -2258,7 +2169,7 @@
   </mc:AlternateContent>
   <p:extLst mod="1">
     <p:ext uri="{DCECCB84-F9BA-43D5-87BE-67443E8EF086}">
-      <p15:sldGuideLst xmlns:p15="http://schemas.microsoft.com/office/powerpoint/2012/main" xmlns="">
+      <p15:sldGuideLst xmlns="" xmlns:p15="http://schemas.microsoft.com/office/powerpoint/2012/main">
         <p15:guide id="1" orient="horz" pos="1620">
           <p15:clr>
             <a:srgbClr val="FBAE40"/>
@@ -2312,7 +2223,7 @@
           <p:cNvPr id="2" name="Titel 1">
             <a:extLst>
               <a:ext uri="{FF2B5EF4-FFF2-40B4-BE49-F238E27FC236}">
-                <a16:creationId xmlns:a16="http://schemas.microsoft.com/office/drawing/2014/main" xmlns="" id="{5C549A9E-72E4-453D-A969-18030D094C26}"/>
+                <a16:creationId xmlns="" xmlns:a16="http://schemas.microsoft.com/office/drawing/2014/main" id="{5C549A9E-72E4-453D-A969-18030D094C26}"/>
               </a:ext>
             </a:extLst>
           </p:cNvPr>
@@ -2345,7 +2256,7 @@
           <p:cNvPr id="4" name="Textplatzhalter 9">
             <a:extLst>
               <a:ext uri="{FF2B5EF4-FFF2-40B4-BE49-F238E27FC236}">
-                <a16:creationId xmlns:a16="http://schemas.microsoft.com/office/drawing/2014/main" xmlns="" id="{7354D325-36B6-4393-9937-7DD8A6F5FD9E}"/>
+                <a16:creationId xmlns="" xmlns:a16="http://schemas.microsoft.com/office/drawing/2014/main" id="{7354D325-36B6-4393-9937-7DD8A6F5FD9E}"/>
               </a:ext>
             </a:extLst>
           </p:cNvPr>
@@ -2560,7 +2471,7 @@
           <p:cNvPr id="13" name="Rechteck 12">
             <a:extLst>
               <a:ext uri="{FF2B5EF4-FFF2-40B4-BE49-F238E27FC236}">
-                <a16:creationId xmlns:a16="http://schemas.microsoft.com/office/drawing/2014/main" xmlns="" id="{3F32DF54-F362-41C9-86DD-2571FFEFE4C2}"/>
+                <a16:creationId xmlns="" xmlns:a16="http://schemas.microsoft.com/office/drawing/2014/main" id="{3F32DF54-F362-41C9-86DD-2571FFEFE4C2}"/>
               </a:ext>
             </a:extLst>
           </p:cNvPr>
@@ -2767,7 +2678,7 @@
           <p:cNvPr id="14" name="Picture 2">
             <a:extLst>
               <a:ext uri="{FF2B5EF4-FFF2-40B4-BE49-F238E27FC236}">
-                <a16:creationId xmlns:a16="http://schemas.microsoft.com/office/drawing/2014/main" xmlns="" id="{AC62F0C0-8CCC-42ED-AA2B-745528AB167A}"/>
+                <a16:creationId xmlns="" xmlns:a16="http://schemas.microsoft.com/office/drawing/2014/main" id="{AC62F0C0-8CCC-42ED-AA2B-745528AB167A}"/>
               </a:ext>
             </a:extLst>
           </p:cNvPr>
@@ -2813,7 +2724,7 @@
           <p:cNvPr id="4" name="Textfeld 3">
             <a:extLst>
               <a:ext uri="{FF2B5EF4-FFF2-40B4-BE49-F238E27FC236}">
-                <a16:creationId xmlns:a16="http://schemas.microsoft.com/office/drawing/2014/main" xmlns="" id="{DA66F0E4-D554-48AC-8EC0-1776E1C497AA}"/>
+                <a16:creationId xmlns="" xmlns:a16="http://schemas.microsoft.com/office/drawing/2014/main" id="{DA66F0E4-D554-48AC-8EC0-1776E1C497AA}"/>
               </a:ext>
             </a:extLst>
           </p:cNvPr>
@@ -3185,7 +3096,7 @@
   </p:txStyles>
   <p:extLst mod="1">
     <p:ext uri="{27BBF7A9-308A-43DC-89C8-2F10F3537804}">
-      <p15:sldGuideLst xmlns:p15="http://schemas.microsoft.com/office/powerpoint/2012/main" xmlns="">
+      <p15:sldGuideLst xmlns="" xmlns:p15="http://schemas.microsoft.com/office/powerpoint/2012/main">
         <p15:guide id="1" orient="horz" pos="1620" userDrawn="1">
           <p15:clr>
             <a:srgbClr val="F26B43"/>
@@ -3224,7 +3135,7 @@
           <p:cNvPr id="10" name="Grafik 9">
             <a:extLst>
               <a:ext uri="{FF2B5EF4-FFF2-40B4-BE49-F238E27FC236}">
-                <a16:creationId xmlns:a16="http://schemas.microsoft.com/office/drawing/2014/main" xmlns="" id="{F343704B-0C72-4414-A334-C2477820E99B}"/>
+                <a16:creationId xmlns="" xmlns:a16="http://schemas.microsoft.com/office/drawing/2014/main" id="{F343704B-0C72-4414-A334-C2477820E99B}"/>
               </a:ext>
             </a:extLst>
           </p:cNvPr>
@@ -3259,7 +3170,7 @@
           <p:cNvPr id="11" name="Parallelogramm 10">
             <a:extLst>
               <a:ext uri="{FF2B5EF4-FFF2-40B4-BE49-F238E27FC236}">
-                <a16:creationId xmlns:a16="http://schemas.microsoft.com/office/drawing/2014/main" xmlns="" id="{D3B0A3BC-4CCF-410A-BAD2-F490F02277EC}"/>
+                <a16:creationId xmlns="" xmlns:a16="http://schemas.microsoft.com/office/drawing/2014/main" id="{D3B0A3BC-4CCF-410A-BAD2-F490F02277EC}"/>
               </a:ext>
             </a:extLst>
           </p:cNvPr>
@@ -3317,7 +3228,7 @@
           <p:cNvPr id="4" name="Textfeld 3">
             <a:extLst>
               <a:ext uri="{FF2B5EF4-FFF2-40B4-BE49-F238E27FC236}">
-                <a16:creationId xmlns:a16="http://schemas.microsoft.com/office/drawing/2014/main" xmlns="" id="{5B01AF2C-CB29-4389-A3EB-EF458646A171}"/>
+                <a16:creationId xmlns="" xmlns:a16="http://schemas.microsoft.com/office/drawing/2014/main" id="{5B01AF2C-CB29-4389-A3EB-EF458646A171}"/>
               </a:ext>
             </a:extLst>
           </p:cNvPr>
@@ -3361,7 +3272,7 @@
           <p:cNvPr id="8" name="Textfeld 7">
             <a:extLst>
               <a:ext uri="{FF2B5EF4-FFF2-40B4-BE49-F238E27FC236}">
-                <a16:creationId xmlns:a16="http://schemas.microsoft.com/office/drawing/2014/main" xmlns="" id="{EA26E274-D7DB-42E7-B711-FEF81FA21A48}"/>
+                <a16:creationId xmlns="" xmlns:a16="http://schemas.microsoft.com/office/drawing/2014/main" id="{EA26E274-D7DB-42E7-B711-FEF81FA21A48}"/>
               </a:ext>
             </a:extLst>
           </p:cNvPr>
@@ -3437,7 +3348,7 @@
           <p:cNvPr id="31" name="Rechteck 30">
             <a:extLst>
               <a:ext uri="{FF2B5EF4-FFF2-40B4-BE49-F238E27FC236}">
-                <a16:creationId xmlns:a16="http://schemas.microsoft.com/office/drawing/2014/main" xmlns="" id="{12AE3E70-1EA0-44AF-91FC-A9C80823A774}"/>
+                <a16:creationId xmlns="" xmlns:a16="http://schemas.microsoft.com/office/drawing/2014/main" id="{12AE3E70-1EA0-44AF-91FC-A9C80823A774}"/>
               </a:ext>
             </a:extLst>
           </p:cNvPr>
@@ -3493,7 +3404,7 @@
           <p:cNvPr id="9" name="Grafik 8">
             <a:extLst>
               <a:ext uri="{FF2B5EF4-FFF2-40B4-BE49-F238E27FC236}">
-                <a16:creationId xmlns:a16="http://schemas.microsoft.com/office/drawing/2014/main" xmlns="" id="{B206131F-658E-420F-93D0-E342A48F655F}"/>
+                <a16:creationId xmlns="" xmlns:a16="http://schemas.microsoft.com/office/drawing/2014/main" id="{B206131F-658E-420F-93D0-E342A48F655F}"/>
               </a:ext>
             </a:extLst>
           </p:cNvPr>
@@ -3619,7 +3530,7 @@
           <p:cNvPr id="14" name="Titel 1">
             <a:extLst>
               <a:ext uri="{FF2B5EF4-FFF2-40B4-BE49-F238E27FC236}">
-                <a16:creationId xmlns:a16="http://schemas.microsoft.com/office/drawing/2014/main" xmlns="" id="{02E1418F-13E9-4DD1-A436-757FB376FACC}"/>
+                <a16:creationId xmlns="" xmlns:a16="http://schemas.microsoft.com/office/drawing/2014/main" id="{02E1418F-13E9-4DD1-A436-757FB376FACC}"/>
               </a:ext>
             </a:extLst>
           </p:cNvPr>
@@ -3670,7 +3581,7 @@
           <p:cNvPr id="23" name="Titel 22">
             <a:extLst>
               <a:ext uri="{FF2B5EF4-FFF2-40B4-BE49-F238E27FC236}">
-                <a16:creationId xmlns:a16="http://schemas.microsoft.com/office/drawing/2014/main" xmlns="" id="{0F8728F2-FADF-46A9-8EB9-8EDE7B56745B}"/>
+                <a16:creationId xmlns="" xmlns:a16="http://schemas.microsoft.com/office/drawing/2014/main" id="{0F8728F2-FADF-46A9-8EB9-8EDE7B56745B}"/>
               </a:ext>
             </a:extLst>
           </p:cNvPr>
@@ -3701,7 +3612,7 @@
           <p:cNvPr id="5" name="Group 11">
             <a:extLst>
               <a:ext uri="{FF2B5EF4-FFF2-40B4-BE49-F238E27FC236}">
-                <a16:creationId xmlns:a16="http://schemas.microsoft.com/office/drawing/2014/main" xmlns="" id="{76856D07-6196-4679-B2FC-509EF1A94CF1}"/>
+                <a16:creationId xmlns="" xmlns:a16="http://schemas.microsoft.com/office/drawing/2014/main" id="{76856D07-6196-4679-B2FC-509EF1A94CF1}"/>
               </a:ext>
             </a:extLst>
           </p:cNvPr>
@@ -3730,7 +3641,7 @@
             <p:cNvPr id="6" name="AutoShape 10">
               <a:extLst>
                 <a:ext uri="{FF2B5EF4-FFF2-40B4-BE49-F238E27FC236}">
-                  <a16:creationId xmlns:a16="http://schemas.microsoft.com/office/drawing/2014/main" xmlns="" id="{BEB361D1-0D44-4F73-A5AB-89005E9B3BBB}"/>
+                  <a16:creationId xmlns="" xmlns:a16="http://schemas.microsoft.com/office/drawing/2014/main" id="{BEB361D1-0D44-4F73-A5AB-89005E9B3BBB}"/>
                 </a:ext>
               </a:extLst>
             </p:cNvPr>
@@ -3788,7 +3699,7 @@
             <p:cNvPr id="7" name="Freeform 12">
               <a:extLst>
                 <a:ext uri="{FF2B5EF4-FFF2-40B4-BE49-F238E27FC236}">
-                  <a16:creationId xmlns:a16="http://schemas.microsoft.com/office/drawing/2014/main" xmlns="" id="{00BAB5DE-83E2-4F23-9579-23A3E6B2E8D7}"/>
+                  <a16:creationId xmlns="" xmlns:a16="http://schemas.microsoft.com/office/drawing/2014/main" id="{00BAB5DE-83E2-4F23-9579-23A3E6B2E8D7}"/>
                 </a:ext>
               </a:extLst>
             </p:cNvPr>
@@ -3978,7 +3889,7 @@
             <p:cNvPr id="8" name="Freeform 13">
               <a:extLst>
                 <a:ext uri="{FF2B5EF4-FFF2-40B4-BE49-F238E27FC236}">
-                  <a16:creationId xmlns:a16="http://schemas.microsoft.com/office/drawing/2014/main" xmlns="" id="{68016CAD-AF12-4D26-8AC2-C76C6ABF2F51}"/>
+                  <a16:creationId xmlns="" xmlns:a16="http://schemas.microsoft.com/office/drawing/2014/main" id="{68016CAD-AF12-4D26-8AC2-C76C6ABF2F51}"/>
                 </a:ext>
               </a:extLst>
             </p:cNvPr>
@@ -4287,7 +4198,7 @@
           <p:cNvPr id="9" name="Group 29">
             <a:extLst>
               <a:ext uri="{FF2B5EF4-FFF2-40B4-BE49-F238E27FC236}">
-                <a16:creationId xmlns:a16="http://schemas.microsoft.com/office/drawing/2014/main" xmlns="" id="{7EECFAAE-B14C-4531-8733-C3EBB39F3809}"/>
+                <a16:creationId xmlns="" xmlns:a16="http://schemas.microsoft.com/office/drawing/2014/main" id="{7EECFAAE-B14C-4531-8733-C3EBB39F3809}"/>
               </a:ext>
             </a:extLst>
           </p:cNvPr>
@@ -4316,7 +4227,7 @@
             <p:cNvPr id="10" name="AutoShape 28">
               <a:extLst>
                 <a:ext uri="{FF2B5EF4-FFF2-40B4-BE49-F238E27FC236}">
-                  <a16:creationId xmlns:a16="http://schemas.microsoft.com/office/drawing/2014/main" xmlns="" id="{4532A078-44B8-4A28-A257-932D125E0A11}"/>
+                  <a16:creationId xmlns="" xmlns:a16="http://schemas.microsoft.com/office/drawing/2014/main" id="{4532A078-44B8-4A28-A257-932D125E0A11}"/>
                 </a:ext>
               </a:extLst>
             </p:cNvPr>
@@ -4374,7 +4285,7 @@
             <p:cNvPr id="11" name="Freeform 30">
               <a:extLst>
                 <a:ext uri="{FF2B5EF4-FFF2-40B4-BE49-F238E27FC236}">
-                  <a16:creationId xmlns:a16="http://schemas.microsoft.com/office/drawing/2014/main" xmlns="" id="{8CB53D47-C730-430C-A10B-9503CF4A7EB1}"/>
+                  <a16:creationId xmlns="" xmlns:a16="http://schemas.microsoft.com/office/drawing/2014/main" id="{8CB53D47-C730-430C-A10B-9503CF4A7EB1}"/>
                 </a:ext>
               </a:extLst>
             </p:cNvPr>
@@ -4526,7 +4437,7 @@
             <p:cNvPr id="12" name="Rectangle 31">
               <a:extLst>
                 <a:ext uri="{FF2B5EF4-FFF2-40B4-BE49-F238E27FC236}">
-                  <a16:creationId xmlns:a16="http://schemas.microsoft.com/office/drawing/2014/main" xmlns="" id="{3C3781EF-9D59-4E7F-A8BA-6DBEA45E62CC}"/>
+                  <a16:creationId xmlns="" xmlns:a16="http://schemas.microsoft.com/office/drawing/2014/main" id="{3C3781EF-9D59-4E7F-A8BA-6DBEA45E62CC}"/>
                 </a:ext>
               </a:extLst>
             </p:cNvPr>
@@ -4581,7 +4492,7 @@
             <p:cNvPr id="13" name="Freeform 32">
               <a:extLst>
                 <a:ext uri="{FF2B5EF4-FFF2-40B4-BE49-F238E27FC236}">
-                  <a16:creationId xmlns:a16="http://schemas.microsoft.com/office/drawing/2014/main" xmlns="" id="{E92412B0-433D-4369-A490-A4C34CECAD3C}"/>
+                  <a16:creationId xmlns="" xmlns:a16="http://schemas.microsoft.com/office/drawing/2014/main" id="{E92412B0-433D-4369-A490-A4C34CECAD3C}"/>
                 </a:ext>
               </a:extLst>
             </p:cNvPr>
@@ -4713,7 +4624,7 @@
             <p:cNvPr id="15" name="Freeform 33">
               <a:extLst>
                 <a:ext uri="{FF2B5EF4-FFF2-40B4-BE49-F238E27FC236}">
-                  <a16:creationId xmlns:a16="http://schemas.microsoft.com/office/drawing/2014/main" xmlns="" id="{13F04C4D-4064-4466-9454-36D980971A37}"/>
+                  <a16:creationId xmlns="" xmlns:a16="http://schemas.microsoft.com/office/drawing/2014/main" id="{13F04C4D-4064-4466-9454-36D980971A37}"/>
                 </a:ext>
               </a:extLst>
             </p:cNvPr>
@@ -4895,7 +4806,7 @@
           <p:cNvPr id="16" name="Group 53">
             <a:extLst>
               <a:ext uri="{FF2B5EF4-FFF2-40B4-BE49-F238E27FC236}">
-                <a16:creationId xmlns:a16="http://schemas.microsoft.com/office/drawing/2014/main" xmlns="" id="{7630139E-0BFA-4F5E-AC00-F584FE51BD8C}"/>
+                <a16:creationId xmlns="" xmlns:a16="http://schemas.microsoft.com/office/drawing/2014/main" id="{7630139E-0BFA-4F5E-AC00-F584FE51BD8C}"/>
               </a:ext>
             </a:extLst>
           </p:cNvPr>
@@ -4924,7 +4835,7 @@
             <p:cNvPr id="17" name="AutoShape 52">
               <a:extLst>
                 <a:ext uri="{FF2B5EF4-FFF2-40B4-BE49-F238E27FC236}">
-                  <a16:creationId xmlns:a16="http://schemas.microsoft.com/office/drawing/2014/main" xmlns="" id="{136A9E2B-6946-4614-A3F1-50D76F80DE00}"/>
+                  <a16:creationId xmlns="" xmlns:a16="http://schemas.microsoft.com/office/drawing/2014/main" id="{136A9E2B-6946-4614-A3F1-50D76F80DE00}"/>
                 </a:ext>
               </a:extLst>
             </p:cNvPr>
@@ -4982,7 +4893,7 @@
             <p:cNvPr id="18" name="Freeform 54">
               <a:extLst>
                 <a:ext uri="{FF2B5EF4-FFF2-40B4-BE49-F238E27FC236}">
-                  <a16:creationId xmlns:a16="http://schemas.microsoft.com/office/drawing/2014/main" xmlns="" id="{DF519CA5-700D-41BE-9449-73218A924AC6}"/>
+                  <a16:creationId xmlns="" xmlns:a16="http://schemas.microsoft.com/office/drawing/2014/main" id="{DF519CA5-700D-41BE-9449-73218A924AC6}"/>
                 </a:ext>
               </a:extLst>
             </p:cNvPr>
@@ -5134,7 +5045,7 @@
             <p:cNvPr id="19" name="Freeform 55">
               <a:extLst>
                 <a:ext uri="{FF2B5EF4-FFF2-40B4-BE49-F238E27FC236}">
-                  <a16:creationId xmlns:a16="http://schemas.microsoft.com/office/drawing/2014/main" xmlns="" id="{8FFAA619-61DA-447A-98CF-D2C90E78B0B0}"/>
+                  <a16:creationId xmlns="" xmlns:a16="http://schemas.microsoft.com/office/drawing/2014/main" id="{8FFAA619-61DA-447A-98CF-D2C90E78B0B0}"/>
                 </a:ext>
               </a:extLst>
             </p:cNvPr>
@@ -5980,11 +5891,6 @@
               </a:rPr>
               <a:t>&gt;</a:t>
             </a:r>
-            <a:endParaRPr lang="de-DE" sz="400" dirty="0" smtClean="0">
-              <a:solidFill>
-                <a:schemeClr val="tx1"/>
-              </a:solidFill>
-            </a:endParaRPr>
           </a:p>
         </p:txBody>
       </p:sp>
@@ -6029,1206 +5935,1206 @@
           </a:extLst>
         </p:spPr>
       </p:pic>
-      <p:sp>
-        <p:nvSpPr>
-          <p:cNvPr id="28" name="Ellipse 27">
-            <a:extLst>
-              <a:ext uri="{FF2B5EF4-FFF2-40B4-BE49-F238E27FC236}">
-                <a16:creationId xmlns:a16="http://schemas.microsoft.com/office/drawing/2014/main" xmlns="" id="{7FB5B9D4-CD39-4A2D-92C5-3CC94F386CB3}"/>
-              </a:ext>
-            </a:extLst>
-          </p:cNvPr>
-          <p:cNvSpPr/>
+      <p:grpSp>
+        <p:nvGrpSpPr>
+          <p:cNvPr id="3" name="Gruppieren 2"/>
+          <p:cNvGrpSpPr/>
           <p:nvPr/>
-        </p:nvSpPr>
-        <p:spPr>
+        </p:nvGrpSpPr>
+        <p:grpSpPr>
           <a:xfrm>
-            <a:off x="786293" y="2571953"/>
-            <a:ext cx="360000" cy="360000"/>
+            <a:off x="504592" y="2623626"/>
+            <a:ext cx="3222416" cy="1679459"/>
+            <a:chOff x="783992" y="2571953"/>
+            <a:chExt cx="3222416" cy="1679459"/>
           </a:xfrm>
-          <a:prstGeom prst="ellipse">
-            <a:avLst/>
-          </a:prstGeom>
-          <a:solidFill>
-            <a:schemeClr val="accent4"/>
-          </a:solidFill>
-          <a:ln w="9525">
-            <a:noFill/>
-          </a:ln>
-        </p:spPr>
-        <p:style>
-          <a:lnRef idx="2">
-            <a:schemeClr val="accent1">
-              <a:shade val="50000"/>
-            </a:schemeClr>
-          </a:lnRef>
-          <a:fillRef idx="1">
-            <a:schemeClr val="accent1"/>
-          </a:fillRef>
-          <a:effectRef idx="0">
-            <a:schemeClr val="accent1"/>
-          </a:effectRef>
-          <a:fontRef idx="minor">
-            <a:schemeClr val="lt1"/>
-          </a:fontRef>
-        </p:style>
-        <p:txBody>
-          <a:bodyPr rtlCol="0" anchor="ctr"/>
-          <a:lstStyle/>
-          <a:p>
-            <a:pPr algn="ctr"/>
-            <a:r>
-              <a:rPr lang="de-DE" sz="1600" b="1" dirty="0" smtClean="0">
+        </p:grpSpPr>
+        <p:sp>
+          <p:nvSpPr>
+            <p:cNvPr id="28" name="Ellipse 27">
+              <a:extLst>
+                <a:ext uri="{FF2B5EF4-FFF2-40B4-BE49-F238E27FC236}">
+                  <a16:creationId xmlns="" xmlns:a16="http://schemas.microsoft.com/office/drawing/2014/main" id="{7FB5B9D4-CD39-4A2D-92C5-3CC94F386CB3}"/>
+                </a:ext>
+              </a:extLst>
+            </p:cNvPr>
+            <p:cNvSpPr/>
+            <p:nvPr/>
+          </p:nvSpPr>
+          <p:spPr>
+            <a:xfrm>
+              <a:off x="786293" y="2571953"/>
+              <a:ext cx="360000" cy="360000"/>
+            </a:xfrm>
+            <a:prstGeom prst="ellipse">
+              <a:avLst/>
+            </a:prstGeom>
+            <a:solidFill>
+              <a:schemeClr val="accent4"/>
+            </a:solidFill>
+            <a:ln w="9525">
+              <a:noFill/>
+            </a:ln>
+          </p:spPr>
+          <p:style>
+            <a:lnRef idx="2">
+              <a:schemeClr val="accent1">
+                <a:shade val="50000"/>
+              </a:schemeClr>
+            </a:lnRef>
+            <a:fillRef idx="1">
+              <a:schemeClr val="accent1"/>
+            </a:fillRef>
+            <a:effectRef idx="0">
+              <a:schemeClr val="accent1"/>
+            </a:effectRef>
+            <a:fontRef idx="minor">
+              <a:schemeClr val="lt1"/>
+            </a:fontRef>
+          </p:style>
+          <p:txBody>
+            <a:bodyPr rtlCol="0" anchor="ctr"/>
+            <a:lstStyle/>
+            <a:p>
+              <a:pPr algn="ctr"/>
+              <a:r>
+                <a:rPr lang="de-DE" sz="1600" b="1" dirty="0" smtClean="0">
+                  <a:solidFill>
+                    <a:schemeClr val="bg1"/>
+                  </a:solidFill>
+                </a:rPr>
+                <a:t>1</a:t>
+              </a:r>
+              <a:endParaRPr lang="de-DE" sz="1600" b="1" dirty="0">
                 <a:solidFill>
                   <a:schemeClr val="bg1"/>
                 </a:solidFill>
-              </a:rPr>
-              <a:t>1</a:t>
-            </a:r>
-            <a:endParaRPr lang="de-DE" sz="1600" b="1" dirty="0">
-              <a:solidFill>
-                <a:schemeClr val="bg1"/>
-              </a:solidFill>
-            </a:endParaRPr>
-          </a:p>
-        </p:txBody>
-      </p:sp>
-      <p:sp>
-        <p:nvSpPr>
-          <p:cNvPr id="29" name="Ellipse 28">
-            <a:extLst>
-              <a:ext uri="{FF2B5EF4-FFF2-40B4-BE49-F238E27FC236}">
-                <a16:creationId xmlns:a16="http://schemas.microsoft.com/office/drawing/2014/main" xmlns="" id="{7FB5B9D4-CD39-4A2D-92C5-3CC94F386CB3}"/>
-              </a:ext>
-            </a:extLst>
-          </p:cNvPr>
-          <p:cNvSpPr/>
-          <p:nvPr/>
-        </p:nvSpPr>
-        <p:spPr>
-          <a:xfrm>
-            <a:off x="784707" y="3022803"/>
-            <a:ext cx="360000" cy="360000"/>
-          </a:xfrm>
-          <a:prstGeom prst="ellipse">
-            <a:avLst/>
-          </a:prstGeom>
-          <a:solidFill>
-            <a:schemeClr val="accent4"/>
-          </a:solidFill>
-          <a:ln w="9525">
-            <a:noFill/>
-          </a:ln>
-        </p:spPr>
-        <p:style>
-          <a:lnRef idx="2">
-            <a:schemeClr val="accent1">
-              <a:shade val="50000"/>
-            </a:schemeClr>
-          </a:lnRef>
-          <a:fillRef idx="1">
-            <a:schemeClr val="accent1"/>
-          </a:fillRef>
-          <a:effectRef idx="0">
-            <a:schemeClr val="accent1"/>
-          </a:effectRef>
-          <a:fontRef idx="minor">
-            <a:schemeClr val="lt1"/>
-          </a:fontRef>
-        </p:style>
-        <p:txBody>
-          <a:bodyPr rtlCol="0" anchor="ctr"/>
-          <a:lstStyle/>
-          <a:p>
-            <a:pPr algn="ctr"/>
-            <a:r>
-              <a:rPr lang="de-DE" sz="1600" b="1" dirty="0" smtClean="0">
+              </a:endParaRPr>
+            </a:p>
+          </p:txBody>
+        </p:sp>
+        <p:sp>
+          <p:nvSpPr>
+            <p:cNvPr id="29" name="Ellipse 28">
+              <a:extLst>
+                <a:ext uri="{FF2B5EF4-FFF2-40B4-BE49-F238E27FC236}">
+                  <a16:creationId xmlns="" xmlns:a16="http://schemas.microsoft.com/office/drawing/2014/main" id="{7FB5B9D4-CD39-4A2D-92C5-3CC94F386CB3}"/>
+                </a:ext>
+              </a:extLst>
+            </p:cNvPr>
+            <p:cNvSpPr/>
+            <p:nvPr/>
+          </p:nvSpPr>
+          <p:spPr>
+            <a:xfrm>
+              <a:off x="784707" y="3022803"/>
+              <a:ext cx="360000" cy="360000"/>
+            </a:xfrm>
+            <a:prstGeom prst="ellipse">
+              <a:avLst/>
+            </a:prstGeom>
+            <a:solidFill>
+              <a:schemeClr val="accent4"/>
+            </a:solidFill>
+            <a:ln w="9525">
+              <a:noFill/>
+            </a:ln>
+          </p:spPr>
+          <p:style>
+            <a:lnRef idx="2">
+              <a:schemeClr val="accent1">
+                <a:shade val="50000"/>
+              </a:schemeClr>
+            </a:lnRef>
+            <a:fillRef idx="1">
+              <a:schemeClr val="accent1"/>
+            </a:fillRef>
+            <a:effectRef idx="0">
+              <a:schemeClr val="accent1"/>
+            </a:effectRef>
+            <a:fontRef idx="minor">
+              <a:schemeClr val="lt1"/>
+            </a:fontRef>
+          </p:style>
+          <p:txBody>
+            <a:bodyPr rtlCol="0" anchor="ctr"/>
+            <a:lstStyle/>
+            <a:p>
+              <a:pPr algn="ctr"/>
+              <a:r>
+                <a:rPr lang="de-DE" sz="1600" b="1" dirty="0" smtClean="0">
+                  <a:solidFill>
+                    <a:schemeClr val="bg1"/>
+                  </a:solidFill>
+                </a:rPr>
+                <a:t>2</a:t>
+              </a:r>
+              <a:endParaRPr lang="de-DE" sz="1600" b="1" dirty="0">
                 <a:solidFill>
                   <a:schemeClr val="bg1"/>
                 </a:solidFill>
-              </a:rPr>
-              <a:t>2</a:t>
-            </a:r>
-            <a:endParaRPr lang="de-DE" sz="1600" b="1" dirty="0">
-              <a:solidFill>
-                <a:schemeClr val="bg1"/>
-              </a:solidFill>
-            </a:endParaRPr>
-          </a:p>
-        </p:txBody>
-      </p:sp>
-      <p:sp>
-        <p:nvSpPr>
-          <p:cNvPr id="30" name="Ellipse 29">
-            <a:extLst>
-              <a:ext uri="{FF2B5EF4-FFF2-40B4-BE49-F238E27FC236}">
-                <a16:creationId xmlns:a16="http://schemas.microsoft.com/office/drawing/2014/main" xmlns="" id="{7FB5B9D4-CD39-4A2D-92C5-3CC94F386CB3}"/>
-              </a:ext>
-            </a:extLst>
-          </p:cNvPr>
-          <p:cNvSpPr/>
-          <p:nvPr/>
-        </p:nvSpPr>
-        <p:spPr>
-          <a:xfrm>
-            <a:off x="784093" y="3457006"/>
-            <a:ext cx="360000" cy="360000"/>
-          </a:xfrm>
-          <a:prstGeom prst="ellipse">
-            <a:avLst/>
-          </a:prstGeom>
-          <a:solidFill>
-            <a:schemeClr val="accent4"/>
-          </a:solidFill>
-          <a:ln w="9525">
-            <a:noFill/>
-          </a:ln>
-        </p:spPr>
-        <p:style>
-          <a:lnRef idx="2">
-            <a:schemeClr val="accent1">
-              <a:shade val="50000"/>
-            </a:schemeClr>
-          </a:lnRef>
-          <a:fillRef idx="1">
-            <a:schemeClr val="accent1"/>
-          </a:fillRef>
-          <a:effectRef idx="0">
-            <a:schemeClr val="accent1"/>
-          </a:effectRef>
-          <a:fontRef idx="minor">
-            <a:schemeClr val="lt1"/>
-          </a:fontRef>
-        </p:style>
-        <p:txBody>
-          <a:bodyPr rtlCol="0" anchor="ctr"/>
-          <a:lstStyle/>
-          <a:p>
-            <a:pPr algn="ctr"/>
-            <a:r>
-              <a:rPr lang="de-DE" sz="1600" b="1" dirty="0">
+              </a:endParaRPr>
+            </a:p>
+          </p:txBody>
+        </p:sp>
+        <p:sp>
+          <p:nvSpPr>
+            <p:cNvPr id="30" name="Ellipse 29">
+              <a:extLst>
+                <a:ext uri="{FF2B5EF4-FFF2-40B4-BE49-F238E27FC236}">
+                  <a16:creationId xmlns="" xmlns:a16="http://schemas.microsoft.com/office/drawing/2014/main" id="{7FB5B9D4-CD39-4A2D-92C5-3CC94F386CB3}"/>
+                </a:ext>
+              </a:extLst>
+            </p:cNvPr>
+            <p:cNvSpPr/>
+            <p:nvPr/>
+          </p:nvSpPr>
+          <p:spPr>
+            <a:xfrm>
+              <a:off x="784093" y="3457006"/>
+              <a:ext cx="360000" cy="360000"/>
+            </a:xfrm>
+            <a:prstGeom prst="ellipse">
+              <a:avLst/>
+            </a:prstGeom>
+            <a:solidFill>
+              <a:schemeClr val="accent4"/>
+            </a:solidFill>
+            <a:ln w="9525">
+              <a:noFill/>
+            </a:ln>
+          </p:spPr>
+          <p:style>
+            <a:lnRef idx="2">
+              <a:schemeClr val="accent1">
+                <a:shade val="50000"/>
+              </a:schemeClr>
+            </a:lnRef>
+            <a:fillRef idx="1">
+              <a:schemeClr val="accent1"/>
+            </a:fillRef>
+            <a:effectRef idx="0">
+              <a:schemeClr val="accent1"/>
+            </a:effectRef>
+            <a:fontRef idx="minor">
+              <a:schemeClr val="lt1"/>
+            </a:fontRef>
+          </p:style>
+          <p:txBody>
+            <a:bodyPr rtlCol="0" anchor="ctr"/>
+            <a:lstStyle/>
+            <a:p>
+              <a:pPr algn="ctr"/>
+              <a:r>
+                <a:rPr lang="de-DE" sz="1600" b="1" dirty="0">
+                  <a:solidFill>
+                    <a:schemeClr val="bg1"/>
+                  </a:solidFill>
+                </a:rPr>
+                <a:t>3</a:t>
+              </a:r>
+            </a:p>
+          </p:txBody>
+        </p:sp>
+        <p:sp>
+          <p:nvSpPr>
+            <p:cNvPr id="31" name="Ellipse 30">
+              <a:extLst>
+                <a:ext uri="{FF2B5EF4-FFF2-40B4-BE49-F238E27FC236}">
+                  <a16:creationId xmlns="" xmlns:a16="http://schemas.microsoft.com/office/drawing/2014/main" id="{7FB5B9D4-CD39-4A2D-92C5-3CC94F386CB3}"/>
+                </a:ext>
+              </a:extLst>
+            </p:cNvPr>
+            <p:cNvSpPr/>
+            <p:nvPr/>
+          </p:nvSpPr>
+          <p:spPr>
+            <a:xfrm>
+              <a:off x="783992" y="3888806"/>
+              <a:ext cx="360000" cy="360000"/>
+            </a:xfrm>
+            <a:prstGeom prst="ellipse">
+              <a:avLst/>
+            </a:prstGeom>
+            <a:solidFill>
+              <a:schemeClr val="accent2"/>
+            </a:solidFill>
+            <a:ln w="9525">
+              <a:noFill/>
+            </a:ln>
+          </p:spPr>
+          <p:style>
+            <a:lnRef idx="2">
+              <a:schemeClr val="accent1">
+                <a:shade val="50000"/>
+              </a:schemeClr>
+            </a:lnRef>
+            <a:fillRef idx="1">
+              <a:schemeClr val="accent1"/>
+            </a:fillRef>
+            <a:effectRef idx="0">
+              <a:schemeClr val="accent1"/>
+            </a:effectRef>
+            <a:fontRef idx="minor">
+              <a:schemeClr val="lt1"/>
+            </a:fontRef>
+          </p:style>
+          <p:txBody>
+            <a:bodyPr rtlCol="0" anchor="ctr"/>
+            <a:lstStyle/>
+            <a:p>
+              <a:pPr algn="ctr"/>
+              <a:r>
+                <a:rPr lang="de-DE" sz="1600" b="1" dirty="0" smtClean="0">
+                  <a:solidFill>
+                    <a:schemeClr val="bg1"/>
+                  </a:solidFill>
+                </a:rPr>
+                <a:t>4</a:t>
+              </a:r>
+              <a:endParaRPr lang="de-DE" sz="1600" b="1" dirty="0">
                 <a:solidFill>
                   <a:schemeClr val="bg1"/>
                 </a:solidFill>
-              </a:rPr>
-              <a:t>3</a:t>
-            </a:r>
-            <a:endParaRPr lang="de-DE" sz="1600" b="1" dirty="0">
-              <a:solidFill>
-                <a:schemeClr val="bg1"/>
-              </a:solidFill>
-            </a:endParaRPr>
-          </a:p>
-        </p:txBody>
-      </p:sp>
-      <p:sp>
-        <p:nvSpPr>
-          <p:cNvPr id="31" name="Ellipse 30">
-            <a:extLst>
-              <a:ext uri="{FF2B5EF4-FFF2-40B4-BE49-F238E27FC236}">
-                <a16:creationId xmlns:a16="http://schemas.microsoft.com/office/drawing/2014/main" xmlns="" id="{7FB5B9D4-CD39-4A2D-92C5-3CC94F386CB3}"/>
-              </a:ext>
-            </a:extLst>
-          </p:cNvPr>
-          <p:cNvSpPr/>
+              </a:endParaRPr>
+            </a:p>
+          </p:txBody>
+        </p:sp>
+        <p:sp>
+          <p:nvSpPr>
+            <p:cNvPr id="27" name="Textfeld 26"/>
+            <p:cNvSpPr txBox="1"/>
+            <p:nvPr/>
+          </p:nvSpPr>
+          <p:spPr>
+            <a:xfrm>
+              <a:off x="1148857" y="2574762"/>
+              <a:ext cx="2857551" cy="360000"/>
+            </a:xfrm>
+            <a:prstGeom prst="rect">
+              <a:avLst/>
+            </a:prstGeom>
+            <a:noFill/>
+          </p:spPr>
+          <p:txBody>
+            <a:bodyPr wrap="none" rtlCol="0" anchor="ctr">
+              <a:noAutofit/>
+            </a:bodyPr>
+            <a:lstStyle/>
+            <a:p>
+              <a:r>
+                <a:rPr lang="de-DE" sz="1200" dirty="0" smtClean="0">
+                  <a:solidFill>
+                    <a:srgbClr val="344046"/>
+                  </a:solidFill>
+                </a:rPr>
+                <a:t>Server </a:t>
+              </a:r>
+              <a:r>
+                <a:rPr lang="de-DE" sz="1200" dirty="0" err="1" smtClean="0">
+                  <a:solidFill>
+                    <a:srgbClr val="344046"/>
+                  </a:solidFill>
+                </a:rPr>
+                <a:t>sending</a:t>
+              </a:r>
+              <a:r>
+                <a:rPr lang="de-DE" sz="1200" dirty="0" smtClean="0">
+                  <a:solidFill>
+                    <a:srgbClr val="344046"/>
+                  </a:solidFill>
+                </a:rPr>
+                <a:t> Response </a:t>
+              </a:r>
+              <a:r>
+                <a:rPr lang="de-DE" sz="1200" dirty="0" err="1" smtClean="0">
+                  <a:solidFill>
+                    <a:srgbClr val="344046"/>
+                  </a:solidFill>
+                </a:rPr>
+                <a:t>to</a:t>
+              </a:r>
+              <a:r>
+                <a:rPr lang="de-DE" sz="1200" dirty="0" smtClean="0">
+                  <a:solidFill>
+                    <a:srgbClr val="344046"/>
+                  </a:solidFill>
+                </a:rPr>
+                <a:t> Browser</a:t>
+              </a:r>
+            </a:p>
+          </p:txBody>
+        </p:sp>
+        <p:sp>
+          <p:nvSpPr>
+            <p:cNvPr id="37" name="Textfeld 36"/>
+            <p:cNvSpPr txBox="1"/>
+            <p:nvPr/>
+          </p:nvSpPr>
+          <p:spPr>
+            <a:xfrm>
+              <a:off x="1148857" y="3022803"/>
+              <a:ext cx="2857551" cy="360000"/>
+            </a:xfrm>
+            <a:prstGeom prst="rect">
+              <a:avLst/>
+            </a:prstGeom>
+            <a:noFill/>
+          </p:spPr>
+          <p:txBody>
+            <a:bodyPr wrap="none" rtlCol="0" anchor="ctr">
+              <a:noAutofit/>
+            </a:bodyPr>
+            <a:lstStyle/>
+            <a:p>
+              <a:r>
+                <a:rPr lang="de-DE" sz="1200" dirty="0" smtClean="0">
+                  <a:solidFill>
+                    <a:srgbClr val="344046"/>
+                  </a:solidFill>
+                </a:rPr>
+                <a:t>Browser </a:t>
+              </a:r>
+              <a:r>
+                <a:rPr lang="de-DE" sz="1200" dirty="0" err="1" smtClean="0">
+                  <a:solidFill>
+                    <a:srgbClr val="344046"/>
+                  </a:solidFill>
+                </a:rPr>
+                <a:t>downloads</a:t>
+              </a:r>
+              <a:r>
+                <a:rPr lang="de-DE" sz="1200" dirty="0" smtClean="0">
+                  <a:solidFill>
+                    <a:srgbClr val="344046"/>
+                  </a:solidFill>
+                </a:rPr>
+                <a:t> JS</a:t>
+              </a:r>
+            </a:p>
+          </p:txBody>
+        </p:sp>
+        <p:sp>
+          <p:nvSpPr>
+            <p:cNvPr id="38" name="Textfeld 37"/>
+            <p:cNvSpPr txBox="1"/>
+            <p:nvPr/>
+          </p:nvSpPr>
+          <p:spPr>
+            <a:xfrm>
+              <a:off x="1143991" y="3891412"/>
+              <a:ext cx="2857551" cy="360000"/>
+            </a:xfrm>
+            <a:prstGeom prst="rect">
+              <a:avLst/>
+            </a:prstGeom>
+            <a:noFill/>
+          </p:spPr>
+          <p:txBody>
+            <a:bodyPr wrap="none" rtlCol="0" anchor="ctr">
+              <a:noAutofit/>
+            </a:bodyPr>
+            <a:lstStyle/>
+            <a:p>
+              <a:r>
+                <a:rPr lang="de-DE" sz="1200" dirty="0" smtClean="0">
+                  <a:solidFill>
+                    <a:srgbClr val="344046"/>
+                  </a:solidFill>
+                </a:rPr>
+                <a:t>Page </a:t>
+              </a:r>
+              <a:r>
+                <a:rPr lang="de-DE" sz="1200" dirty="0" err="1" smtClean="0">
+                  <a:solidFill>
+                    <a:srgbClr val="344046"/>
+                  </a:solidFill>
+                </a:rPr>
+                <a:t>now</a:t>
+              </a:r>
+              <a:r>
+                <a:rPr lang="de-DE" sz="1200" dirty="0" smtClean="0">
+                  <a:solidFill>
+                    <a:srgbClr val="344046"/>
+                  </a:solidFill>
+                </a:rPr>
+                <a:t> </a:t>
+              </a:r>
+              <a:r>
+                <a:rPr lang="de-DE" sz="1200" dirty="0" err="1" smtClean="0">
+                  <a:solidFill>
+                    <a:srgbClr val="344046"/>
+                  </a:solidFill>
+                </a:rPr>
+                <a:t>viewable</a:t>
+              </a:r>
+              <a:r>
+                <a:rPr lang="de-DE" sz="1200" dirty="0" smtClean="0">
+                  <a:solidFill>
+                    <a:srgbClr val="344046"/>
+                  </a:solidFill>
+                </a:rPr>
+                <a:t> </a:t>
+              </a:r>
+              <a:r>
+                <a:rPr lang="de-DE" sz="1200" dirty="0" err="1" smtClean="0">
+                  <a:solidFill>
+                    <a:srgbClr val="344046"/>
+                  </a:solidFill>
+                </a:rPr>
+                <a:t>and</a:t>
+              </a:r>
+              <a:r>
+                <a:rPr lang="de-DE" sz="1200" dirty="0" smtClean="0">
+                  <a:solidFill>
+                    <a:srgbClr val="344046"/>
+                  </a:solidFill>
+                </a:rPr>
+                <a:t> </a:t>
+              </a:r>
+              <a:r>
+                <a:rPr lang="de-DE" sz="1200" dirty="0" err="1" smtClean="0">
+                  <a:solidFill>
+                    <a:srgbClr val="344046"/>
+                  </a:solidFill>
+                </a:rPr>
+                <a:t>interactable</a:t>
+              </a:r>
+              <a:endParaRPr lang="de-DE" sz="1200" dirty="0" smtClean="0">
+                <a:solidFill>
+                  <a:srgbClr val="344046"/>
+                </a:solidFill>
+              </a:endParaRPr>
+            </a:p>
+          </p:txBody>
+        </p:sp>
+        <p:sp>
+          <p:nvSpPr>
+            <p:cNvPr id="39" name="Textfeld 38"/>
+            <p:cNvSpPr txBox="1"/>
+            <p:nvPr/>
+          </p:nvSpPr>
+          <p:spPr>
+            <a:xfrm>
+              <a:off x="1143992" y="3457006"/>
+              <a:ext cx="2857551" cy="360000"/>
+            </a:xfrm>
+            <a:prstGeom prst="rect">
+              <a:avLst/>
+            </a:prstGeom>
+            <a:noFill/>
+          </p:spPr>
+          <p:txBody>
+            <a:bodyPr wrap="none" rtlCol="0" anchor="ctr">
+              <a:noAutofit/>
+            </a:bodyPr>
+            <a:lstStyle/>
+            <a:p>
+              <a:r>
+                <a:rPr lang="de-DE" sz="1200" dirty="0" smtClean="0">
+                  <a:solidFill>
+                    <a:srgbClr val="344046"/>
+                  </a:solidFill>
+                </a:rPr>
+                <a:t>Browser </a:t>
+              </a:r>
+              <a:r>
+                <a:rPr lang="de-DE" sz="1200" dirty="0" err="1" smtClean="0">
+                  <a:solidFill>
+                    <a:srgbClr val="344046"/>
+                  </a:solidFill>
+                </a:rPr>
+                <a:t>executes</a:t>
+              </a:r>
+              <a:r>
+                <a:rPr lang="de-DE" sz="1200" dirty="0" smtClean="0">
+                  <a:solidFill>
+                    <a:srgbClr val="344046"/>
+                  </a:solidFill>
+                </a:rPr>
+                <a:t> </a:t>
+              </a:r>
+              <a:r>
+                <a:rPr lang="de-DE" sz="1200" dirty="0" err="1" smtClean="0">
+                  <a:solidFill>
+                    <a:srgbClr val="344046"/>
+                  </a:solidFill>
+                </a:rPr>
+                <a:t>React</a:t>
+              </a:r>
+              <a:endParaRPr lang="de-DE" sz="1200" dirty="0" smtClean="0">
+                <a:solidFill>
+                  <a:srgbClr val="344046"/>
+                </a:solidFill>
+              </a:endParaRPr>
+            </a:p>
+          </p:txBody>
+        </p:sp>
+      </p:grpSp>
+      <p:grpSp>
+        <p:nvGrpSpPr>
+          <p:cNvPr id="2" name="Gruppieren 1"/>
+          <p:cNvGrpSpPr/>
           <p:nvPr/>
-        </p:nvSpPr>
-        <p:spPr>
+        </p:nvGrpSpPr>
+        <p:grpSpPr>
           <a:xfrm>
-            <a:off x="783992" y="3888806"/>
-            <a:ext cx="360000" cy="360000"/>
+            <a:off x="4108450" y="2620553"/>
+            <a:ext cx="3219852" cy="1676853"/>
+            <a:chOff x="4419600" y="2544353"/>
+            <a:chExt cx="3219852" cy="1676853"/>
           </a:xfrm>
-          <a:prstGeom prst="ellipse">
-            <a:avLst/>
-          </a:prstGeom>
-          <a:solidFill>
-            <a:schemeClr val="accent2"/>
-          </a:solidFill>
-          <a:ln w="9525">
-            <a:noFill/>
-          </a:ln>
-        </p:spPr>
-        <p:style>
-          <a:lnRef idx="2">
-            <a:schemeClr val="accent1">
-              <a:shade val="50000"/>
-            </a:schemeClr>
-          </a:lnRef>
-          <a:fillRef idx="1">
-            <a:schemeClr val="accent1"/>
-          </a:fillRef>
-          <a:effectRef idx="0">
-            <a:schemeClr val="accent1"/>
-          </a:effectRef>
-          <a:fontRef idx="minor">
-            <a:schemeClr val="lt1"/>
-          </a:fontRef>
-        </p:style>
-        <p:txBody>
-          <a:bodyPr rtlCol="0" anchor="ctr"/>
-          <a:lstStyle/>
-          <a:p>
-            <a:pPr algn="ctr"/>
-            <a:r>
-              <a:rPr lang="de-DE" sz="1600" b="1" dirty="0" smtClean="0">
+        </p:grpSpPr>
+        <p:sp>
+          <p:nvSpPr>
+            <p:cNvPr id="32" name="Ellipse 31">
+              <a:extLst>
+                <a:ext uri="{FF2B5EF4-FFF2-40B4-BE49-F238E27FC236}">
+                  <a16:creationId xmlns="" xmlns:a16="http://schemas.microsoft.com/office/drawing/2014/main" id="{7FB5B9D4-CD39-4A2D-92C5-3CC94F386CB3}"/>
+                </a:ext>
+              </a:extLst>
+            </p:cNvPr>
+            <p:cNvSpPr/>
+            <p:nvPr/>
+          </p:nvSpPr>
+          <p:spPr>
+            <a:xfrm>
+              <a:off x="4421901" y="2544353"/>
+              <a:ext cx="360000" cy="360000"/>
+            </a:xfrm>
+            <a:prstGeom prst="ellipse">
+              <a:avLst/>
+            </a:prstGeom>
+            <a:solidFill>
+              <a:schemeClr val="accent4"/>
+            </a:solidFill>
+            <a:ln w="9525">
+              <a:noFill/>
+            </a:ln>
+          </p:spPr>
+          <p:style>
+            <a:lnRef idx="2">
+              <a:schemeClr val="accent1">
+                <a:shade val="50000"/>
+              </a:schemeClr>
+            </a:lnRef>
+            <a:fillRef idx="1">
+              <a:schemeClr val="accent1"/>
+            </a:fillRef>
+            <a:effectRef idx="0">
+              <a:schemeClr val="accent1"/>
+            </a:effectRef>
+            <a:fontRef idx="minor">
+              <a:schemeClr val="lt1"/>
+            </a:fontRef>
+          </p:style>
+          <p:txBody>
+            <a:bodyPr rtlCol="0" anchor="ctr"/>
+            <a:lstStyle/>
+            <a:p>
+              <a:pPr algn="ctr"/>
+              <a:r>
+                <a:rPr lang="de-DE" sz="1600" b="1" dirty="0" smtClean="0">
+                  <a:solidFill>
+                    <a:schemeClr val="bg1"/>
+                  </a:solidFill>
+                </a:rPr>
+                <a:t>1</a:t>
+              </a:r>
+              <a:endParaRPr lang="de-DE" sz="1600" b="1" dirty="0">
                 <a:solidFill>
                   <a:schemeClr val="bg1"/>
                 </a:solidFill>
-              </a:rPr>
-              <a:t>4</a:t>
-            </a:r>
-            <a:endParaRPr lang="de-DE" sz="1600" b="1" dirty="0">
-              <a:solidFill>
-                <a:schemeClr val="bg1"/>
-              </a:solidFill>
-            </a:endParaRPr>
-          </a:p>
-        </p:txBody>
-      </p:sp>
-      <p:sp>
-        <p:nvSpPr>
-          <p:cNvPr id="32" name="Ellipse 31">
-            <a:extLst>
-              <a:ext uri="{FF2B5EF4-FFF2-40B4-BE49-F238E27FC236}">
-                <a16:creationId xmlns:a16="http://schemas.microsoft.com/office/drawing/2014/main" xmlns="" id="{7FB5B9D4-CD39-4A2D-92C5-3CC94F386CB3}"/>
-              </a:ext>
-            </a:extLst>
-          </p:cNvPr>
-          <p:cNvSpPr/>
-          <p:nvPr/>
-        </p:nvSpPr>
-        <p:spPr>
-          <a:xfrm>
-            <a:off x="4421901" y="2544353"/>
-            <a:ext cx="360000" cy="360000"/>
-          </a:xfrm>
-          <a:prstGeom prst="ellipse">
-            <a:avLst/>
-          </a:prstGeom>
-          <a:solidFill>
-            <a:schemeClr val="accent4"/>
-          </a:solidFill>
-          <a:ln w="9525">
-            <a:noFill/>
-          </a:ln>
-        </p:spPr>
-        <p:style>
-          <a:lnRef idx="2">
-            <a:schemeClr val="accent1">
-              <a:shade val="50000"/>
-            </a:schemeClr>
-          </a:lnRef>
-          <a:fillRef idx="1">
-            <a:schemeClr val="accent1"/>
-          </a:fillRef>
-          <a:effectRef idx="0">
-            <a:schemeClr val="accent1"/>
-          </a:effectRef>
-          <a:fontRef idx="minor">
-            <a:schemeClr val="lt1"/>
-          </a:fontRef>
-        </p:style>
-        <p:txBody>
-          <a:bodyPr rtlCol="0" anchor="ctr"/>
-          <a:lstStyle/>
-          <a:p>
-            <a:pPr algn="ctr"/>
-            <a:r>
-              <a:rPr lang="de-DE" sz="1600" b="1" dirty="0" smtClean="0">
+              </a:endParaRPr>
+            </a:p>
+          </p:txBody>
+        </p:sp>
+        <p:sp>
+          <p:nvSpPr>
+            <p:cNvPr id="33" name="Ellipse 32">
+              <a:extLst>
+                <a:ext uri="{FF2B5EF4-FFF2-40B4-BE49-F238E27FC236}">
+                  <a16:creationId xmlns="" xmlns:a16="http://schemas.microsoft.com/office/drawing/2014/main" id="{7FB5B9D4-CD39-4A2D-92C5-3CC94F386CB3}"/>
+                </a:ext>
+              </a:extLst>
+            </p:cNvPr>
+            <p:cNvSpPr/>
+            <p:nvPr/>
+          </p:nvSpPr>
+          <p:spPr>
+            <a:xfrm>
+              <a:off x="4420315" y="2995203"/>
+              <a:ext cx="360000" cy="360000"/>
+            </a:xfrm>
+            <a:prstGeom prst="ellipse">
+              <a:avLst/>
+            </a:prstGeom>
+            <a:solidFill>
+              <a:srgbClr val="FFC000"/>
+            </a:solidFill>
+            <a:ln w="9525">
+              <a:noFill/>
+            </a:ln>
+          </p:spPr>
+          <p:style>
+            <a:lnRef idx="2">
+              <a:schemeClr val="accent1">
+                <a:shade val="50000"/>
+              </a:schemeClr>
+            </a:lnRef>
+            <a:fillRef idx="1">
+              <a:schemeClr val="accent1"/>
+            </a:fillRef>
+            <a:effectRef idx="0">
+              <a:schemeClr val="accent1"/>
+            </a:effectRef>
+            <a:fontRef idx="minor">
+              <a:schemeClr val="lt1"/>
+            </a:fontRef>
+          </p:style>
+          <p:txBody>
+            <a:bodyPr rtlCol="0" anchor="ctr"/>
+            <a:lstStyle/>
+            <a:p>
+              <a:pPr algn="ctr"/>
+              <a:r>
+                <a:rPr lang="de-DE" sz="1600" b="1" dirty="0" smtClean="0">
+                  <a:solidFill>
+                    <a:schemeClr val="bg1"/>
+                  </a:solidFill>
+                </a:rPr>
+                <a:t>2</a:t>
+              </a:r>
+              <a:endParaRPr lang="de-DE" sz="1600" b="1" dirty="0">
                 <a:solidFill>
                   <a:schemeClr val="bg1"/>
                 </a:solidFill>
-              </a:rPr>
-              <a:t>1</a:t>
-            </a:r>
-            <a:endParaRPr lang="de-DE" sz="1600" b="1" dirty="0">
-              <a:solidFill>
-                <a:schemeClr val="bg1"/>
-              </a:solidFill>
-            </a:endParaRPr>
-          </a:p>
-        </p:txBody>
-      </p:sp>
-      <p:sp>
-        <p:nvSpPr>
-          <p:cNvPr id="33" name="Ellipse 32">
-            <a:extLst>
-              <a:ext uri="{FF2B5EF4-FFF2-40B4-BE49-F238E27FC236}">
-                <a16:creationId xmlns:a16="http://schemas.microsoft.com/office/drawing/2014/main" xmlns="" id="{7FB5B9D4-CD39-4A2D-92C5-3CC94F386CB3}"/>
-              </a:ext>
-            </a:extLst>
-          </p:cNvPr>
-          <p:cNvSpPr/>
-          <p:nvPr/>
-        </p:nvSpPr>
-        <p:spPr>
-          <a:xfrm>
-            <a:off x="4420315" y="2995203"/>
-            <a:ext cx="360000" cy="360000"/>
-          </a:xfrm>
-          <a:prstGeom prst="ellipse">
-            <a:avLst/>
-          </a:prstGeom>
-          <a:solidFill>
-            <a:srgbClr val="FFC000"/>
-          </a:solidFill>
-          <a:ln w="9525">
-            <a:noFill/>
-          </a:ln>
-        </p:spPr>
-        <p:style>
-          <a:lnRef idx="2">
-            <a:schemeClr val="accent1">
-              <a:shade val="50000"/>
-            </a:schemeClr>
-          </a:lnRef>
-          <a:fillRef idx="1">
-            <a:schemeClr val="accent1"/>
-          </a:fillRef>
-          <a:effectRef idx="0">
-            <a:schemeClr val="accent1"/>
-          </a:effectRef>
-          <a:fontRef idx="minor">
-            <a:schemeClr val="lt1"/>
-          </a:fontRef>
-        </p:style>
-        <p:txBody>
-          <a:bodyPr rtlCol="0" anchor="ctr"/>
-          <a:lstStyle/>
-          <a:p>
-            <a:pPr algn="ctr"/>
-            <a:r>
-              <a:rPr lang="de-DE" sz="1600" b="1" dirty="0" smtClean="0">
+              </a:endParaRPr>
+            </a:p>
+          </p:txBody>
+        </p:sp>
+        <p:sp>
+          <p:nvSpPr>
+            <p:cNvPr id="34" name="Ellipse 33">
+              <a:extLst>
+                <a:ext uri="{FF2B5EF4-FFF2-40B4-BE49-F238E27FC236}">
+                  <a16:creationId xmlns="" xmlns:a16="http://schemas.microsoft.com/office/drawing/2014/main" id="{7FB5B9D4-CD39-4A2D-92C5-3CC94F386CB3}"/>
+                </a:ext>
+              </a:extLst>
+            </p:cNvPr>
+            <p:cNvSpPr/>
+            <p:nvPr/>
+          </p:nvSpPr>
+          <p:spPr>
+            <a:xfrm>
+              <a:off x="4419701" y="3429406"/>
+              <a:ext cx="360000" cy="360000"/>
+            </a:xfrm>
+            <a:prstGeom prst="ellipse">
+              <a:avLst/>
+            </a:prstGeom>
+            <a:solidFill>
+              <a:srgbClr val="FFC000"/>
+            </a:solidFill>
+            <a:ln w="9525">
+              <a:noFill/>
+            </a:ln>
+          </p:spPr>
+          <p:style>
+            <a:lnRef idx="2">
+              <a:schemeClr val="accent1">
+                <a:shade val="50000"/>
+              </a:schemeClr>
+            </a:lnRef>
+            <a:fillRef idx="1">
+              <a:schemeClr val="accent1"/>
+            </a:fillRef>
+            <a:effectRef idx="0">
+              <a:schemeClr val="accent1"/>
+            </a:effectRef>
+            <a:fontRef idx="minor">
+              <a:schemeClr val="lt1"/>
+            </a:fontRef>
+          </p:style>
+          <p:txBody>
+            <a:bodyPr rtlCol="0" anchor="ctr"/>
+            <a:lstStyle/>
+            <a:p>
+              <a:pPr algn="ctr"/>
+              <a:r>
+                <a:rPr lang="de-DE" sz="1600" b="1" dirty="0">
+                  <a:solidFill>
+                    <a:schemeClr val="bg1"/>
+                  </a:solidFill>
+                </a:rPr>
+                <a:t>3</a:t>
+              </a:r>
+            </a:p>
+          </p:txBody>
+        </p:sp>
+        <p:sp>
+          <p:nvSpPr>
+            <p:cNvPr id="35" name="Ellipse 34">
+              <a:extLst>
+                <a:ext uri="{FF2B5EF4-FFF2-40B4-BE49-F238E27FC236}">
+                  <a16:creationId xmlns="" xmlns:a16="http://schemas.microsoft.com/office/drawing/2014/main" id="{7FB5B9D4-CD39-4A2D-92C5-3CC94F386CB3}"/>
+                </a:ext>
+              </a:extLst>
+            </p:cNvPr>
+            <p:cNvSpPr/>
+            <p:nvPr/>
+          </p:nvSpPr>
+          <p:spPr>
+            <a:xfrm>
+              <a:off x="4419600" y="3861206"/>
+              <a:ext cx="360000" cy="360000"/>
+            </a:xfrm>
+            <a:prstGeom prst="ellipse">
+              <a:avLst/>
+            </a:prstGeom>
+            <a:solidFill>
+              <a:schemeClr val="accent2"/>
+            </a:solidFill>
+            <a:ln w="9525">
+              <a:noFill/>
+            </a:ln>
+          </p:spPr>
+          <p:style>
+            <a:lnRef idx="2">
+              <a:schemeClr val="accent1">
+                <a:shade val="50000"/>
+              </a:schemeClr>
+            </a:lnRef>
+            <a:fillRef idx="1">
+              <a:schemeClr val="accent1"/>
+            </a:fillRef>
+            <a:effectRef idx="0">
+              <a:schemeClr val="accent1"/>
+            </a:effectRef>
+            <a:fontRef idx="minor">
+              <a:schemeClr val="lt1"/>
+            </a:fontRef>
+          </p:style>
+          <p:txBody>
+            <a:bodyPr rtlCol="0" anchor="ctr"/>
+            <a:lstStyle/>
+            <a:p>
+              <a:pPr algn="ctr"/>
+              <a:r>
+                <a:rPr lang="de-DE" sz="1600" b="1" dirty="0" smtClean="0">
+                  <a:solidFill>
+                    <a:schemeClr val="bg1"/>
+                  </a:solidFill>
+                </a:rPr>
+                <a:t>4</a:t>
+              </a:r>
+              <a:endParaRPr lang="de-DE" sz="1600" b="1" dirty="0">
                 <a:solidFill>
                   <a:schemeClr val="bg1"/>
                 </a:solidFill>
-              </a:rPr>
-              <a:t>2</a:t>
-            </a:r>
-            <a:endParaRPr lang="de-DE" sz="1600" b="1" dirty="0">
-              <a:solidFill>
-                <a:schemeClr val="bg1"/>
-              </a:solidFill>
-            </a:endParaRPr>
-          </a:p>
-        </p:txBody>
-      </p:sp>
-      <p:sp>
-        <p:nvSpPr>
-          <p:cNvPr id="34" name="Ellipse 33">
-            <a:extLst>
-              <a:ext uri="{FF2B5EF4-FFF2-40B4-BE49-F238E27FC236}">
-                <a16:creationId xmlns:a16="http://schemas.microsoft.com/office/drawing/2014/main" xmlns="" id="{7FB5B9D4-CD39-4A2D-92C5-3CC94F386CB3}"/>
-              </a:ext>
-            </a:extLst>
-          </p:cNvPr>
-          <p:cNvSpPr/>
-          <p:nvPr/>
-        </p:nvSpPr>
-        <p:spPr>
-          <a:xfrm>
-            <a:off x="4419701" y="3429406"/>
-            <a:ext cx="360000" cy="360000"/>
-          </a:xfrm>
-          <a:prstGeom prst="ellipse">
-            <a:avLst/>
-          </a:prstGeom>
-          <a:solidFill>
-            <a:srgbClr val="FFC000"/>
-          </a:solidFill>
-          <a:ln w="9525">
+              </a:endParaRPr>
+            </a:p>
+          </p:txBody>
+        </p:sp>
+        <p:sp>
+          <p:nvSpPr>
+            <p:cNvPr id="40" name="Textfeld 39"/>
+            <p:cNvSpPr txBox="1"/>
+            <p:nvPr/>
+          </p:nvSpPr>
+          <p:spPr>
+            <a:xfrm>
+              <a:off x="4781901" y="2544353"/>
+              <a:ext cx="2857551" cy="360000"/>
+            </a:xfrm>
+            <a:prstGeom prst="rect">
+              <a:avLst/>
+            </a:prstGeom>
             <a:noFill/>
-          </a:ln>
-        </p:spPr>
-        <p:style>
-          <a:lnRef idx="2">
-            <a:schemeClr val="accent1">
-              <a:shade val="50000"/>
-            </a:schemeClr>
-          </a:lnRef>
-          <a:fillRef idx="1">
-            <a:schemeClr val="accent1"/>
-          </a:fillRef>
-          <a:effectRef idx="0">
-            <a:schemeClr val="accent1"/>
-          </a:effectRef>
-          <a:fontRef idx="minor">
-            <a:schemeClr val="lt1"/>
-          </a:fontRef>
-        </p:style>
-        <p:txBody>
-          <a:bodyPr rtlCol="0" anchor="ctr"/>
-          <a:lstStyle/>
-          <a:p>
-            <a:pPr algn="ctr"/>
-            <a:r>
-              <a:rPr lang="de-DE" sz="1600" b="1" dirty="0">
-                <a:solidFill>
-                  <a:schemeClr val="bg1"/>
-                </a:solidFill>
-              </a:rPr>
-              <a:t>3</a:t>
-            </a:r>
-            <a:endParaRPr lang="de-DE" sz="1600" b="1" dirty="0">
-              <a:solidFill>
-                <a:schemeClr val="bg1"/>
-              </a:solidFill>
-            </a:endParaRPr>
-          </a:p>
-        </p:txBody>
-      </p:sp>
-      <p:sp>
-        <p:nvSpPr>
-          <p:cNvPr id="35" name="Ellipse 34">
-            <a:extLst>
-              <a:ext uri="{FF2B5EF4-FFF2-40B4-BE49-F238E27FC236}">
-                <a16:creationId xmlns:a16="http://schemas.microsoft.com/office/drawing/2014/main" xmlns="" id="{7FB5B9D4-CD39-4A2D-92C5-3CC94F386CB3}"/>
-              </a:ext>
-            </a:extLst>
-          </p:cNvPr>
-          <p:cNvSpPr/>
-          <p:nvPr/>
-        </p:nvSpPr>
-        <p:spPr>
-          <a:xfrm>
-            <a:off x="4419600" y="3861206"/>
-            <a:ext cx="360000" cy="360000"/>
-          </a:xfrm>
-          <a:prstGeom prst="ellipse">
-            <a:avLst/>
-          </a:prstGeom>
-          <a:solidFill>
-            <a:schemeClr val="accent2"/>
-          </a:solidFill>
-          <a:ln w="9525">
+          </p:spPr>
+          <p:txBody>
+            <a:bodyPr wrap="none" rtlCol="0" anchor="ctr">
+              <a:noAutofit/>
+            </a:bodyPr>
+            <a:lstStyle/>
+            <a:p>
+              <a:r>
+                <a:rPr lang="de-DE" sz="1200" dirty="0" smtClean="0">
+                  <a:solidFill>
+                    <a:srgbClr val="344046"/>
+                  </a:solidFill>
+                </a:rPr>
+                <a:t>Server </a:t>
+              </a:r>
+              <a:r>
+                <a:rPr lang="de-DE" sz="1200" dirty="0" err="1" smtClean="0">
+                  <a:solidFill>
+                    <a:srgbClr val="344046"/>
+                  </a:solidFill>
+                </a:rPr>
+                <a:t>sending</a:t>
+              </a:r>
+              <a:r>
+                <a:rPr lang="de-DE" sz="1200" dirty="0" smtClean="0">
+                  <a:solidFill>
+                    <a:srgbClr val="344046"/>
+                  </a:solidFill>
+                </a:rPr>
+                <a:t> </a:t>
+              </a:r>
+              <a:r>
+                <a:rPr lang="de-DE" sz="1200" dirty="0" smtClean="0">
+                  <a:solidFill>
+                    <a:srgbClr val="344046"/>
+                  </a:solidFill>
+                </a:rPr>
+                <a:t>„</a:t>
+              </a:r>
+              <a:r>
+                <a:rPr lang="de-DE" sz="1200" dirty="0" err="1" smtClean="0">
+                  <a:solidFill>
+                    <a:srgbClr val="344046"/>
+                  </a:solidFill>
+                </a:rPr>
+                <a:t>ready</a:t>
+              </a:r>
+              <a:r>
+                <a:rPr lang="de-DE" sz="1200" dirty="0" smtClean="0">
+                  <a:solidFill>
+                    <a:srgbClr val="344046"/>
+                  </a:solidFill>
+                </a:rPr>
+                <a:t> </a:t>
+              </a:r>
+              <a:r>
+                <a:rPr lang="de-DE" sz="1200" dirty="0" err="1" smtClean="0">
+                  <a:solidFill>
+                    <a:srgbClr val="344046"/>
+                  </a:solidFill>
+                </a:rPr>
+                <a:t>to</a:t>
+              </a:r>
+              <a:r>
+                <a:rPr lang="de-DE" sz="1200" dirty="0" smtClean="0">
+                  <a:solidFill>
+                    <a:srgbClr val="344046"/>
+                  </a:solidFill>
+                </a:rPr>
+                <a:t> </a:t>
+              </a:r>
+              <a:r>
+                <a:rPr lang="de-DE" sz="1200" dirty="0" err="1" smtClean="0">
+                  <a:solidFill>
+                    <a:srgbClr val="344046"/>
+                  </a:solidFill>
+                </a:rPr>
+                <a:t>be</a:t>
+              </a:r>
+              <a:r>
+                <a:rPr lang="de-DE" sz="1200" dirty="0" smtClean="0">
+                  <a:solidFill>
+                    <a:srgbClr val="344046"/>
+                  </a:solidFill>
+                </a:rPr>
+                <a:t> </a:t>
+              </a:r>
+              <a:r>
+                <a:rPr lang="de-DE" sz="1200" dirty="0" err="1" smtClean="0">
+                  <a:solidFill>
+                    <a:srgbClr val="344046"/>
+                  </a:solidFill>
+                </a:rPr>
+                <a:t>rendered</a:t>
+              </a:r>
+              <a:r>
+                <a:rPr lang="de-DE" sz="1200" dirty="0" smtClean="0">
+                  <a:solidFill>
+                    <a:srgbClr val="344046"/>
+                  </a:solidFill>
+                </a:rPr>
+                <a:t>“ </a:t>
+              </a:r>
+              <a:r>
+                <a:rPr lang="de-DE" sz="1200" dirty="0" smtClean="0">
+                  <a:solidFill>
+                    <a:srgbClr val="344046"/>
+                  </a:solidFill>
+                </a:rPr>
+                <a:t>HTML Response </a:t>
+              </a:r>
+              <a:r>
+                <a:rPr lang="de-DE" sz="1200" dirty="0" err="1" smtClean="0">
+                  <a:solidFill>
+                    <a:srgbClr val="344046"/>
+                  </a:solidFill>
+                </a:rPr>
+                <a:t>to</a:t>
+              </a:r>
+              <a:r>
+                <a:rPr lang="de-DE" sz="1200" dirty="0" smtClean="0">
+                  <a:solidFill>
+                    <a:srgbClr val="344046"/>
+                  </a:solidFill>
+                </a:rPr>
+                <a:t> Browser</a:t>
+              </a:r>
+            </a:p>
+          </p:txBody>
+        </p:sp>
+        <p:sp>
+          <p:nvSpPr>
+            <p:cNvPr id="41" name="Textfeld 40"/>
+            <p:cNvSpPr txBox="1"/>
+            <p:nvPr/>
+          </p:nvSpPr>
+          <p:spPr>
+            <a:xfrm>
+              <a:off x="4781901" y="2995203"/>
+              <a:ext cx="2857551" cy="360000"/>
+            </a:xfrm>
+            <a:prstGeom prst="rect">
+              <a:avLst/>
+            </a:prstGeom>
             <a:noFill/>
-          </a:ln>
-        </p:spPr>
-        <p:style>
-          <a:lnRef idx="2">
-            <a:schemeClr val="accent1">
-              <a:shade val="50000"/>
-            </a:schemeClr>
-          </a:lnRef>
-          <a:fillRef idx="1">
-            <a:schemeClr val="accent1"/>
-          </a:fillRef>
-          <a:effectRef idx="0">
-            <a:schemeClr val="accent1"/>
-          </a:effectRef>
-          <a:fontRef idx="minor">
-            <a:schemeClr val="lt1"/>
-          </a:fontRef>
-        </p:style>
-        <p:txBody>
-          <a:bodyPr rtlCol="0" anchor="ctr"/>
-          <a:lstStyle/>
-          <a:p>
-            <a:pPr algn="ctr"/>
-            <a:r>
-              <a:rPr lang="de-DE" sz="1600" b="1" dirty="0" smtClean="0">
-                <a:solidFill>
-                  <a:schemeClr val="bg1"/>
-                </a:solidFill>
-              </a:rPr>
-              <a:t>4</a:t>
-            </a:r>
-            <a:endParaRPr lang="de-DE" sz="1600" b="1" dirty="0">
-              <a:solidFill>
-                <a:schemeClr val="bg1"/>
-              </a:solidFill>
-            </a:endParaRPr>
-          </a:p>
-        </p:txBody>
-      </p:sp>
-      <p:sp>
-        <p:nvSpPr>
-          <p:cNvPr id="27" name="Textfeld 26"/>
-          <p:cNvSpPr txBox="1"/>
-          <p:nvPr/>
-        </p:nvSpPr>
-        <p:spPr>
-          <a:xfrm>
-            <a:off x="1384248" y="2530109"/>
-            <a:ext cx="2857551" cy="360000"/>
-          </a:xfrm>
-          <a:prstGeom prst="rect">
-            <a:avLst/>
-          </a:prstGeom>
-          <a:noFill/>
-        </p:spPr>
-        <p:txBody>
-          <a:bodyPr wrap="none" rtlCol="0">
-            <a:noAutofit/>
-          </a:bodyPr>
-          <a:lstStyle/>
-          <a:p>
-            <a:r>
-              <a:rPr lang="de-DE" sz="1200" dirty="0" smtClean="0">
+          </p:spPr>
+          <p:txBody>
+            <a:bodyPr wrap="none" rtlCol="0" anchor="ctr">
+              <a:noAutofit/>
+            </a:bodyPr>
+            <a:lstStyle/>
+            <a:p>
+              <a:r>
+                <a:rPr lang="de-DE" sz="1200" dirty="0" smtClean="0">
+                  <a:solidFill>
+                    <a:srgbClr val="344046"/>
+                  </a:solidFill>
+                </a:rPr>
+                <a:t>Browser </a:t>
+              </a:r>
+              <a:r>
+                <a:rPr lang="de-DE" sz="1200" dirty="0" err="1" smtClean="0">
+                  <a:solidFill>
+                    <a:srgbClr val="344046"/>
+                  </a:solidFill>
+                </a:rPr>
+                <a:t>renders</a:t>
+              </a:r>
+              <a:r>
+                <a:rPr lang="de-DE" sz="1200" dirty="0" smtClean="0">
+                  <a:solidFill>
+                    <a:srgbClr val="344046"/>
+                  </a:solidFill>
+                </a:rPr>
+                <a:t> </a:t>
+              </a:r>
+              <a:r>
+                <a:rPr lang="de-DE" sz="1200" dirty="0" err="1" smtClean="0">
+                  <a:solidFill>
+                    <a:srgbClr val="344046"/>
+                  </a:solidFill>
+                </a:rPr>
+                <a:t>page</a:t>
+              </a:r>
+              <a:r>
+                <a:rPr lang="de-DE" sz="1200" dirty="0" smtClean="0">
+                  <a:solidFill>
+                    <a:srgbClr val="344046"/>
+                  </a:solidFill>
+                </a:rPr>
+                <a:t>, </a:t>
+              </a:r>
+              <a:r>
+                <a:rPr lang="de-DE" sz="1200" dirty="0" err="1" smtClean="0">
+                  <a:solidFill>
+                    <a:srgbClr val="344046"/>
+                  </a:solidFill>
+                </a:rPr>
+                <a:t>now</a:t>
+              </a:r>
+              <a:r>
+                <a:rPr lang="de-DE" sz="1200" dirty="0" smtClean="0">
+                  <a:solidFill>
+                    <a:srgbClr val="344046"/>
+                  </a:solidFill>
+                </a:rPr>
+                <a:t> </a:t>
+              </a:r>
+              <a:r>
+                <a:rPr lang="de-DE" sz="1200" dirty="0" err="1" smtClean="0">
+                  <a:solidFill>
+                    <a:srgbClr val="344046"/>
+                  </a:solidFill>
+                </a:rPr>
+                <a:t>viewable</a:t>
+              </a:r>
+              <a:r>
+                <a:rPr lang="de-DE" sz="1200" dirty="0" smtClean="0">
+                  <a:solidFill>
+                    <a:srgbClr val="344046"/>
+                  </a:solidFill>
+                </a:rPr>
+                <a:t>, </a:t>
+              </a:r>
+              <a:r>
+                <a:rPr lang="de-DE" sz="1200" dirty="0" err="1" smtClean="0">
+                  <a:solidFill>
+                    <a:srgbClr val="344046"/>
+                  </a:solidFill>
+                </a:rPr>
+                <a:t>browser</a:t>
+              </a:r>
+              <a:r>
+                <a:rPr lang="de-DE" sz="1200" dirty="0" smtClean="0">
+                  <a:solidFill>
+                    <a:srgbClr val="344046"/>
+                  </a:solidFill>
+                </a:rPr>
+                <a:t> </a:t>
+              </a:r>
+              <a:r>
+                <a:rPr lang="de-DE" sz="1200" dirty="0" err="1" smtClean="0">
+                  <a:solidFill>
+                    <a:srgbClr val="344046"/>
+                  </a:solidFill>
+                </a:rPr>
+                <a:t>downloads</a:t>
+              </a:r>
+              <a:r>
+                <a:rPr lang="de-DE" sz="1200" dirty="0" smtClean="0">
+                  <a:solidFill>
+                    <a:srgbClr val="344046"/>
+                  </a:solidFill>
+                </a:rPr>
+                <a:t> JS</a:t>
+              </a:r>
+            </a:p>
+          </p:txBody>
+        </p:sp>
+        <p:sp>
+          <p:nvSpPr>
+            <p:cNvPr id="42" name="Textfeld 41"/>
+            <p:cNvSpPr txBox="1"/>
+            <p:nvPr/>
+          </p:nvSpPr>
+          <p:spPr>
+            <a:xfrm>
+              <a:off x="4781901" y="3861206"/>
+              <a:ext cx="2857551" cy="360000"/>
+            </a:xfrm>
+            <a:prstGeom prst="rect">
+              <a:avLst/>
+            </a:prstGeom>
+            <a:noFill/>
+          </p:spPr>
+          <p:txBody>
+            <a:bodyPr wrap="none" rtlCol="0" anchor="ctr">
+              <a:noAutofit/>
+            </a:bodyPr>
+            <a:lstStyle/>
+            <a:p>
+              <a:r>
+                <a:rPr lang="de-DE" sz="1200" dirty="0" smtClean="0">
+                  <a:solidFill>
+                    <a:srgbClr val="344046"/>
+                  </a:solidFill>
+                </a:rPr>
+                <a:t>Page </a:t>
+              </a:r>
+              <a:r>
+                <a:rPr lang="de-DE" sz="1200" dirty="0" err="1" smtClean="0">
+                  <a:solidFill>
+                    <a:srgbClr val="344046"/>
+                  </a:solidFill>
+                </a:rPr>
+                <a:t>now</a:t>
+              </a:r>
+              <a:r>
+                <a:rPr lang="de-DE" sz="1200" dirty="0" smtClean="0">
+                  <a:solidFill>
+                    <a:srgbClr val="344046"/>
+                  </a:solidFill>
+                </a:rPr>
+                <a:t> </a:t>
+              </a:r>
+              <a:r>
+                <a:rPr lang="de-DE" sz="1200" dirty="0" err="1" smtClean="0">
+                  <a:solidFill>
+                    <a:srgbClr val="344046"/>
+                  </a:solidFill>
+                </a:rPr>
+                <a:t>interactable</a:t>
+              </a:r>
+              <a:endParaRPr lang="de-DE" sz="1200" dirty="0" smtClean="0">
                 <a:solidFill>
                   <a:srgbClr val="344046"/>
                 </a:solidFill>
-              </a:rPr>
-              <a:t>Server </a:t>
-            </a:r>
-            <a:r>
-              <a:rPr lang="de-DE" sz="1200" dirty="0" err="1" smtClean="0">
+              </a:endParaRPr>
+            </a:p>
+          </p:txBody>
+        </p:sp>
+        <p:sp>
+          <p:nvSpPr>
+            <p:cNvPr id="43" name="Textfeld 42"/>
+            <p:cNvSpPr txBox="1"/>
+            <p:nvPr/>
+          </p:nvSpPr>
+          <p:spPr>
+            <a:xfrm>
+              <a:off x="4781901" y="3429406"/>
+              <a:ext cx="2857551" cy="360000"/>
+            </a:xfrm>
+            <a:prstGeom prst="rect">
+              <a:avLst/>
+            </a:prstGeom>
+            <a:noFill/>
+          </p:spPr>
+          <p:txBody>
+            <a:bodyPr wrap="none" rtlCol="0" anchor="ctr">
+              <a:noAutofit/>
+            </a:bodyPr>
+            <a:lstStyle/>
+            <a:p>
+              <a:r>
+                <a:rPr lang="de-DE" sz="1200" dirty="0" smtClean="0">
+                  <a:solidFill>
+                    <a:srgbClr val="344046"/>
+                  </a:solidFill>
+                </a:rPr>
+                <a:t>Browser </a:t>
+              </a:r>
+              <a:r>
+                <a:rPr lang="de-DE" sz="1200" dirty="0" err="1" smtClean="0">
+                  <a:solidFill>
+                    <a:srgbClr val="344046"/>
+                  </a:solidFill>
+                </a:rPr>
+                <a:t>executes</a:t>
+              </a:r>
+              <a:r>
+                <a:rPr lang="de-DE" sz="1200" dirty="0" smtClean="0">
+                  <a:solidFill>
+                    <a:srgbClr val="344046"/>
+                  </a:solidFill>
+                </a:rPr>
+                <a:t> </a:t>
+              </a:r>
+              <a:r>
+                <a:rPr lang="de-DE" sz="1200" dirty="0" err="1" smtClean="0">
+                  <a:solidFill>
+                    <a:srgbClr val="344046"/>
+                  </a:solidFill>
+                </a:rPr>
+                <a:t>React</a:t>
+              </a:r>
+              <a:endParaRPr lang="de-DE" sz="1200" dirty="0" smtClean="0">
                 <a:solidFill>
                   <a:srgbClr val="344046"/>
                 </a:solidFill>
-              </a:rPr>
-              <a:t>sending</a:t>
-            </a:r>
-            <a:r>
-              <a:rPr lang="de-DE" sz="1200" dirty="0" smtClean="0">
-                <a:solidFill>
-                  <a:srgbClr val="344046"/>
-                </a:solidFill>
-              </a:rPr>
-              <a:t> Response </a:t>
-            </a:r>
-            <a:r>
-              <a:rPr lang="de-DE" sz="1200" dirty="0" err="1" smtClean="0">
-                <a:solidFill>
-                  <a:srgbClr val="344046"/>
-                </a:solidFill>
-              </a:rPr>
-              <a:t>to</a:t>
-            </a:r>
-            <a:r>
-              <a:rPr lang="de-DE" sz="1200" dirty="0" smtClean="0">
-                <a:solidFill>
-                  <a:srgbClr val="344046"/>
-                </a:solidFill>
-              </a:rPr>
-              <a:t> Browser</a:t>
-            </a:r>
-            <a:endParaRPr lang="de-DE" sz="1200" dirty="0" smtClean="0">
-              <a:solidFill>
-                <a:srgbClr val="344046"/>
-              </a:solidFill>
-            </a:endParaRPr>
-          </a:p>
-        </p:txBody>
-      </p:sp>
-      <p:sp>
-        <p:nvSpPr>
-          <p:cNvPr id="37" name="Textfeld 36"/>
-          <p:cNvSpPr txBox="1"/>
-          <p:nvPr/>
-        </p:nvSpPr>
-        <p:spPr>
-          <a:xfrm>
-            <a:off x="1384248" y="2995203"/>
-            <a:ext cx="2857551" cy="360000"/>
-          </a:xfrm>
-          <a:prstGeom prst="rect">
-            <a:avLst/>
-          </a:prstGeom>
-          <a:noFill/>
-        </p:spPr>
-        <p:txBody>
-          <a:bodyPr wrap="none" rtlCol="0">
-            <a:noAutofit/>
-          </a:bodyPr>
-          <a:lstStyle/>
-          <a:p>
-            <a:r>
-              <a:rPr lang="de-DE" sz="1200" dirty="0" smtClean="0">
-                <a:solidFill>
-                  <a:srgbClr val="344046"/>
-                </a:solidFill>
-              </a:rPr>
-              <a:t>Browser </a:t>
-            </a:r>
-            <a:r>
-              <a:rPr lang="de-DE" sz="1200" dirty="0" err="1" smtClean="0">
-                <a:solidFill>
-                  <a:srgbClr val="344046"/>
-                </a:solidFill>
-              </a:rPr>
-              <a:t>downloads</a:t>
-            </a:r>
-            <a:r>
-              <a:rPr lang="de-DE" sz="1200" dirty="0" smtClean="0">
-                <a:solidFill>
-                  <a:srgbClr val="344046"/>
-                </a:solidFill>
-              </a:rPr>
-              <a:t> JS</a:t>
-            </a:r>
-            <a:endParaRPr lang="de-DE" sz="1200" dirty="0" smtClean="0">
-              <a:solidFill>
-                <a:srgbClr val="344046"/>
-              </a:solidFill>
-            </a:endParaRPr>
-          </a:p>
-        </p:txBody>
-      </p:sp>
-      <p:sp>
-        <p:nvSpPr>
-          <p:cNvPr id="38" name="Textfeld 37"/>
-          <p:cNvSpPr txBox="1"/>
-          <p:nvPr/>
-        </p:nvSpPr>
-        <p:spPr>
-          <a:xfrm>
-            <a:off x="1478228" y="3821562"/>
-            <a:ext cx="2857551" cy="360000"/>
-          </a:xfrm>
-          <a:prstGeom prst="rect">
-            <a:avLst/>
-          </a:prstGeom>
-          <a:noFill/>
-        </p:spPr>
-        <p:txBody>
-          <a:bodyPr wrap="none" rtlCol="0">
-            <a:noAutofit/>
-          </a:bodyPr>
-          <a:lstStyle/>
-          <a:p>
-            <a:r>
-              <a:rPr lang="de-DE" sz="1200" dirty="0" smtClean="0">
-                <a:solidFill>
-                  <a:srgbClr val="344046"/>
-                </a:solidFill>
-              </a:rPr>
-              <a:t>Page </a:t>
-            </a:r>
-            <a:r>
-              <a:rPr lang="de-DE" sz="1200" dirty="0" err="1" smtClean="0">
-                <a:solidFill>
-                  <a:srgbClr val="344046"/>
-                </a:solidFill>
-              </a:rPr>
-              <a:t>now</a:t>
-            </a:r>
-            <a:r>
-              <a:rPr lang="de-DE" sz="1200" dirty="0" smtClean="0">
-                <a:solidFill>
-                  <a:srgbClr val="344046"/>
-                </a:solidFill>
-              </a:rPr>
-              <a:t> </a:t>
-            </a:r>
-            <a:r>
-              <a:rPr lang="de-DE" sz="1200" dirty="0" err="1" smtClean="0">
-                <a:solidFill>
-                  <a:srgbClr val="344046"/>
-                </a:solidFill>
-              </a:rPr>
-              <a:t>viewable</a:t>
-            </a:r>
-            <a:r>
-              <a:rPr lang="de-DE" sz="1200" dirty="0" smtClean="0">
-                <a:solidFill>
-                  <a:srgbClr val="344046"/>
-                </a:solidFill>
-              </a:rPr>
-              <a:t> </a:t>
-            </a:r>
-            <a:r>
-              <a:rPr lang="de-DE" sz="1200" dirty="0" err="1" smtClean="0">
-                <a:solidFill>
-                  <a:srgbClr val="344046"/>
-                </a:solidFill>
-              </a:rPr>
-              <a:t>and</a:t>
-            </a:r>
-            <a:r>
-              <a:rPr lang="de-DE" sz="1200" dirty="0" smtClean="0">
-                <a:solidFill>
-                  <a:srgbClr val="344046"/>
-                </a:solidFill>
-              </a:rPr>
-              <a:t> </a:t>
-            </a:r>
-            <a:r>
-              <a:rPr lang="de-DE" sz="1200" dirty="0" err="1" smtClean="0">
-                <a:solidFill>
-                  <a:srgbClr val="344046"/>
-                </a:solidFill>
-              </a:rPr>
-              <a:t>interactable</a:t>
-            </a:r>
-            <a:endParaRPr lang="de-DE" sz="1200" dirty="0" smtClean="0">
-              <a:solidFill>
-                <a:srgbClr val="344046"/>
-              </a:solidFill>
-            </a:endParaRPr>
-          </a:p>
-        </p:txBody>
-      </p:sp>
-      <p:sp>
-        <p:nvSpPr>
-          <p:cNvPr id="39" name="Textfeld 38"/>
-          <p:cNvSpPr txBox="1"/>
-          <p:nvPr/>
-        </p:nvSpPr>
-        <p:spPr>
-          <a:xfrm>
-            <a:off x="1478227" y="3358215"/>
-            <a:ext cx="2857551" cy="360000"/>
-          </a:xfrm>
-          <a:prstGeom prst="rect">
-            <a:avLst/>
-          </a:prstGeom>
-          <a:noFill/>
-        </p:spPr>
-        <p:txBody>
-          <a:bodyPr wrap="none" rtlCol="0">
-            <a:noAutofit/>
-          </a:bodyPr>
-          <a:lstStyle/>
-          <a:p>
-            <a:r>
-              <a:rPr lang="de-DE" sz="1200" dirty="0" smtClean="0">
-                <a:solidFill>
-                  <a:srgbClr val="344046"/>
-                </a:solidFill>
-              </a:rPr>
-              <a:t>Browser </a:t>
-            </a:r>
-            <a:r>
-              <a:rPr lang="de-DE" sz="1200" dirty="0" err="1" smtClean="0">
-                <a:solidFill>
-                  <a:srgbClr val="344046"/>
-                </a:solidFill>
-              </a:rPr>
-              <a:t>executes</a:t>
-            </a:r>
-            <a:r>
-              <a:rPr lang="de-DE" sz="1200" dirty="0" smtClean="0">
-                <a:solidFill>
-                  <a:srgbClr val="344046"/>
-                </a:solidFill>
-              </a:rPr>
-              <a:t> </a:t>
-            </a:r>
-            <a:r>
-              <a:rPr lang="de-DE" sz="1200" dirty="0" err="1" smtClean="0">
-                <a:solidFill>
-                  <a:srgbClr val="344046"/>
-                </a:solidFill>
-              </a:rPr>
-              <a:t>React</a:t>
-            </a:r>
-            <a:endParaRPr lang="de-DE" sz="1200" dirty="0" smtClean="0">
-              <a:solidFill>
-                <a:srgbClr val="344046"/>
-              </a:solidFill>
-            </a:endParaRPr>
-          </a:p>
-        </p:txBody>
-      </p:sp>
-      <p:sp>
-        <p:nvSpPr>
-          <p:cNvPr id="40" name="Textfeld 39"/>
-          <p:cNvSpPr txBox="1"/>
-          <p:nvPr/>
-        </p:nvSpPr>
-        <p:spPr>
-          <a:xfrm>
-            <a:off x="4997398" y="2574762"/>
-            <a:ext cx="2857551" cy="360000"/>
-          </a:xfrm>
-          <a:prstGeom prst="rect">
-            <a:avLst/>
-          </a:prstGeom>
-          <a:noFill/>
-        </p:spPr>
-        <p:txBody>
-          <a:bodyPr wrap="none" rtlCol="0">
-            <a:noAutofit/>
-          </a:bodyPr>
-          <a:lstStyle/>
-          <a:p>
-            <a:r>
-              <a:rPr lang="de-DE" sz="1200" dirty="0" smtClean="0">
-                <a:solidFill>
-                  <a:srgbClr val="344046"/>
-                </a:solidFill>
-              </a:rPr>
-              <a:t>Server </a:t>
-            </a:r>
-            <a:r>
-              <a:rPr lang="de-DE" sz="1200" dirty="0" err="1" smtClean="0">
-                <a:solidFill>
-                  <a:srgbClr val="344046"/>
-                </a:solidFill>
-              </a:rPr>
-              <a:t>sending</a:t>
-            </a:r>
-            <a:r>
-              <a:rPr lang="de-DE" sz="1200" dirty="0" smtClean="0">
-                <a:solidFill>
-                  <a:srgbClr val="344046"/>
-                </a:solidFill>
-              </a:rPr>
-              <a:t> </a:t>
-            </a:r>
-            <a:r>
-              <a:rPr lang="de-DE" sz="1200" dirty="0" err="1" smtClean="0">
-                <a:solidFill>
-                  <a:srgbClr val="344046"/>
-                </a:solidFill>
-              </a:rPr>
-              <a:t>Ready</a:t>
-            </a:r>
-            <a:r>
-              <a:rPr lang="de-DE" sz="1200" dirty="0" smtClean="0">
-                <a:solidFill>
-                  <a:srgbClr val="344046"/>
-                </a:solidFill>
-              </a:rPr>
-              <a:t> </a:t>
-            </a:r>
-            <a:r>
-              <a:rPr lang="de-DE" sz="1200" dirty="0" err="1" smtClean="0">
-                <a:solidFill>
-                  <a:srgbClr val="344046"/>
-                </a:solidFill>
-              </a:rPr>
-              <a:t>to</a:t>
-            </a:r>
-            <a:r>
-              <a:rPr lang="de-DE" sz="1200" dirty="0" smtClean="0">
-                <a:solidFill>
-                  <a:srgbClr val="344046"/>
-                </a:solidFill>
-              </a:rPr>
-              <a:t> </a:t>
-            </a:r>
-            <a:r>
-              <a:rPr lang="de-DE" sz="1200" dirty="0" err="1" smtClean="0">
-                <a:solidFill>
-                  <a:srgbClr val="344046"/>
-                </a:solidFill>
-              </a:rPr>
-              <a:t>be</a:t>
-            </a:r>
-            <a:r>
-              <a:rPr lang="de-DE" sz="1200" dirty="0" smtClean="0">
-                <a:solidFill>
-                  <a:srgbClr val="344046"/>
-                </a:solidFill>
-              </a:rPr>
-              <a:t> </a:t>
-            </a:r>
-            <a:r>
-              <a:rPr lang="de-DE" sz="1200" dirty="0" err="1" smtClean="0">
-                <a:solidFill>
-                  <a:srgbClr val="344046"/>
-                </a:solidFill>
-              </a:rPr>
-              <a:t>rendered</a:t>
-            </a:r>
-            <a:r>
-              <a:rPr lang="de-DE" sz="1200" dirty="0" smtClean="0">
-                <a:solidFill>
-                  <a:srgbClr val="344046"/>
-                </a:solidFill>
-              </a:rPr>
-              <a:t> HTML Response </a:t>
-            </a:r>
-            <a:r>
-              <a:rPr lang="de-DE" sz="1200" dirty="0" err="1" smtClean="0">
-                <a:solidFill>
-                  <a:srgbClr val="344046"/>
-                </a:solidFill>
-              </a:rPr>
-              <a:t>to</a:t>
-            </a:r>
-            <a:r>
-              <a:rPr lang="de-DE" sz="1200" dirty="0" smtClean="0">
-                <a:solidFill>
-                  <a:srgbClr val="344046"/>
-                </a:solidFill>
-              </a:rPr>
-              <a:t> Browser</a:t>
-            </a:r>
-            <a:endParaRPr lang="de-DE" sz="1200" dirty="0" smtClean="0">
-              <a:solidFill>
-                <a:srgbClr val="344046"/>
-              </a:solidFill>
-            </a:endParaRPr>
-          </a:p>
-        </p:txBody>
-      </p:sp>
-      <p:sp>
-        <p:nvSpPr>
-          <p:cNvPr id="41" name="Textfeld 40"/>
-          <p:cNvSpPr txBox="1"/>
-          <p:nvPr/>
-        </p:nvSpPr>
-        <p:spPr>
-          <a:xfrm>
-            <a:off x="4997398" y="3039856"/>
-            <a:ext cx="2857551" cy="360000"/>
-          </a:xfrm>
-          <a:prstGeom prst="rect">
-            <a:avLst/>
-          </a:prstGeom>
-          <a:noFill/>
-        </p:spPr>
-        <p:txBody>
-          <a:bodyPr wrap="none" rtlCol="0">
-            <a:noAutofit/>
-          </a:bodyPr>
-          <a:lstStyle/>
-          <a:p>
-            <a:r>
-              <a:rPr lang="de-DE" sz="1200" dirty="0" smtClean="0">
-                <a:solidFill>
-                  <a:srgbClr val="344046"/>
-                </a:solidFill>
-              </a:rPr>
-              <a:t>Browser </a:t>
-            </a:r>
-            <a:r>
-              <a:rPr lang="de-DE" sz="1200" dirty="0" err="1" smtClean="0">
-                <a:solidFill>
-                  <a:srgbClr val="344046"/>
-                </a:solidFill>
-              </a:rPr>
-              <a:t>renders</a:t>
-            </a:r>
-            <a:r>
-              <a:rPr lang="de-DE" sz="1200" dirty="0" smtClean="0">
-                <a:solidFill>
-                  <a:srgbClr val="344046"/>
-                </a:solidFill>
-              </a:rPr>
-              <a:t> </a:t>
-            </a:r>
-            <a:r>
-              <a:rPr lang="de-DE" sz="1200" dirty="0" err="1" smtClean="0">
-                <a:solidFill>
-                  <a:srgbClr val="344046"/>
-                </a:solidFill>
-              </a:rPr>
-              <a:t>page</a:t>
-            </a:r>
-            <a:r>
-              <a:rPr lang="de-DE" sz="1200" dirty="0" smtClean="0">
-                <a:solidFill>
-                  <a:srgbClr val="344046"/>
-                </a:solidFill>
-              </a:rPr>
-              <a:t>, </a:t>
-            </a:r>
-            <a:r>
-              <a:rPr lang="de-DE" sz="1200" dirty="0" err="1" smtClean="0">
-                <a:solidFill>
-                  <a:srgbClr val="344046"/>
-                </a:solidFill>
-              </a:rPr>
-              <a:t>now</a:t>
-            </a:r>
-            <a:r>
-              <a:rPr lang="de-DE" sz="1200" dirty="0" smtClean="0">
-                <a:solidFill>
-                  <a:srgbClr val="344046"/>
-                </a:solidFill>
-              </a:rPr>
-              <a:t> </a:t>
-            </a:r>
-            <a:r>
-              <a:rPr lang="de-DE" sz="1200" dirty="0" err="1" smtClean="0">
-                <a:solidFill>
-                  <a:srgbClr val="344046"/>
-                </a:solidFill>
-              </a:rPr>
-              <a:t>viewable</a:t>
-            </a:r>
-            <a:r>
-              <a:rPr lang="de-DE" sz="1200" dirty="0" smtClean="0">
-                <a:solidFill>
-                  <a:srgbClr val="344046"/>
-                </a:solidFill>
-              </a:rPr>
-              <a:t>, </a:t>
-            </a:r>
-            <a:r>
-              <a:rPr lang="de-DE" sz="1200" dirty="0" err="1" smtClean="0">
-                <a:solidFill>
-                  <a:srgbClr val="344046"/>
-                </a:solidFill>
-              </a:rPr>
-              <a:t>and</a:t>
-            </a:r>
-            <a:r>
-              <a:rPr lang="de-DE" sz="1200" dirty="0" smtClean="0">
-                <a:solidFill>
-                  <a:srgbClr val="344046"/>
-                </a:solidFill>
-              </a:rPr>
-              <a:t> </a:t>
-            </a:r>
-            <a:r>
-              <a:rPr lang="de-DE" sz="1200" dirty="0" err="1" smtClean="0">
-                <a:solidFill>
-                  <a:srgbClr val="344046"/>
-                </a:solidFill>
-              </a:rPr>
-              <a:t>browser</a:t>
-            </a:r>
-            <a:r>
-              <a:rPr lang="de-DE" sz="1200" dirty="0" smtClean="0">
-                <a:solidFill>
-                  <a:srgbClr val="344046"/>
-                </a:solidFill>
-              </a:rPr>
-              <a:t> </a:t>
-            </a:r>
-            <a:r>
-              <a:rPr lang="de-DE" sz="1200" dirty="0" err="1" smtClean="0">
-                <a:solidFill>
-                  <a:srgbClr val="344046"/>
-                </a:solidFill>
-              </a:rPr>
-              <a:t>downloads</a:t>
-            </a:r>
-            <a:r>
-              <a:rPr lang="de-DE" sz="1200" dirty="0" smtClean="0">
-                <a:solidFill>
-                  <a:srgbClr val="344046"/>
-                </a:solidFill>
-              </a:rPr>
-              <a:t> JS</a:t>
-            </a:r>
-            <a:endParaRPr lang="de-DE" sz="1200" dirty="0" smtClean="0">
-              <a:solidFill>
-                <a:srgbClr val="344046"/>
-              </a:solidFill>
-            </a:endParaRPr>
-          </a:p>
-        </p:txBody>
-      </p:sp>
-      <p:sp>
-        <p:nvSpPr>
-          <p:cNvPr id="42" name="Textfeld 41"/>
-          <p:cNvSpPr txBox="1"/>
-          <p:nvPr/>
-        </p:nvSpPr>
-        <p:spPr>
-          <a:xfrm>
-            <a:off x="5091378" y="3866215"/>
-            <a:ext cx="2857551" cy="360000"/>
-          </a:xfrm>
-          <a:prstGeom prst="rect">
-            <a:avLst/>
-          </a:prstGeom>
-          <a:noFill/>
-        </p:spPr>
-        <p:txBody>
-          <a:bodyPr wrap="none" rtlCol="0">
-            <a:noAutofit/>
-          </a:bodyPr>
-          <a:lstStyle/>
-          <a:p>
-            <a:r>
-              <a:rPr lang="de-DE" sz="1200" dirty="0" smtClean="0">
-                <a:solidFill>
-                  <a:srgbClr val="344046"/>
-                </a:solidFill>
-              </a:rPr>
-              <a:t>Page </a:t>
-            </a:r>
-            <a:r>
-              <a:rPr lang="de-DE" sz="1200" dirty="0" err="1" smtClean="0">
-                <a:solidFill>
-                  <a:srgbClr val="344046"/>
-                </a:solidFill>
-              </a:rPr>
-              <a:t>now</a:t>
-            </a:r>
-            <a:r>
-              <a:rPr lang="de-DE" sz="1200" dirty="0" smtClean="0">
-                <a:solidFill>
-                  <a:srgbClr val="344046"/>
-                </a:solidFill>
-              </a:rPr>
-              <a:t> </a:t>
-            </a:r>
-            <a:r>
-              <a:rPr lang="de-DE" sz="1200" dirty="0" err="1" smtClean="0">
-                <a:solidFill>
-                  <a:srgbClr val="344046"/>
-                </a:solidFill>
-              </a:rPr>
-              <a:t>interactable</a:t>
-            </a:r>
-            <a:endParaRPr lang="de-DE" sz="1200" dirty="0" smtClean="0">
-              <a:solidFill>
-                <a:srgbClr val="344046"/>
-              </a:solidFill>
-            </a:endParaRPr>
-          </a:p>
-        </p:txBody>
-      </p:sp>
-      <p:sp>
-        <p:nvSpPr>
-          <p:cNvPr id="43" name="Textfeld 42"/>
-          <p:cNvSpPr txBox="1"/>
-          <p:nvPr/>
-        </p:nvSpPr>
-        <p:spPr>
-          <a:xfrm>
-            <a:off x="5091377" y="3402868"/>
-            <a:ext cx="2857551" cy="360000"/>
-          </a:xfrm>
-          <a:prstGeom prst="rect">
-            <a:avLst/>
-          </a:prstGeom>
-          <a:noFill/>
-        </p:spPr>
-        <p:txBody>
-          <a:bodyPr wrap="none" rtlCol="0">
-            <a:noAutofit/>
-          </a:bodyPr>
-          <a:lstStyle/>
-          <a:p>
-            <a:r>
-              <a:rPr lang="de-DE" sz="1200" dirty="0" smtClean="0">
-                <a:solidFill>
-                  <a:srgbClr val="344046"/>
-                </a:solidFill>
-              </a:rPr>
-              <a:t>Browser </a:t>
-            </a:r>
-            <a:r>
-              <a:rPr lang="de-DE" sz="1200" dirty="0" err="1" smtClean="0">
-                <a:solidFill>
-                  <a:srgbClr val="344046"/>
-                </a:solidFill>
-              </a:rPr>
-              <a:t>executes</a:t>
-            </a:r>
-            <a:r>
-              <a:rPr lang="de-DE" sz="1200" dirty="0" smtClean="0">
-                <a:solidFill>
-                  <a:srgbClr val="344046"/>
-                </a:solidFill>
-              </a:rPr>
-              <a:t> </a:t>
-            </a:r>
-            <a:r>
-              <a:rPr lang="de-DE" sz="1200" dirty="0" err="1" smtClean="0">
-                <a:solidFill>
-                  <a:srgbClr val="344046"/>
-                </a:solidFill>
-              </a:rPr>
-              <a:t>React</a:t>
-            </a:r>
-            <a:endParaRPr lang="de-DE" sz="1200" dirty="0" smtClean="0">
-              <a:solidFill>
-                <a:srgbClr val="344046"/>
-              </a:solidFill>
-            </a:endParaRPr>
-          </a:p>
-        </p:txBody>
-      </p:sp>
+              </a:endParaRPr>
+            </a:p>
+          </p:txBody>
+        </p:sp>
+      </p:grpSp>
       <p:sp>
         <p:nvSpPr>
           <p:cNvPr id="44" name="Textfeld 43"/>
@@ -7259,11 +7165,6 @@
               </a:rPr>
               <a:t>http</a:t>
             </a:r>
-            <a:endParaRPr lang="de-DE" sz="1100" b="1" dirty="0" smtClean="0">
-              <a:solidFill>
-                <a:schemeClr val="tx2"/>
-              </a:solidFill>
-            </a:endParaRPr>
           </a:p>
         </p:txBody>
       </p:sp>
@@ -7292,9 +7193,335 @@
   <p:timing>
     <p:tnLst>
       <p:par>
-        <p:cTn id="1" dur="indefinite" restart="never" nodeType="tmRoot"/>
+        <p:cTn id="1" dur="indefinite" restart="never" nodeType="tmRoot">
+          <p:childTnLst>
+            <p:seq concurrent="1" nextAc="seek">
+              <p:cTn id="2" dur="indefinite" nodeType="mainSeq">
+                <p:childTnLst>
+                  <p:par>
+                    <p:cTn id="3" fill="hold">
+                      <p:stCondLst>
+                        <p:cond delay="indefinite"/>
+                      </p:stCondLst>
+                      <p:childTnLst>
+                        <p:par>
+                          <p:cTn id="4" fill="hold">
+                            <p:stCondLst>
+                              <p:cond delay="0"/>
+                            </p:stCondLst>
+                            <p:childTnLst>
+                              <p:par>
+                                <p:cTn id="5" presetID="22" presetClass="entr" presetSubtype="8" fill="hold" nodeType="clickEffect">
+                                  <p:stCondLst>
+                                    <p:cond delay="0"/>
+                                  </p:stCondLst>
+                                  <p:childTnLst>
+                                    <p:set>
+                                      <p:cBhvr>
+                                        <p:cTn id="6" dur="1" fill="hold">
+                                          <p:stCondLst>
+                                            <p:cond delay="0"/>
+                                          </p:stCondLst>
+                                        </p:cTn>
+                                        <p:tgtEl>
+                                          <p:spTgt spid="20"/>
+                                        </p:tgtEl>
+                                        <p:attrNameLst>
+                                          <p:attrName>style.visibility</p:attrName>
+                                        </p:attrNameLst>
+                                      </p:cBhvr>
+                                      <p:to>
+                                        <p:strVal val="visible"/>
+                                      </p:to>
+                                    </p:set>
+                                    <p:animEffect transition="in" filter="wipe(left)">
+                                      <p:cBhvr>
+                                        <p:cTn id="7" dur="500"/>
+                                        <p:tgtEl>
+                                          <p:spTgt spid="20"/>
+                                        </p:tgtEl>
+                                      </p:cBhvr>
+                                    </p:animEffect>
+                                  </p:childTnLst>
+                                </p:cTn>
+                              </p:par>
+                              <p:par>
+                                <p:cTn id="8" presetID="22" presetClass="entr" presetSubtype="2" fill="hold" nodeType="withEffect">
+                                  <p:stCondLst>
+                                    <p:cond delay="0"/>
+                                  </p:stCondLst>
+                                  <p:childTnLst>
+                                    <p:set>
+                                      <p:cBhvr>
+                                        <p:cTn id="9" dur="1" fill="hold">
+                                          <p:stCondLst>
+                                            <p:cond delay="0"/>
+                                          </p:stCondLst>
+                                        </p:cTn>
+                                        <p:tgtEl>
+                                          <p:spTgt spid="22"/>
+                                        </p:tgtEl>
+                                        <p:attrNameLst>
+                                          <p:attrName>style.visibility</p:attrName>
+                                        </p:attrNameLst>
+                                      </p:cBhvr>
+                                      <p:to>
+                                        <p:strVal val="visible"/>
+                                      </p:to>
+                                    </p:set>
+                                    <p:animEffect transition="in" filter="wipe(right)">
+                                      <p:cBhvr>
+                                        <p:cTn id="10" dur="500"/>
+                                        <p:tgtEl>
+                                          <p:spTgt spid="22"/>
+                                        </p:tgtEl>
+                                      </p:cBhvr>
+                                    </p:animEffect>
+                                  </p:childTnLst>
+                                </p:cTn>
+                              </p:par>
+                              <p:par>
+                                <p:cTn id="11" presetID="10" presetClass="entr" presetSubtype="0" fill="hold" grpId="0" nodeType="withEffect">
+                                  <p:stCondLst>
+                                    <p:cond delay="0"/>
+                                  </p:stCondLst>
+                                  <p:childTnLst>
+                                    <p:set>
+                                      <p:cBhvr>
+                                        <p:cTn id="12" dur="1" fill="hold">
+                                          <p:stCondLst>
+                                            <p:cond delay="0"/>
+                                          </p:stCondLst>
+                                        </p:cTn>
+                                        <p:tgtEl>
+                                          <p:spTgt spid="44"/>
+                                        </p:tgtEl>
+                                        <p:attrNameLst>
+                                          <p:attrName>style.visibility</p:attrName>
+                                        </p:attrNameLst>
+                                      </p:cBhvr>
+                                      <p:to>
+                                        <p:strVal val="visible"/>
+                                      </p:to>
+                                    </p:set>
+                                    <p:animEffect transition="in" filter="fade">
+                                      <p:cBhvr>
+                                        <p:cTn id="13" dur="500"/>
+                                        <p:tgtEl>
+                                          <p:spTgt spid="44"/>
+                                        </p:tgtEl>
+                                      </p:cBhvr>
+                                    </p:animEffect>
+                                  </p:childTnLst>
+                                </p:cTn>
+                              </p:par>
+                            </p:childTnLst>
+                          </p:cTn>
+                        </p:par>
+                      </p:childTnLst>
+                    </p:cTn>
+                  </p:par>
+                  <p:par>
+                    <p:cTn id="14" fill="hold">
+                      <p:stCondLst>
+                        <p:cond delay="indefinite"/>
+                      </p:stCondLst>
+                      <p:childTnLst>
+                        <p:par>
+                          <p:cTn id="15" fill="hold">
+                            <p:stCondLst>
+                              <p:cond delay="0"/>
+                            </p:stCondLst>
+                            <p:childTnLst>
+                              <p:par>
+                                <p:cTn id="16" presetID="10" presetClass="entr" presetSubtype="0" fill="hold" grpId="0" nodeType="clickEffect">
+                                  <p:stCondLst>
+                                    <p:cond delay="0"/>
+                                  </p:stCondLst>
+                                  <p:childTnLst>
+                                    <p:set>
+                                      <p:cBhvr>
+                                        <p:cTn id="17" dur="1" fill="hold">
+                                          <p:stCondLst>
+                                            <p:cond delay="0"/>
+                                          </p:stCondLst>
+                                        </p:cTn>
+                                        <p:tgtEl>
+                                          <p:spTgt spid="21"/>
+                                        </p:tgtEl>
+                                        <p:attrNameLst>
+                                          <p:attrName>style.visibility</p:attrName>
+                                        </p:attrNameLst>
+                                      </p:cBhvr>
+                                      <p:to>
+                                        <p:strVal val="visible"/>
+                                      </p:to>
+                                    </p:set>
+                                    <p:animEffect transition="in" filter="fade">
+                                      <p:cBhvr>
+                                        <p:cTn id="18" dur="500"/>
+                                        <p:tgtEl>
+                                          <p:spTgt spid="21"/>
+                                        </p:tgtEl>
+                                      </p:cBhvr>
+                                    </p:animEffect>
+                                  </p:childTnLst>
+                                </p:cTn>
+                              </p:par>
+                              <p:par>
+                                <p:cTn id="19" presetID="10" presetClass="entr" presetSubtype="0" fill="hold" nodeType="withEffect">
+                                  <p:stCondLst>
+                                    <p:cond delay="0"/>
+                                  </p:stCondLst>
+                                  <p:childTnLst>
+                                    <p:set>
+                                      <p:cBhvr>
+                                        <p:cTn id="20" dur="1" fill="hold">
+                                          <p:stCondLst>
+                                            <p:cond delay="0"/>
+                                          </p:stCondLst>
+                                        </p:cTn>
+                                        <p:tgtEl>
+                                          <p:spTgt spid="3"/>
+                                        </p:tgtEl>
+                                        <p:attrNameLst>
+                                          <p:attrName>style.visibility</p:attrName>
+                                        </p:attrNameLst>
+                                      </p:cBhvr>
+                                      <p:to>
+                                        <p:strVal val="visible"/>
+                                      </p:to>
+                                    </p:set>
+                                    <p:animEffect transition="in" filter="fade">
+                                      <p:cBhvr>
+                                        <p:cTn id="21" dur="500"/>
+                                        <p:tgtEl>
+                                          <p:spTgt spid="3"/>
+                                        </p:tgtEl>
+                                      </p:cBhvr>
+                                    </p:animEffect>
+                                  </p:childTnLst>
+                                </p:cTn>
+                              </p:par>
+                            </p:childTnLst>
+                          </p:cTn>
+                        </p:par>
+                      </p:childTnLst>
+                    </p:cTn>
+                  </p:par>
+                  <p:par>
+                    <p:cTn id="22" fill="hold">
+                      <p:stCondLst>
+                        <p:cond delay="indefinite"/>
+                      </p:stCondLst>
+                      <p:childTnLst>
+                        <p:par>
+                          <p:cTn id="23" fill="hold">
+                            <p:stCondLst>
+                              <p:cond delay="0"/>
+                            </p:stCondLst>
+                            <p:childTnLst>
+                              <p:par>
+                                <p:cTn id="24" presetID="10" presetClass="entr" presetSubtype="0" fill="hold" nodeType="clickEffect">
+                                  <p:stCondLst>
+                                    <p:cond delay="0"/>
+                                  </p:stCondLst>
+                                  <p:childTnLst>
+                                    <p:set>
+                                      <p:cBhvr>
+                                        <p:cTn id="25" dur="1" fill="hold">
+                                          <p:stCondLst>
+                                            <p:cond delay="0"/>
+                                          </p:stCondLst>
+                                        </p:cTn>
+                                        <p:tgtEl>
+                                          <p:spTgt spid="5123"/>
+                                        </p:tgtEl>
+                                        <p:attrNameLst>
+                                          <p:attrName>style.visibility</p:attrName>
+                                        </p:attrNameLst>
+                                      </p:cBhvr>
+                                      <p:to>
+                                        <p:strVal val="visible"/>
+                                      </p:to>
+                                    </p:set>
+                                    <p:animEffect transition="in" filter="fade">
+                                      <p:cBhvr>
+                                        <p:cTn id="26" dur="500"/>
+                                        <p:tgtEl>
+                                          <p:spTgt spid="5123"/>
+                                        </p:tgtEl>
+                                      </p:cBhvr>
+                                    </p:animEffect>
+                                  </p:childTnLst>
+                                </p:cTn>
+                              </p:par>
+                              <p:par>
+                                <p:cTn id="27" presetID="10" presetClass="entr" presetSubtype="0" fill="hold" nodeType="withEffect">
+                                  <p:stCondLst>
+                                    <p:cond delay="0"/>
+                                  </p:stCondLst>
+                                  <p:childTnLst>
+                                    <p:set>
+                                      <p:cBhvr>
+                                        <p:cTn id="28" dur="1" fill="hold">
+                                          <p:stCondLst>
+                                            <p:cond delay="0"/>
+                                          </p:stCondLst>
+                                        </p:cTn>
+                                        <p:tgtEl>
+                                          <p:spTgt spid="2"/>
+                                        </p:tgtEl>
+                                        <p:attrNameLst>
+                                          <p:attrName>style.visibility</p:attrName>
+                                        </p:attrNameLst>
+                                      </p:cBhvr>
+                                      <p:to>
+                                        <p:strVal val="visible"/>
+                                      </p:to>
+                                    </p:set>
+                                    <p:animEffect transition="in" filter="fade">
+                                      <p:cBhvr>
+                                        <p:cTn id="29" dur="500"/>
+                                        <p:tgtEl>
+                                          <p:spTgt spid="2"/>
+                                        </p:tgtEl>
+                                      </p:cBhvr>
+                                    </p:animEffect>
+                                  </p:childTnLst>
+                                </p:cTn>
+                              </p:par>
+                            </p:childTnLst>
+                          </p:cTn>
+                        </p:par>
+                      </p:childTnLst>
+                    </p:cTn>
+                  </p:par>
+                </p:childTnLst>
+              </p:cTn>
+              <p:prevCondLst>
+                <p:cond evt="onPrev" delay="0">
+                  <p:tgtEl>
+                    <p:sldTgt/>
+                  </p:tgtEl>
+                </p:cond>
+              </p:prevCondLst>
+              <p:nextCondLst>
+                <p:cond evt="onNext" delay="0">
+                  <p:tgtEl>
+                    <p:sldTgt/>
+                  </p:tgtEl>
+                </p:cond>
+              </p:nextCondLst>
+            </p:seq>
+          </p:childTnLst>
+        </p:cTn>
       </p:par>
     </p:tnLst>
+    <p:bldLst>
+      <p:bldP spid="21" grpId="0" animBg="1"/>
+      <p:bldP spid="44" grpId="0"/>
+    </p:bldLst>
   </p:timing>
 </p:sld>
 </file>
@@ -7321,7 +7548,7 @@
           <p:cNvPr id="14" name="Titel 1">
             <a:extLst>
               <a:ext uri="{FF2B5EF4-FFF2-40B4-BE49-F238E27FC236}">
-                <a16:creationId xmlns:a16="http://schemas.microsoft.com/office/drawing/2014/main" xmlns="" id="{02E1418F-13E9-4DD1-A436-757FB376FACC}"/>
+                <a16:creationId xmlns="" xmlns:a16="http://schemas.microsoft.com/office/drawing/2014/main" id="{02E1418F-13E9-4DD1-A436-757FB376FACC}"/>
               </a:ext>
             </a:extLst>
           </p:cNvPr>
@@ -7372,7 +7599,7 @@
           <p:cNvPr id="23" name="Titel 22">
             <a:extLst>
               <a:ext uri="{FF2B5EF4-FFF2-40B4-BE49-F238E27FC236}">
-                <a16:creationId xmlns:a16="http://schemas.microsoft.com/office/drawing/2014/main" xmlns="" id="{0F8728F2-FADF-46A9-8EB9-8EDE7B56745B}"/>
+                <a16:creationId xmlns="" xmlns:a16="http://schemas.microsoft.com/office/drawing/2014/main" id="{0F8728F2-FADF-46A9-8EB9-8EDE7B56745B}"/>
               </a:ext>
             </a:extLst>
           </p:cNvPr>
@@ -7389,7 +7616,7 @@
           <a:lstStyle/>
           <a:p>
             <a:r>
-              <a:rPr lang="de-DE" dirty="0" smtClean="0">
+              <a:rPr lang="de-DE" dirty="0">
                 <a:cs typeface="Calibri" pitchFamily="34" charset="0"/>
               </a:rPr>
               <a:t>Server Side Rendering | Vor- &amp; Nachteile</a:t>
@@ -7398,804 +7625,242 @@
           </a:p>
         </p:txBody>
       </p:sp>
-      <p:graphicFrame>
-        <p:nvGraphicFramePr>
-          <p:cNvPr id="2" name="Tabelle 1"/>
-          <p:cNvGraphicFramePr>
-            <a:graphicFrameLocks noGrp="1"/>
-          </p:cNvGraphicFramePr>
+      <p:sp>
+        <p:nvSpPr>
+          <p:cNvPr id="3" name="Textplatzhalter 2">
+            <a:extLst>
+              <a:ext uri="{FF2B5EF4-FFF2-40B4-BE49-F238E27FC236}">
+                <a16:creationId xmlns="" xmlns:a16="http://schemas.microsoft.com/office/drawing/2014/main" id="{EFD70B09-D19F-48AE-BC9B-E7FCFD3657AC}"/>
+              </a:ext>
+            </a:extLst>
+          </p:cNvPr>
+          <p:cNvSpPr>
+            <a:spLocks noGrp="1"/>
+          </p:cNvSpPr>
           <p:nvPr>
-            <p:extLst>
-              <p:ext uri="{D42A27DB-BD31-4B8C-83A1-F6EECF244321}">
-                <p14:modId xmlns:p14="http://schemas.microsoft.com/office/powerpoint/2010/main" val="133035724"/>
-              </p:ext>
-            </p:extLst>
+            <p:ph type="body" sz="quarter" idx="14"/>
           </p:nvPr>
-        </p:nvGraphicFramePr>
-        <p:xfrm>
-          <a:off x="252412" y="863600"/>
-          <a:ext cx="7200000" cy="2820413"/>
-        </p:xfrm>
-        <a:graphic>
-          <a:graphicData uri="http://schemas.openxmlformats.org/drawingml/2006/table">
-            <a:tbl>
-              <a:tblPr firstRow="1" bandRow="1">
-                <a:tableStyleId>{2D5ABB26-0587-4C30-8999-92F81FD0307C}</a:tableStyleId>
-              </a:tblPr>
-              <a:tblGrid>
-                <a:gridCol w="3600000"/>
-                <a:gridCol w="3600000"/>
-              </a:tblGrid>
-              <a:tr h="138093">
-                <a:tc>
-                  <a:txBody>
-                    <a:bodyPr/>
-                    <a:lstStyle/>
-                    <a:p>
-                      <a:r>
-                        <a:rPr lang="de-DE" sz="1300" dirty="0" smtClean="0"/>
-                        <a:t>Vorteile</a:t>
-                      </a:r>
-                      <a:endParaRPr lang="de-DE" sz="1300" dirty="0"/>
-                    </a:p>
-                  </a:txBody>
-                  <a:tcPr marL="65365" marR="65365" marT="32683" marB="32683">
-                    <a:lnR w="12700" cap="flat" cmpd="sng" algn="ctr">
-                      <a:noFill/>
-                      <a:prstDash val="solid"/>
-                      <a:round/>
-                      <a:headEnd type="none" w="med" len="med"/>
-                      <a:tailEnd type="none" w="med" len="med"/>
-                    </a:lnR>
-                    <a:lnB w="12700" cap="flat" cmpd="sng" algn="ctr">
-                      <a:solidFill>
-                        <a:schemeClr val="tx1"/>
-                      </a:solidFill>
-                      <a:prstDash val="solid"/>
-                      <a:round/>
-                      <a:headEnd type="none" w="med" len="med"/>
-                      <a:tailEnd type="none" w="med" len="med"/>
-                    </a:lnB>
-                  </a:tcPr>
-                </a:tc>
-                <a:tc>
-                  <a:txBody>
-                    <a:bodyPr/>
-                    <a:lstStyle/>
-                    <a:p>
-                      <a:r>
-                        <a:rPr lang="de-DE" sz="1300" dirty="0" smtClean="0"/>
-                        <a:t>Nachteile</a:t>
-                      </a:r>
-                      <a:endParaRPr lang="de-DE" sz="1300" dirty="0"/>
-                    </a:p>
-                  </a:txBody>
-                  <a:tcPr marL="65365" marR="65365" marT="32683" marB="32683">
-                    <a:lnL w="12700" cap="flat" cmpd="sng" algn="ctr">
-                      <a:noFill/>
-                      <a:prstDash val="solid"/>
-                      <a:round/>
-                      <a:headEnd type="none" w="med" len="med"/>
-                      <a:tailEnd type="none" w="med" len="med"/>
-                    </a:lnL>
-                    <a:lnR>
-                      <a:noFill/>
-                    </a:lnR>
-                    <a:lnT>
-                      <a:noFill/>
-                    </a:lnT>
-                    <a:lnB w="12700" cap="flat" cmpd="sng" algn="ctr">
-                      <a:solidFill>
-                        <a:schemeClr val="tx1"/>
-                      </a:solidFill>
-                      <a:prstDash val="solid"/>
-                      <a:round/>
-                      <a:headEnd type="none" w="med" len="med"/>
-                      <a:tailEnd type="none" w="med" len="med"/>
-                    </a:lnB>
-                    <a:lnTlToBr w="12700" cmpd="sng">
-                      <a:noFill/>
-                      <a:prstDash val="solid"/>
-                    </a:lnTlToBr>
-                    <a:lnBlToTr w="12700" cmpd="sng">
-                      <a:noFill/>
-                      <a:prstDash val="solid"/>
-                    </a:lnBlToTr>
-                  </a:tcPr>
-                </a:tc>
-              </a:tr>
-              <a:tr h="457557">
-                <a:tc>
-                  <a:txBody>
-                    <a:bodyPr/>
-                    <a:lstStyle/>
-                    <a:p>
-                      <a:pPr marL="285750" marR="0" indent="-285750" algn="l" defTabSz="914400" rtl="0" eaLnBrk="1" fontAlgn="auto" latinLnBrk="0" hangingPunct="1">
-                        <a:lnSpc>
-                          <a:spcPct val="100000"/>
-                        </a:lnSpc>
-                        <a:spcBef>
-                          <a:spcPts val="0"/>
-                        </a:spcBef>
-                        <a:spcAft>
-                          <a:spcPts val="0"/>
-                        </a:spcAft>
-                        <a:buClrTx/>
-                        <a:buSzTx/>
-                        <a:buFont typeface="Arial" panose="020B0604020202020204" pitchFamily="34" charset="0"/>
-                        <a:buChar char="•"/>
-                        <a:tabLst/>
-                        <a:defRPr/>
-                      </a:pPr>
-                      <a:r>
-                        <a:rPr lang="en-US" sz="1300" kern="1200" dirty="0" smtClean="0">
-                          <a:effectLst/>
-                        </a:rPr>
-                        <a:t>Search engines can crawl the site for better SEO.</a:t>
-                      </a:r>
-                      <a:endParaRPr lang="en-US" sz="1300" b="0" i="0" kern="1200" dirty="0" smtClean="0">
-                        <a:solidFill>
-                          <a:schemeClr val="dk1"/>
-                        </a:solidFill>
-                        <a:effectLst/>
-                        <a:latin typeface="+mn-lt"/>
-                        <a:ea typeface="+mn-ea"/>
-                        <a:cs typeface="+mn-cs"/>
-                      </a:endParaRPr>
-                    </a:p>
-                  </a:txBody>
-                  <a:tcPr marL="65365" marR="65365" marT="32683" marB="32683">
-                    <a:lnR w="12700" cap="flat" cmpd="sng" algn="ctr">
-                      <a:noFill/>
-                      <a:prstDash val="solid"/>
-                      <a:round/>
-                      <a:headEnd type="none" w="med" len="med"/>
-                      <a:tailEnd type="none" w="med" len="med"/>
-                    </a:lnR>
-                    <a:lnT w="12700" cap="flat" cmpd="sng" algn="ctr">
-                      <a:solidFill>
-                        <a:schemeClr val="tx1"/>
-                      </a:solidFill>
-                      <a:prstDash val="solid"/>
-                      <a:round/>
-                      <a:headEnd type="none" w="med" len="med"/>
-                      <a:tailEnd type="none" w="med" len="med"/>
-                    </a:lnT>
-                  </a:tcPr>
-                </a:tc>
-                <a:tc>
-                  <a:txBody>
-                    <a:bodyPr/>
-                    <a:lstStyle/>
-                    <a:p>
-                      <a:pPr marL="285750" indent="-285750">
-                        <a:buFont typeface="Arial" panose="020B0604020202020204" pitchFamily="34" charset="0"/>
-                        <a:buChar char="•"/>
-                      </a:pPr>
-                      <a:r>
-                        <a:rPr lang="de-DE" sz="1300" dirty="0" err="1" smtClean="0"/>
-                        <a:t>Frequent</a:t>
-                      </a:r>
-                      <a:r>
-                        <a:rPr lang="de-DE" sz="1300" dirty="0" smtClean="0"/>
-                        <a:t> Server </a:t>
-                      </a:r>
-                      <a:r>
-                        <a:rPr lang="de-DE" sz="1300" dirty="0" err="1" smtClean="0"/>
-                        <a:t>Requests</a:t>
-                      </a:r>
-                      <a:endParaRPr lang="de-DE" sz="1300" dirty="0"/>
-                    </a:p>
-                  </a:txBody>
-                  <a:tcPr marL="65365" marR="65365" marT="32683" marB="32683">
-                    <a:lnL w="12700" cap="flat" cmpd="sng" algn="ctr">
-                      <a:noFill/>
-                      <a:prstDash val="solid"/>
-                      <a:round/>
-                      <a:headEnd type="none" w="med" len="med"/>
-                      <a:tailEnd type="none" w="med" len="med"/>
-                    </a:lnL>
-                    <a:lnR>
-                      <a:noFill/>
-                    </a:lnR>
-                    <a:lnT w="12700" cap="flat" cmpd="sng" algn="ctr">
-                      <a:solidFill>
-                        <a:schemeClr val="tx1"/>
-                      </a:solidFill>
-                      <a:prstDash val="solid"/>
-                      <a:round/>
-                      <a:headEnd type="none" w="med" len="med"/>
-                      <a:tailEnd type="none" w="med" len="med"/>
-                    </a:lnT>
-                    <a:lnB>
-                      <a:noFill/>
-                    </a:lnB>
-                    <a:lnTlToBr w="12700" cmpd="sng">
-                      <a:noFill/>
-                      <a:prstDash val="solid"/>
-                    </a:lnTlToBr>
-                    <a:lnBlToTr w="12700" cmpd="sng">
-                      <a:noFill/>
-                      <a:prstDash val="solid"/>
-                    </a:lnBlToTr>
-                  </a:tcPr>
-                </a:tc>
-              </a:tr>
-              <a:tr h="457557">
-                <a:tc>
-                  <a:txBody>
-                    <a:bodyPr/>
-                    <a:lstStyle/>
-                    <a:p>
-                      <a:pPr marL="285750" marR="0" indent="-285750" algn="l" defTabSz="914400" rtl="0" eaLnBrk="1" fontAlgn="auto" latinLnBrk="0" hangingPunct="1">
-                        <a:lnSpc>
-                          <a:spcPct val="100000"/>
-                        </a:lnSpc>
-                        <a:spcBef>
-                          <a:spcPts val="0"/>
-                        </a:spcBef>
-                        <a:spcAft>
-                          <a:spcPts val="0"/>
-                        </a:spcAft>
-                        <a:buClrTx/>
-                        <a:buSzTx/>
-                        <a:buFont typeface="Arial" panose="020B0604020202020204" pitchFamily="34" charset="0"/>
-                        <a:buChar char="•"/>
-                        <a:tabLst/>
-                        <a:defRPr/>
-                      </a:pPr>
-                      <a:r>
-                        <a:rPr lang="en-US" sz="1300" kern="1200" dirty="0" smtClean="0">
-                          <a:effectLst/>
-                        </a:rPr>
-                        <a:t>The initial page load is faster.</a:t>
-                      </a:r>
-                      <a:endParaRPr lang="en-US" sz="1300" b="0" i="0" kern="1200" dirty="0" smtClean="0">
-                        <a:solidFill>
-                          <a:schemeClr val="dk1"/>
-                        </a:solidFill>
-                        <a:effectLst/>
-                        <a:latin typeface="+mn-lt"/>
-                        <a:ea typeface="+mn-ea"/>
-                        <a:cs typeface="+mn-cs"/>
-                      </a:endParaRPr>
-                    </a:p>
-                  </a:txBody>
-                  <a:tcPr marL="65365" marR="65365" marT="32683" marB="32683">
-                    <a:lnR w="12700" cap="flat" cmpd="sng" algn="ctr">
-                      <a:noFill/>
-                      <a:prstDash val="solid"/>
-                      <a:round/>
-                      <a:headEnd type="none" w="med" len="med"/>
-                      <a:tailEnd type="none" w="med" len="med"/>
-                    </a:lnR>
-                  </a:tcPr>
-                </a:tc>
-                <a:tc>
-                  <a:txBody>
-                    <a:bodyPr/>
-                    <a:lstStyle/>
-                    <a:p>
-                      <a:pPr marL="285750" indent="-285750">
-                        <a:buFont typeface="Arial" panose="020B0604020202020204" pitchFamily="34" charset="0"/>
-                        <a:buChar char="•"/>
-                      </a:pPr>
-                      <a:r>
-                        <a:rPr lang="de-DE" sz="1300" dirty="0" err="1" smtClean="0"/>
-                        <a:t>Full</a:t>
-                      </a:r>
-                      <a:r>
-                        <a:rPr lang="de-DE" sz="1300" dirty="0" smtClean="0"/>
-                        <a:t> Page </a:t>
-                      </a:r>
-                      <a:r>
-                        <a:rPr lang="de-DE" sz="1300" dirty="0" err="1" smtClean="0"/>
-                        <a:t>Reloads</a:t>
-                      </a:r>
-                      <a:endParaRPr lang="de-DE" sz="1300" dirty="0"/>
-                    </a:p>
-                  </a:txBody>
-                  <a:tcPr marL="65365" marR="65365" marT="32683" marB="32683">
-                    <a:lnL w="12700" cap="flat" cmpd="sng" algn="ctr">
-                      <a:noFill/>
-                      <a:prstDash val="solid"/>
-                      <a:round/>
-                      <a:headEnd type="none" w="med" len="med"/>
-                      <a:tailEnd type="none" w="med" len="med"/>
-                    </a:lnL>
-                    <a:lnR>
-                      <a:noFill/>
-                    </a:lnR>
-                    <a:lnT>
-                      <a:noFill/>
-                    </a:lnT>
-                    <a:lnB>
-                      <a:noFill/>
-                    </a:lnB>
-                    <a:lnTlToBr w="12700" cmpd="sng">
-                      <a:noFill/>
-                      <a:prstDash val="solid"/>
-                    </a:lnTlToBr>
-                    <a:lnBlToTr w="12700" cmpd="sng">
-                      <a:noFill/>
-                      <a:prstDash val="solid"/>
-                    </a:lnBlToTr>
-                  </a:tcPr>
-                </a:tc>
-              </a:tr>
-              <a:tr h="265093">
-                <a:tc>
-                  <a:txBody>
-                    <a:bodyPr/>
-                    <a:lstStyle/>
-                    <a:p>
-                      <a:pPr marL="285750" marR="0" indent="-285750" algn="l" defTabSz="914400" rtl="0" eaLnBrk="1" fontAlgn="auto" latinLnBrk="0" hangingPunct="1">
-                        <a:lnSpc>
-                          <a:spcPct val="100000"/>
-                        </a:lnSpc>
-                        <a:spcBef>
-                          <a:spcPts val="0"/>
-                        </a:spcBef>
-                        <a:spcAft>
-                          <a:spcPts val="0"/>
-                        </a:spcAft>
-                        <a:buClrTx/>
-                        <a:buSzTx/>
-                        <a:buFont typeface="Arial" panose="020B0604020202020204" pitchFamily="34" charset="0"/>
-                        <a:buChar char="•"/>
-                        <a:tabLst/>
-                        <a:defRPr/>
-                      </a:pPr>
-                      <a:r>
-                        <a:rPr lang="de-DE" sz="1300" kern="1200" dirty="0" smtClean="0">
-                          <a:effectLst/>
-                        </a:rPr>
-                        <a:t>Great </a:t>
-                      </a:r>
-                      <a:r>
-                        <a:rPr lang="de-DE" sz="1300" kern="1200" dirty="0" err="1" smtClean="0">
-                          <a:effectLst/>
-                        </a:rPr>
-                        <a:t>for</a:t>
-                      </a:r>
-                      <a:r>
-                        <a:rPr lang="de-DE" sz="1300" kern="1200" dirty="0" smtClean="0">
-                          <a:effectLst/>
-                        </a:rPr>
-                        <a:t> </a:t>
-                      </a:r>
-                      <a:r>
-                        <a:rPr lang="de-DE" sz="1300" kern="1200" dirty="0" err="1" smtClean="0">
-                          <a:effectLst/>
-                        </a:rPr>
-                        <a:t>static</a:t>
-                      </a:r>
-                      <a:r>
-                        <a:rPr lang="de-DE" sz="1300" kern="1200" dirty="0" smtClean="0">
-                          <a:effectLst/>
-                        </a:rPr>
-                        <a:t> </a:t>
-                      </a:r>
-                      <a:r>
-                        <a:rPr lang="de-DE" sz="1300" kern="1200" dirty="0" err="1" smtClean="0">
-                          <a:effectLst/>
-                        </a:rPr>
-                        <a:t>sites</a:t>
-                      </a:r>
-                      <a:r>
-                        <a:rPr lang="de-DE" sz="1300" kern="1200" dirty="0" smtClean="0">
-                          <a:effectLst/>
-                        </a:rPr>
-                        <a:t>.</a:t>
-                      </a:r>
-                    </a:p>
-                  </a:txBody>
-                  <a:tcPr marL="65365" marR="65365" marT="32683" marB="32683">
-                    <a:lnR w="12700" cap="flat" cmpd="sng" algn="ctr">
-                      <a:noFill/>
-                      <a:prstDash val="solid"/>
-                      <a:round/>
-                      <a:headEnd type="none" w="med" len="med"/>
-                      <a:tailEnd type="none" w="med" len="med"/>
-                    </a:lnR>
-                  </a:tcPr>
-                </a:tc>
-                <a:tc>
-                  <a:txBody>
-                    <a:bodyPr/>
-                    <a:lstStyle/>
-                    <a:p>
-                      <a:pPr marL="285750" marR="0" indent="-285750" algn="l" defTabSz="914400" rtl="0" eaLnBrk="1" fontAlgn="auto" latinLnBrk="0" hangingPunct="1">
-                        <a:lnSpc>
-                          <a:spcPct val="100000"/>
-                        </a:lnSpc>
-                        <a:spcBef>
-                          <a:spcPts val="0"/>
-                        </a:spcBef>
-                        <a:spcAft>
-                          <a:spcPts val="0"/>
-                        </a:spcAft>
-                        <a:buClrTx/>
-                        <a:buSzTx/>
-                        <a:buFont typeface="Arial" panose="020B0604020202020204" pitchFamily="34" charset="0"/>
-                        <a:buChar char="•"/>
-                        <a:tabLst/>
-                        <a:defRPr/>
-                      </a:pPr>
-                      <a:r>
-                        <a:rPr lang="de-DE" sz="1300" kern="1200" dirty="0" smtClean="0">
-                          <a:effectLst/>
-                        </a:rPr>
-                        <a:t>Non-</a:t>
-                      </a:r>
-                      <a:r>
-                        <a:rPr lang="de-DE" sz="1300" kern="1200" dirty="0" err="1" smtClean="0">
-                          <a:effectLst/>
-                        </a:rPr>
-                        <a:t>rich</a:t>
-                      </a:r>
-                      <a:r>
-                        <a:rPr lang="de-DE" sz="1300" kern="1200" dirty="0" smtClean="0">
-                          <a:effectLst/>
-                        </a:rPr>
-                        <a:t> </a:t>
-                      </a:r>
-                      <a:r>
-                        <a:rPr lang="de-DE" sz="1300" kern="1200" dirty="0" err="1" smtClean="0">
-                          <a:effectLst/>
-                        </a:rPr>
-                        <a:t>site</a:t>
-                      </a:r>
-                      <a:r>
-                        <a:rPr lang="de-DE" sz="1300" kern="1200" dirty="0" smtClean="0">
-                          <a:effectLst/>
-                        </a:rPr>
-                        <a:t> </a:t>
-                      </a:r>
-                      <a:r>
-                        <a:rPr lang="de-DE" sz="1300" kern="1200" dirty="0" err="1" smtClean="0">
-                          <a:effectLst/>
-                        </a:rPr>
-                        <a:t>interactions</a:t>
-                      </a:r>
-                      <a:r>
-                        <a:rPr lang="de-DE" sz="1300" kern="1200" dirty="0" smtClean="0">
-                          <a:effectLst/>
-                        </a:rPr>
-                        <a:t>.</a:t>
-                      </a:r>
-                      <a:endParaRPr lang="de-DE" sz="1300" b="0" i="0" kern="1200" dirty="0" smtClean="0">
-                        <a:solidFill>
-                          <a:schemeClr val="dk1"/>
-                        </a:solidFill>
-                        <a:effectLst/>
-                        <a:latin typeface="+mn-lt"/>
-                        <a:ea typeface="+mn-ea"/>
-                        <a:cs typeface="+mn-cs"/>
-                      </a:endParaRPr>
-                    </a:p>
-                  </a:txBody>
-                  <a:tcPr marL="65365" marR="65365" marT="32683" marB="32683">
-                    <a:lnL w="12700" cap="flat" cmpd="sng" algn="ctr">
-                      <a:noFill/>
-                      <a:prstDash val="solid"/>
-                      <a:round/>
-                      <a:headEnd type="none" w="med" len="med"/>
-                      <a:tailEnd type="none" w="med" len="med"/>
-                    </a:lnL>
-                    <a:lnR>
-                      <a:noFill/>
-                    </a:lnR>
-                    <a:lnT>
-                      <a:noFill/>
-                    </a:lnT>
-                    <a:lnB>
-                      <a:noFill/>
-                    </a:lnB>
-                    <a:lnTlToBr w="12700" cmpd="sng">
-                      <a:noFill/>
-                      <a:prstDash val="solid"/>
-                    </a:lnTlToBr>
-                    <a:lnBlToTr w="12700" cmpd="sng">
-                      <a:noFill/>
-                      <a:prstDash val="solid"/>
-                    </a:lnBlToTr>
-                  </a:tcPr>
-                </a:tc>
-              </a:tr>
-              <a:tr h="457557">
-                <a:tc>
-                  <a:txBody>
-                    <a:bodyPr/>
-                    <a:lstStyle/>
-                    <a:p>
-                      <a:pPr marL="285750" indent="-285750">
-                        <a:buFont typeface="Arial" panose="020B0604020202020204" pitchFamily="34" charset="0"/>
-                        <a:buChar char="•"/>
-                      </a:pPr>
-                      <a:r>
-                        <a:rPr lang="de-DE" sz="1300" dirty="0" smtClean="0"/>
-                        <a:t>User </a:t>
-                      </a:r>
-                      <a:r>
-                        <a:rPr lang="de-DE" sz="1300" dirty="0" err="1" smtClean="0"/>
-                        <a:t>can</a:t>
-                      </a:r>
-                      <a:r>
-                        <a:rPr lang="de-DE" sz="1300" dirty="0" smtClean="0"/>
-                        <a:t> </a:t>
-                      </a:r>
-                      <a:r>
-                        <a:rPr lang="de-DE" sz="1300" dirty="0" err="1" smtClean="0"/>
-                        <a:t>see</a:t>
-                      </a:r>
-                      <a:r>
-                        <a:rPr lang="de-DE" sz="1300" dirty="0" smtClean="0"/>
-                        <a:t> </a:t>
-                      </a:r>
-                      <a:r>
-                        <a:rPr lang="de-DE" sz="1300" dirty="0" err="1" smtClean="0"/>
-                        <a:t>site</a:t>
-                      </a:r>
-                      <a:r>
-                        <a:rPr lang="de-DE" sz="1300" dirty="0" smtClean="0"/>
-                        <a:t> </a:t>
-                      </a:r>
-                      <a:r>
-                        <a:rPr lang="de-DE" sz="1300" dirty="0" err="1" smtClean="0"/>
-                        <a:t>before</a:t>
-                      </a:r>
-                      <a:r>
-                        <a:rPr lang="de-DE" sz="1300" dirty="0" smtClean="0"/>
-                        <a:t> </a:t>
-                      </a:r>
-                      <a:r>
-                        <a:rPr lang="de-DE" sz="1300" dirty="0" err="1" smtClean="0"/>
-                        <a:t>interacting</a:t>
-                      </a:r>
-                      <a:endParaRPr lang="de-DE" sz="1300" dirty="0"/>
-                    </a:p>
-                  </a:txBody>
-                  <a:tcPr marL="65365" marR="65365" marT="32683" marB="32683">
-                    <a:lnR w="12700" cap="flat" cmpd="sng" algn="ctr">
-                      <a:noFill/>
-                      <a:prstDash val="solid"/>
-                      <a:round/>
-                      <a:headEnd type="none" w="med" len="med"/>
-                      <a:tailEnd type="none" w="med" len="med"/>
-                    </a:lnR>
-                  </a:tcPr>
-                </a:tc>
-                <a:tc>
-                  <a:txBody>
-                    <a:bodyPr/>
-                    <a:lstStyle/>
-                    <a:p>
-                      <a:pPr marL="285750" indent="-285750">
-                        <a:buFont typeface="Arial" panose="020B0604020202020204" pitchFamily="34" charset="0"/>
-                        <a:buChar char="•"/>
-                      </a:pPr>
-                      <a:r>
-                        <a:rPr lang="de-DE" sz="1300" dirty="0" smtClean="0"/>
-                        <a:t>SSR TTFB </a:t>
-                      </a:r>
-                      <a:r>
-                        <a:rPr lang="de-DE" sz="1300" dirty="0" err="1" smtClean="0"/>
-                        <a:t>is</a:t>
-                      </a:r>
-                      <a:r>
-                        <a:rPr lang="de-DE" sz="1300" dirty="0" smtClean="0"/>
-                        <a:t> </a:t>
-                      </a:r>
-                      <a:r>
-                        <a:rPr lang="de-DE" sz="1300" dirty="0" err="1" smtClean="0"/>
-                        <a:t>slower</a:t>
-                      </a:r>
-                      <a:r>
-                        <a:rPr lang="de-DE" sz="1300" dirty="0" smtClean="0"/>
-                        <a:t> </a:t>
-                      </a:r>
-                      <a:r>
-                        <a:rPr lang="de-DE" sz="1300" dirty="0" err="1" smtClean="0"/>
-                        <a:t>than</a:t>
-                      </a:r>
-                      <a:r>
-                        <a:rPr lang="de-DE" sz="1300" dirty="0" smtClean="0"/>
-                        <a:t> CSR</a:t>
-                      </a:r>
-                      <a:endParaRPr lang="de-DE" sz="1300" dirty="0"/>
-                    </a:p>
-                  </a:txBody>
-                  <a:tcPr marL="65365" marR="65365" marT="32683" marB="32683">
-                    <a:lnL w="12700" cap="flat" cmpd="sng" algn="ctr">
-                      <a:noFill/>
-                      <a:prstDash val="solid"/>
-                      <a:round/>
-                      <a:headEnd type="none" w="med" len="med"/>
-                      <a:tailEnd type="none" w="med" len="med"/>
-                    </a:lnL>
-                    <a:lnR>
-                      <a:noFill/>
-                    </a:lnR>
-                    <a:lnT>
-                      <a:noFill/>
-                    </a:lnT>
-                    <a:lnB>
-                      <a:noFill/>
-                    </a:lnB>
-                    <a:lnTlToBr w="12700" cmpd="sng">
-                      <a:noFill/>
-                      <a:prstDash val="solid"/>
-                    </a:lnTlToBr>
-                    <a:lnBlToTr w="12700" cmpd="sng">
-                      <a:noFill/>
-                      <a:prstDash val="solid"/>
-                    </a:lnBlToTr>
-                  </a:tcPr>
-                </a:tc>
-              </a:tr>
-              <a:tr h="457557">
-                <a:tc>
-                  <a:txBody>
-                    <a:bodyPr/>
-                    <a:lstStyle/>
-                    <a:p>
-                      <a:endParaRPr lang="de-DE" sz="1300"/>
-                    </a:p>
-                  </a:txBody>
-                  <a:tcPr marL="65365" marR="65365" marT="32683" marB="32683">
-                    <a:lnR w="12700" cap="flat" cmpd="sng" algn="ctr">
-                      <a:noFill/>
-                      <a:prstDash val="solid"/>
-                      <a:round/>
-                      <a:headEnd type="none" w="med" len="med"/>
-                      <a:tailEnd type="none" w="med" len="med"/>
-                    </a:lnR>
-                  </a:tcPr>
-                </a:tc>
-                <a:tc>
-                  <a:txBody>
-                    <a:bodyPr/>
-                    <a:lstStyle/>
-                    <a:p>
-                      <a:pPr marL="285750" indent="-285750">
-                        <a:buFont typeface="Arial" panose="020B0604020202020204" pitchFamily="34" charset="0"/>
-                        <a:buChar char="•"/>
-                      </a:pPr>
-                      <a:r>
-                        <a:rPr lang="de-DE" sz="1300" dirty="0" smtClean="0"/>
-                        <a:t>User </a:t>
-                      </a:r>
-                      <a:r>
-                        <a:rPr lang="de-DE" sz="1300" dirty="0" err="1" smtClean="0"/>
-                        <a:t>can</a:t>
-                      </a:r>
-                      <a:r>
-                        <a:rPr lang="de-DE" sz="1300" dirty="0" smtClean="0"/>
-                        <a:t> </a:t>
-                      </a:r>
-                      <a:r>
-                        <a:rPr lang="de-DE" sz="1300" dirty="0" err="1" smtClean="0"/>
-                        <a:t>see</a:t>
-                      </a:r>
-                      <a:r>
-                        <a:rPr lang="de-DE" sz="1300" dirty="0" smtClean="0"/>
-                        <a:t> but </a:t>
-                      </a:r>
-                      <a:r>
-                        <a:rPr lang="de-DE" sz="1300" dirty="0" err="1" smtClean="0"/>
-                        <a:t>cant</a:t>
-                      </a:r>
-                      <a:r>
-                        <a:rPr lang="de-DE" sz="1300" dirty="0" smtClean="0"/>
-                        <a:t> </a:t>
-                      </a:r>
-                      <a:r>
-                        <a:rPr lang="de-DE" sz="1300" dirty="0" err="1" smtClean="0"/>
-                        <a:t>interact</a:t>
-                      </a:r>
-                      <a:endParaRPr lang="de-DE" sz="1300" dirty="0"/>
-                    </a:p>
-                  </a:txBody>
-                  <a:tcPr marL="65365" marR="65365" marT="32683" marB="32683">
-                    <a:lnL w="12700" cap="flat" cmpd="sng" algn="ctr">
-                      <a:noFill/>
-                      <a:prstDash val="solid"/>
-                      <a:round/>
-                      <a:headEnd type="none" w="med" len="med"/>
-                      <a:tailEnd type="none" w="med" len="med"/>
-                    </a:lnL>
-                    <a:lnR>
-                      <a:noFill/>
-                    </a:lnR>
-                    <a:lnT>
-                      <a:noFill/>
-                    </a:lnT>
-                    <a:lnB>
-                      <a:noFill/>
-                    </a:lnB>
-                    <a:lnTlToBr w="12700" cmpd="sng">
-                      <a:noFill/>
-                      <a:prstDash val="solid"/>
-                    </a:lnTlToBr>
-                    <a:lnBlToTr w="12700" cmpd="sng">
-                      <a:noFill/>
-                      <a:prstDash val="solid"/>
-                    </a:lnBlToTr>
-                  </a:tcPr>
-                </a:tc>
-              </a:tr>
-              <a:tr h="457557">
-                <a:tc>
-                  <a:txBody>
-                    <a:bodyPr/>
-                    <a:lstStyle/>
-                    <a:p>
-                      <a:endParaRPr lang="de-DE" sz="1300"/>
-                    </a:p>
-                  </a:txBody>
-                  <a:tcPr marL="65365" marR="65365" marT="32683" marB="32683">
-                    <a:lnR w="12700" cap="flat" cmpd="sng" algn="ctr">
-                      <a:noFill/>
-                      <a:prstDash val="solid"/>
-                      <a:round/>
-                      <a:headEnd type="none" w="med" len="med"/>
-                      <a:tailEnd type="none" w="med" len="med"/>
-                    </a:lnR>
-                  </a:tcPr>
-                </a:tc>
-                <a:tc>
-                  <a:txBody>
-                    <a:bodyPr/>
-                    <a:lstStyle/>
-                    <a:p>
-                      <a:pPr marL="285750" indent="-285750">
-                        <a:buFont typeface="Arial" panose="020B0604020202020204" pitchFamily="34" charset="0"/>
-                        <a:buChar char="•"/>
-                      </a:pPr>
-                      <a:r>
-                        <a:rPr lang="de-DE" sz="1300" dirty="0" smtClean="0"/>
-                        <a:t>Stärkere Belastung des Servers</a:t>
-                      </a:r>
-                      <a:endParaRPr lang="de-DE" sz="1300" dirty="0"/>
-                    </a:p>
-                  </a:txBody>
-                  <a:tcPr marL="65365" marR="65365" marT="32683" marB="32683">
-                    <a:lnL w="12700" cap="flat" cmpd="sng" algn="ctr">
-                      <a:noFill/>
-                      <a:prstDash val="solid"/>
-                      <a:round/>
-                      <a:headEnd type="none" w="med" len="med"/>
-                      <a:tailEnd type="none" w="med" len="med"/>
-                    </a:lnL>
-                    <a:lnR>
-                      <a:noFill/>
-                    </a:lnR>
-                    <a:lnT>
-                      <a:noFill/>
-                    </a:lnT>
-                    <a:lnB>
-                      <a:noFill/>
-                    </a:lnB>
-                    <a:lnTlToBr w="12700" cmpd="sng">
-                      <a:noFill/>
-                      <a:prstDash val="solid"/>
-                    </a:lnTlToBr>
-                    <a:lnBlToTr w="12700" cmpd="sng">
-                      <a:noFill/>
-                      <a:prstDash val="solid"/>
-                    </a:lnBlToTr>
-                  </a:tcPr>
-                </a:tc>
-              </a:tr>
-            </a:tbl>
-          </a:graphicData>
-        </a:graphic>
-      </p:graphicFrame>
+        </p:nvSpPr>
+        <p:spPr>
+          <a:xfrm>
+            <a:off x="424282" y="808039"/>
+            <a:ext cx="8505408" cy="3857624"/>
+          </a:xfrm>
+        </p:spPr>
+        <p:txBody>
+          <a:bodyPr/>
+          <a:lstStyle/>
+          <a:p>
+            <a:pPr marL="285750" indent="-285750">
+              <a:buFont typeface="Arial" panose="020B0604020202020204" pitchFamily="34" charset="0"/>
+              <a:buChar char="•"/>
+            </a:pPr>
+            <a:r>
+              <a:rPr lang="de-DE" dirty="0" smtClean="0"/>
+              <a:t>Client </a:t>
+            </a:r>
+            <a:r>
+              <a:rPr lang="de-DE" dirty="0"/>
+              <a:t>Performance (UX</a:t>
+            </a:r>
+            <a:r>
+              <a:rPr lang="de-DE" dirty="0" smtClean="0"/>
+              <a:t>) vs. Server Performance (Load)</a:t>
+            </a:r>
+          </a:p>
+          <a:p>
+            <a:pPr marL="285750" indent="-285750">
+              <a:buFont typeface="Arial" panose="020B0604020202020204" pitchFamily="34" charset="0"/>
+              <a:buChar char="•"/>
+            </a:pPr>
+            <a:r>
+              <a:rPr lang="de-DE" dirty="0" smtClean="0"/>
+              <a:t>SEO Unterstützung für SPA</a:t>
+            </a:r>
+          </a:p>
+          <a:p>
+            <a:pPr marL="285750" indent="-285750">
+              <a:buFont typeface="Arial" panose="020B0604020202020204" pitchFamily="34" charset="0"/>
+              <a:buChar char="•"/>
+            </a:pPr>
+            <a:r>
+              <a:rPr lang="de-DE" dirty="0" smtClean="0"/>
+              <a:t>Es gibt auch gute Alternativen</a:t>
+            </a:r>
+          </a:p>
+          <a:p>
+            <a:pPr marL="557213" lvl="1" indent="-285750">
+              <a:buFont typeface="Arial" panose="020B0604020202020204" pitchFamily="34" charset="0"/>
+              <a:buChar char="•"/>
+            </a:pPr>
+            <a:r>
+              <a:rPr lang="de-DE" dirty="0" err="1" smtClean="0"/>
+              <a:t>Prerendering</a:t>
+            </a:r>
+            <a:r>
+              <a:rPr lang="de-DE" dirty="0" smtClean="0"/>
+              <a:t> (on </a:t>
+            </a:r>
+            <a:r>
+              <a:rPr lang="de-DE" dirty="0" err="1" smtClean="0"/>
+              <a:t>demand</a:t>
+            </a:r>
+            <a:r>
+              <a:rPr lang="de-DE" dirty="0" smtClean="0"/>
+              <a:t>)</a:t>
+            </a:r>
+          </a:p>
+          <a:p>
+            <a:pPr marL="827088" lvl="2" indent="-285750">
+              <a:buFont typeface="Arial" panose="020B0604020202020204" pitchFamily="34" charset="0"/>
+              <a:buChar char="•"/>
+            </a:pPr>
+            <a:r>
+              <a:rPr lang="de-DE" dirty="0" err="1" smtClean="0"/>
+              <a:t>React-snap</a:t>
+            </a:r>
+            <a:endParaRPr lang="de-DE" dirty="0" smtClean="0"/>
+          </a:p>
+          <a:p>
+            <a:pPr marL="827088" lvl="2" indent="-285750">
+              <a:buFont typeface="Arial" panose="020B0604020202020204" pitchFamily="34" charset="0"/>
+              <a:buChar char="•"/>
+            </a:pPr>
+            <a:r>
+              <a:rPr lang="de-DE" dirty="0" err="1" smtClean="0"/>
+              <a:t>React-static</a:t>
+            </a:r>
+            <a:endParaRPr lang="de-DE" dirty="0" smtClean="0"/>
+          </a:p>
+          <a:p>
+            <a:pPr marL="827088" lvl="2" indent="-285750">
+              <a:buFont typeface="Arial" panose="020B0604020202020204" pitchFamily="34" charset="0"/>
+              <a:buChar char="•"/>
+            </a:pPr>
+            <a:r>
+              <a:rPr lang="de-DE" dirty="0" err="1" smtClean="0"/>
+              <a:t>Gatsby</a:t>
+            </a:r>
+            <a:endParaRPr lang="de-DE" dirty="0" smtClean="0"/>
+          </a:p>
+          <a:p>
+            <a:pPr marL="827088" lvl="2" indent="-285750">
+              <a:buFont typeface="Arial" panose="020B0604020202020204" pitchFamily="34" charset="0"/>
+              <a:buChar char="•"/>
+            </a:pPr>
+            <a:r>
+              <a:rPr lang="de-DE" dirty="0" err="1" smtClean="0"/>
+              <a:t>Rendertron</a:t>
+            </a:r>
+            <a:endParaRPr lang="de-DE" dirty="0" smtClean="0"/>
+          </a:p>
+          <a:p>
+            <a:pPr marL="827088" lvl="2" indent="-285750">
+              <a:buFont typeface="Arial" panose="020B0604020202020204" pitchFamily="34" charset="0"/>
+              <a:buChar char="•"/>
+            </a:pPr>
+            <a:r>
+              <a:rPr lang="de-DE" dirty="0" err="1" smtClean="0"/>
+              <a:t>puppetron</a:t>
+            </a:r>
+            <a:endParaRPr lang="de-DE" dirty="0" smtClean="0"/>
+          </a:p>
+          <a:p>
+            <a:pPr marL="285750" indent="-285750">
+              <a:buFont typeface="Arial" panose="020B0604020202020204" pitchFamily="34" charset="0"/>
+              <a:buChar char="•"/>
+            </a:pPr>
+            <a:endParaRPr lang="de-DE" dirty="0"/>
+          </a:p>
+          <a:p>
+            <a:endParaRPr lang="de-DE" dirty="0"/>
+          </a:p>
+        </p:txBody>
+      </p:sp>
+      <p:sp>
+        <p:nvSpPr>
+          <p:cNvPr id="2" name="AutoShape 2" descr="data:image/png;base64,iVBORw0KGgoAAAANSUhEUgAAAQIAAADDCAMAAABeUu/HAAAAeFBMVEX////wuQvvtQDvtADwuAD77M7xwDb99eH+/PL103r43p777MXwuhn21YH22I3768vzxlb0zWf//vn55bL0zWj214f88+H10nf54qv0y2H44KTzx0n10HHusADzx0/11H7ywz733Jnxvyv889r66L3++ev66sD33JTb1mduAAAK4klEQVR4nO3d6XaqOhQAYAhxOK1Wi/WqrbbW4fT93/CiJGEn2TsJnrZCYP/oWkWG8BkygSFJ+uijj/vH570TcPd43r3cOwl3jmeWsm4bFAJptw2uAp02EAIdNlACnTUAAh010AQ6aWAIdNDAEuicASLQMQNUoFMGhEBh8HzvpP1SkAKdMXAIdMTAKdAJA49ABwy8AtEbBAhEbhAkELVBoEDEBsEC0RrUEIjUYFNHIEqDmgIRGtQWiM7gBoHIDG4SiMrAJcA5dxhs7p30bwqXAHtP3l0fx2HgEUjiN/AKRG8QIBC5QZBA1AaBAhEbBAtEa1BDIFKDWgJRGjgF5sgG0RksdjUF3Aa70y+n/zviIaspkCRz0iB7/dW0f1dQBqQAbdBSgSR5RQ0cApRBawVwA6cAbsDaK1AYWCfkEcAMWpwHLmHmA6+AbdDqPHAJPR8ECJgGrRfQ80GQgG4QgQDMB4EC0KB95cB4jCyU+QBv5C6whdIAzQPoQZoS+f6QI4tLA1xguptii0sDNA/kB7uL1ZjI94wPKQNCIEsz0gAXGPLgC+rXI9/zNKUMSIGUMNgwSqBGofLLcRUgDdBET8tSgsgHpEBTDYQAZYDFVNaXuAF2kCGvWbn8YiiBcINp1WIINFACTTQAAqEGU9h2DjIAAs0z0ATCDKZ67yHAQBNomoEhEGLwYfajvQaGADoEe7ewBPwGloDXwBJolIEt4DNABDwGiECDDPCBX5cBKuA0GGMCjTGghr5pgydqbDn7ILYgBBpiQA/+8yHepfsiR9cpA1KgEQaO80mzP9gWA8c9lnQ3wzZZOQ6yu/+IwguZC6ibYGtHLljjm9A351ho2/ongzKgbwOSBpQAbdAIAcrAdSOUMKAFKIOGCOAG7lvBqIFLADdojABm4LsZjhi4BTCDBgkkyda8/eF9HMAy8AnYBo0SMA1CHogwDPwCpgFb/nuyvzWgQdgjIZpBiIBu0DgBaBD6UAwwCBOABg0UqAxwAay/oAxQAbSHIQ0aKSANcIHVBOsvCANUYDxZYTsqDdj2XxL6g3ExIAQYP5AGGXZPbXzgDO1iXAwaK3AxoASKfiNlQAkUZ0oYNFigaCORAqTBjhQoDPBrockCeKxEEYYbHJFlQoAyaF2sVEWGG9ihBCIxWIHmTJgBEIjCYKU1akMMxhP9jknbDcz+E0fbBzAMgdYbmAJ+A0ug5Qa2gM8AEWh0S8gXmIDbABVosQEu4DIgBFprQAnQBqRASw1eHXdMcAOHQCPumNSPFZkLcAOnQEtrhXoGMQrUMxinLgG019yKcBqk0CBWgST5E2gQr0CoQcwCYQZxC4QYOAXIZ2/aFD6D+AXI58tKg8nR1R6IRMBjwLog4DZwREQCNxpEJXCTQfDvNNoStQ2iE6htEKGA9RuMDgrUMohUoIZBtALBBhELBBpELRBkELlAgEH0Al6DDgh4DLJmPk/43eEw6IiAw6AzAkmyJH6V0h0BwqBTAqhBxwQQg84JWAYdFDAMOimgGXRUABh0VkAZdFhAGHRa4GrQcYHCYNd1gSRp4yzXffTRRx999NFHH3300UcfffTRRx999NFHH338VIzL+N6d5qPTYr1eLx7PtTcdTIZG7OerhZ2+5eH64WFULRqXmx7MadpO5aqTR/yID7vsEjvi49dya2si6Zdy+R7bJl/MecZETF7+Gh9/HsxzlDG5TKg3y7gdjD2PjN38YeUnkEBsmhnrLspVM+IcxW/SODGR9YM4kPnxvDxYigB8ab/yKrZNP7UVnhhyjmUaL9Az/HeEnD0YBOVBdAKxbqpPTrgod8lwgr/qhrKpLAnKj9mTSXA91sTa4MTtiXPYBM6r/US/rjOnCYpPv0IJUq6/scJN8C6/MI4/aSoJzO0pgm2G/c6Pw+TfSpBm2s0uF0GaaRnPSTCqnqxg6MyWioBzrWQjCMh56bOX2gTy8qggD8EEaTYIJfhTHYChU54qgpTv/QTwtXt68ll9gomIqmjRyjM3AeegAHcR5LDcsq9rjSBl8KeKKEF1ckWyh/PN24TJuQXf7LXcxWGR3ryM8+wdK5DcBFr57iLQ3jGJrgEItGsRIxioFLD9qfwSjstrTuDwjXaCgA3GZlwvNUkAS9BnUW3BSSw9BNDLRSBm8hN/sRf/PGhI1eEwAvmbb87A5JnjLSv2D8sRQZD9hxwugbmgihGzU+gjAJeNg+AxE7mUk4nSCPjQRbBWlYc+eWZRTWoLbiAYiy8JzinlJUhVAe4gKGtEvj8LCuQZE40AzGuFEMjJIa1G2FFfcAPBWZwunFIqgGDvJRA1YpFtRTZgPoIqETaBLAmY7wfeNxAsmXW6ztYh15NCE0xF9sqTk1jHrhclgaw6ZJ62CZbyuL53dQUSVBX7+UMUBc9wPZqAv8hSSRTgJIGoEa/TeQsMu14UBFzOAMInOUEgXqTDvXNfPSFfqU3A59syNgfRLjAaZw6Cpaqbyk9JgleQFPnNWCs9yJXkXHmiYrIJ5HVAdMcsAj4x4k0jAM0GmQ/1UtZBME0+1VzHToKy+CqbELJAtOpFQVB0otR0yJ8ogWxqZ96RB6ppNNQJjOAb4wJzEoj0iVYpRSBqRFZ258UmmTnEIQmOyUgVBwOMYCBPzCdANZB9BIcH3cBNkMvS6zLNPUUgasRUA7HqxYogWaje+BghmP0wQdHgSrVTcBMkR1UcHCkCWSPKXqwcOqEJ1KRIl2vn5wm4WRgUXW5YY3kIVOO/SCNBIGtEeemu8XoREqgXFRbNb4vgKI6YfRMB37+JGFZ9RVhc+wiSZ2nwckIJRI3ID+vXMr7kAgfBWbU5ZhuTQDZLGDa1PEpgFocHjYDBDv/gjVmp8xJUBbj46gwClU3kMKfqk+vvjtMIkr8qc+2tSlGrMAII2DE3QifARqngSIifYKQGX1Jsl3C2dy24/lYFnaDKxHZbakM2r3CCOg1kdZ2BMVQ/gSrAU4zg0fFTZa1eNAiqsUbrfGVHkWGvmfhnAruvGEBgzGqn73JOZQJzrNgkGHO4JSSo+ihWJ0EvHm4iOLNbCBLt9ZfYEAQeWrVmEqgmkEWQvMiWrHnPYau/f+Qmgq/bCM7wG9N2KWtEpodYE9aLFoFqflsEajSavcN8MBoyve9Ru6cIDgoK2yAC7YqHBFaNKOpFu+ZBCOBFpJd9ao5dztXXnj9d6xp4dElA3G6U7YLtl4zls7o9A+qrMALYCoGJkH1Ec3hgaNU8GEFezQtpFP9VO47xj8Vs9viwUVmrOrzsKW4/zNiOEtA6VJmTo8cLJJDDQQaBHDU1yy3RkIT1IkKgGoIWwbHKdZxrrY003ak9OAbRZ4nrbpL+YqtQgqoABwQzsaY9uCEbuVUexQiq962ZjQC6rs2qeoa+lXK9/h0ELGz41Lg3qApwQCAuZqQpK4pJUC+iBOpdA1Y7aIZPHcozMPB5KwHXJ9gJJpC1CSCQg/J7S0AV6lW9iBOoS8lqCp4PyBkwHnZn2UHAWbbX6ogaBOo7VwTyq8ZacXIoWRWUBIFkRFrDr8zICTxbaYWOj2DHkBg+mXl2Wz7FsYME5abWW7Xz9LruTj7sMZblLDbSexI7Uaf2WS7YmQkQK2KjA/l6kqmnKIpVPozab4me4/Uol8wyng2swEZaR+V6M3AauVhkrX6+fjAba/8OBminVuyk2vF/9oHKEInDdlIk7/Vjs9/v3+arT3uNkX2KImbf/MRTH320Nf4H1AmkAG2n31QAAAAASUVORK5CYII="/>
+          <p:cNvSpPr>
+            <a:spLocks noChangeAspect="1" noChangeArrowheads="1"/>
+          </p:cNvSpPr>
+          <p:nvPr/>
+        </p:nvSpPr>
+        <p:spPr bwMode="auto">
+          <a:xfrm>
+            <a:off x="155575" y="-144463"/>
+            <a:ext cx="304800" cy="304801"/>
+          </a:xfrm>
+          <a:prstGeom prst="rect">
+            <a:avLst/>
+          </a:prstGeom>
+          <a:noFill/>
+          <a:extLst>
+            <a:ext uri="{909E8E84-426E-40DD-AFC4-6F175D3DCCD1}">
+              <a14:hiddenFill xmlns:a14="http://schemas.microsoft.com/office/drawing/2010/main">
+                <a:solidFill>
+                  <a:srgbClr val="FFFFFF"/>
+                </a:solidFill>
+              </a14:hiddenFill>
+            </a:ext>
+          </a:extLst>
+        </p:spPr>
+        <p:txBody>
+          <a:bodyPr vert="horz" wrap="square" lIns="91440" tIns="45720" rIns="91440" bIns="45720" numCol="1" anchor="t" anchorCtr="0" compatLnSpc="1">
+            <a:prstTxWarp prst="textNoShape">
+              <a:avLst/>
+            </a:prstTxWarp>
+          </a:bodyPr>
+          <a:lstStyle/>
+          <a:p>
+            <a:endParaRPr lang="de-DE"/>
+          </a:p>
+        </p:txBody>
+      </p:sp>
+      <p:pic>
+        <p:nvPicPr>
+          <p:cNvPr id="6" name="Picture 2" descr="https://cdn-images-1.medium.com/max/800/1*CNXzqN-UxPzEvzDwJ_Ap3w.png"/>
+          <p:cNvPicPr>
+            <a:picLocks noChangeAspect="1" noChangeArrowheads="1"/>
+          </p:cNvPicPr>
+          <p:nvPr/>
+        </p:nvPicPr>
+        <p:blipFill>
+          <a:blip r:embed="rId3" cstate="print">
+            <a:extLst>
+              <a:ext uri="{28A0092B-C50C-407E-A947-70E740481C1C}">
+                <a14:useLocalDpi xmlns:a14="http://schemas.microsoft.com/office/drawing/2010/main" val="0"/>
+              </a:ext>
+            </a:extLst>
+          </a:blip>
+          <a:srcRect/>
+          <a:stretch>
+            <a:fillRect/>
+          </a:stretch>
+        </p:blipFill>
+        <p:spPr bwMode="auto">
+          <a:xfrm>
+            <a:off x="5285798" y="1602034"/>
+            <a:ext cx="3600000" cy="2398499"/>
+          </a:xfrm>
+          <a:prstGeom prst="rect">
+            <a:avLst/>
+          </a:prstGeom>
+          <a:noFill/>
+          <a:extLst>
+            <a:ext uri="{909E8E84-426E-40DD-AFC4-6F175D3DCCD1}">
+              <a14:hiddenFill xmlns:a14="http://schemas.microsoft.com/office/drawing/2010/main">
+                <a:solidFill>
+                  <a:srgbClr val="FFFFFF"/>
+                </a:solidFill>
+              </a14:hiddenFill>
+            </a:ext>
+          </a:extLst>
+        </p:spPr>
+      </p:pic>
     </p:spTree>
     <p:extLst>
       <p:ext uri="{BB962C8B-B14F-4D97-AF65-F5344CB8AC3E}">
-        <p14:creationId xmlns:p14="http://schemas.microsoft.com/office/powerpoint/2010/main" val="728919679"/>
+        <p14:creationId xmlns:p14="http://schemas.microsoft.com/office/powerpoint/2010/main" val="3381686510"/>
       </p:ext>
     </p:extLst>
   </p:cSld>
@@ -8246,288 +7911,7 @@
           <p:cNvPr id="14" name="Titel 1">
             <a:extLst>
               <a:ext uri="{FF2B5EF4-FFF2-40B4-BE49-F238E27FC236}">
-                <a16:creationId xmlns:a16="http://schemas.microsoft.com/office/drawing/2014/main" xmlns="" id="{02E1418F-13E9-4DD1-A436-757FB376FACC}"/>
-              </a:ext>
-            </a:extLst>
-          </p:cNvPr>
-          <p:cNvSpPr txBox="1">
-            <a:spLocks/>
-          </p:cNvSpPr>
-          <p:nvPr/>
-        </p:nvSpPr>
-        <p:spPr>
-          <a:xfrm>
-            <a:off x="214313" y="-162797"/>
-            <a:ext cx="8715375" cy="408888"/>
-          </a:xfrm>
-          <a:prstGeom prst="rect">
-            <a:avLst/>
-          </a:prstGeom>
-        </p:spPr>
-        <p:txBody>
-          <a:bodyPr/>
-          <a:lstStyle>
-            <a:lvl1pPr algn="l" defTabSz="914400" rtl="0" eaLnBrk="1" latinLnBrk="0" hangingPunct="1">
-              <a:spcBef>
-                <a:spcPct val="0"/>
-              </a:spcBef>
-              <a:buNone/>
-              <a:defRPr sz="2000" b="1" kern="1200">
-                <a:solidFill>
-                  <a:schemeClr val="tx1"/>
-                </a:solidFill>
-                <a:latin typeface="+mj-lt"/>
-                <a:ea typeface="+mj-ea"/>
-                <a:cs typeface="+mj-cs"/>
-              </a:defRPr>
-            </a:lvl1pPr>
-          </a:lstStyle>
-          <a:p>
-            <a:pPr algn="ctr"/>
-            <a:endParaRPr lang="de-DE" sz="1800" dirty="0">
-              <a:solidFill>
-                <a:schemeClr val="accent1"/>
-              </a:solidFill>
-            </a:endParaRPr>
-          </a:p>
-        </p:txBody>
-      </p:sp>
-      <p:sp>
-        <p:nvSpPr>
-          <p:cNvPr id="23" name="Titel 22">
-            <a:extLst>
-              <a:ext uri="{FF2B5EF4-FFF2-40B4-BE49-F238E27FC236}">
-                <a16:creationId xmlns:a16="http://schemas.microsoft.com/office/drawing/2014/main" xmlns="" id="{0F8728F2-FADF-46A9-8EB9-8EDE7B56745B}"/>
-              </a:ext>
-            </a:extLst>
-          </p:cNvPr>
-          <p:cNvSpPr>
-            <a:spLocks noGrp="1"/>
-          </p:cNvSpPr>
-          <p:nvPr>
-            <p:ph type="title"/>
-          </p:nvPr>
-        </p:nvSpPr>
-        <p:spPr/>
-        <p:txBody>
-          <a:bodyPr/>
-          <a:lstStyle/>
-          <a:p>
-            <a:r>
-              <a:rPr lang="de-DE" dirty="0">
-                <a:cs typeface="Calibri" pitchFamily="34" charset="0"/>
-              </a:rPr>
-              <a:t>Server Side Rendering | Alternativen</a:t>
-            </a:r>
-            <a:endParaRPr lang="de-DE" b="0" dirty="0"/>
-          </a:p>
-        </p:txBody>
-      </p:sp>
-      <p:sp>
-        <p:nvSpPr>
-          <p:cNvPr id="3" name="Textplatzhalter 2">
-            <a:extLst>
-              <a:ext uri="{FF2B5EF4-FFF2-40B4-BE49-F238E27FC236}">
-                <a16:creationId xmlns:a16="http://schemas.microsoft.com/office/drawing/2014/main" xmlns="" id="{EFD70B09-D19F-48AE-BC9B-E7FCFD3657AC}"/>
-              </a:ext>
-            </a:extLst>
-          </p:cNvPr>
-          <p:cNvSpPr>
-            <a:spLocks noGrp="1"/>
-          </p:cNvSpPr>
-          <p:nvPr>
-            <p:ph type="body" sz="quarter" idx="14"/>
-          </p:nvPr>
-        </p:nvSpPr>
-        <p:spPr>
-          <a:xfrm>
-            <a:off x="424282" y="808039"/>
-            <a:ext cx="8505408" cy="3857624"/>
-          </a:xfrm>
-        </p:spPr>
-        <p:txBody>
-          <a:bodyPr/>
-          <a:lstStyle/>
-          <a:p>
-            <a:r>
-              <a:rPr lang="de-DE" dirty="0" err="1"/>
-              <a:t>Prerendering</a:t>
-            </a:r>
-            <a:r>
-              <a:rPr lang="de-DE" dirty="0"/>
-              <a:t>, like </a:t>
-            </a:r>
-            <a:r>
-              <a:rPr lang="de-DE" dirty="0" err="1"/>
-              <a:t>react-snap</a:t>
-            </a:r>
-            <a:r>
-              <a:rPr lang="de-DE" dirty="0"/>
-              <a:t>, </a:t>
-            </a:r>
-            <a:r>
-              <a:rPr lang="de-DE" dirty="0" err="1"/>
-              <a:t>react-static</a:t>
-            </a:r>
-            <a:r>
-              <a:rPr lang="de-DE" dirty="0"/>
-              <a:t>, </a:t>
-            </a:r>
-            <a:r>
-              <a:rPr lang="de-DE" dirty="0" err="1"/>
-              <a:t>gatsby</a:t>
-            </a:r>
-            <a:r>
-              <a:rPr lang="de-DE" dirty="0"/>
-              <a:t> etc.</a:t>
-            </a:r>
-          </a:p>
-          <a:p>
-            <a:r>
-              <a:rPr lang="de-DE" dirty="0" err="1"/>
-              <a:t>Prerendering</a:t>
-            </a:r>
-            <a:r>
-              <a:rPr lang="de-DE" dirty="0"/>
-              <a:t> on </a:t>
-            </a:r>
-            <a:r>
-              <a:rPr lang="de-DE" dirty="0" err="1"/>
-              <a:t>the</a:t>
-            </a:r>
-            <a:r>
-              <a:rPr lang="de-DE" dirty="0"/>
-              <a:t> </a:t>
-            </a:r>
-            <a:r>
-              <a:rPr lang="de-DE" dirty="0" err="1"/>
-              <a:t>demand</a:t>
-            </a:r>
-            <a:r>
-              <a:rPr lang="de-DE" dirty="0"/>
-              <a:t>, like </a:t>
-            </a:r>
-            <a:r>
-              <a:rPr lang="de-DE" dirty="0" err="1"/>
-              <a:t>rendertron</a:t>
-            </a:r>
-            <a:r>
-              <a:rPr lang="de-DE" dirty="0"/>
-              <a:t>, </a:t>
-            </a:r>
-            <a:r>
-              <a:rPr lang="de-DE" dirty="0" err="1"/>
-              <a:t>puppetron</a:t>
-            </a:r>
-            <a:r>
-              <a:rPr lang="de-DE" dirty="0"/>
-              <a:t>, </a:t>
-            </a:r>
-            <a:r>
-              <a:rPr lang="de-DE" dirty="0" err="1"/>
-              <a:t>pupperender</a:t>
-            </a:r>
-            <a:r>
-              <a:rPr lang="de-DE" dirty="0"/>
-              <a:t> etc.</a:t>
-            </a:r>
-          </a:p>
-        </p:txBody>
-      </p:sp>
-      <p:sp>
-        <p:nvSpPr>
-          <p:cNvPr id="2" name="AutoShape 2" descr="data:image/png;base64,iVBORw0KGgoAAAANSUhEUgAAAQIAAADDCAMAAABeUu/HAAAAeFBMVEX////wuQvvtQDvtADwuAD77M7xwDb99eH+/PL103r43p777MXwuhn21YH22I3768vzxlb0zWf//vn55bL0zWj214f88+H10nf54qv0y2H44KTzx0n10HHusADzx0/11H7ywz733Jnxvyv889r66L3++ev66sD33JTb1mduAAAK4klEQVR4nO3d6XaqOhQAYAhxOK1Wi/WqrbbW4fT93/CiJGEn2TsJnrZCYP/oWkWG8BkygSFJ+uijj/vH570TcPd43r3cOwl3jmeWsm4bFAJptw2uAp02EAIdNlACnTUAAh010AQ6aWAIdNDAEuicASLQMQNUoFMGhEBh8HzvpP1SkAKdMXAIdMTAKdAJA49ABwy8AtEbBAhEbhAkELVBoEDEBsEC0RrUEIjUYFNHIEqDmgIRGtQWiM7gBoHIDG4SiMrAJcA5dxhs7p30bwqXAHtP3l0fx2HgEUjiN/AKRG8QIBC5QZBA1AaBAhEbBAtEa1BDIFKDWgJRGjgF5sgG0RksdjUF3Aa70y+n/zviIaspkCRz0iB7/dW0f1dQBqQAbdBSgSR5RQ0cApRBawVwA6cAbsDaK1AYWCfkEcAMWpwHLmHmA6+AbdDqPHAJPR8ECJgGrRfQ80GQgG4QgQDMB4EC0KB95cB4jCyU+QBv5C6whdIAzQPoQZoS+f6QI4tLA1xguptii0sDNA/kB7uL1ZjI94wPKQNCIEsz0gAXGPLgC+rXI9/zNKUMSIGUMNgwSqBGofLLcRUgDdBET8tSgsgHpEBTDYQAZYDFVNaXuAF2kCGvWbn8YiiBcINp1WIINFACTTQAAqEGU9h2DjIAAs0z0ATCDKZ67yHAQBNomoEhEGLwYfajvQaGADoEe7ewBPwGloDXwBJolIEt4DNABDwGiECDDPCBX5cBKuA0GGMCjTGghr5pgydqbDn7ILYgBBpiQA/+8yHepfsiR9cpA1KgEQaO80mzP9gWA8c9lnQ3wzZZOQ6yu/+IwguZC6ibYGtHLljjm9A351ho2/ongzKgbwOSBpQAbdAIAcrAdSOUMKAFKIOGCOAG7lvBqIFLADdojABm4LsZjhi4BTCDBgkkyda8/eF9HMAy8AnYBo0SMA1CHogwDPwCpgFb/nuyvzWgQdgjIZpBiIBu0DgBaBD6UAwwCBOABg0UqAxwAay/oAxQAbSHIQ0aKSANcIHVBOsvCANUYDxZYTsqDdj2XxL6g3ExIAQYP5AGGXZPbXzgDO1iXAwaK3AxoASKfiNlQAkUZ0oYNFigaCORAqTBjhQoDPBrockCeKxEEYYbHJFlQoAyaF2sVEWGG9ihBCIxWIHmTJgBEIjCYKU1akMMxhP9jknbDcz+E0fbBzAMgdYbmAJ+A0ug5Qa2gM8AEWh0S8gXmIDbABVosQEu4DIgBFprQAnQBqRASw1eHXdMcAOHQCPumNSPFZkLcAOnQEtrhXoGMQrUMxinLgG019yKcBqk0CBWgST5E2gQr0CoQcwCYQZxC4QYOAXIZ2/aFD6D+AXI58tKg8nR1R6IRMBjwLog4DZwREQCNxpEJXCTQfDvNNoStQ2iE6htEKGA9RuMDgrUMohUoIZBtALBBhELBBpELRBkELlAgEH0Al6DDgh4DLJmPk/43eEw6IiAw6AzAkmyJH6V0h0BwqBTAqhBxwQQg84JWAYdFDAMOimgGXRUABh0VkAZdFhAGHRa4GrQcYHCYNd1gSRp4yzXffTRRx999NFHH3300UcfffTRRx999NFHH338VIzL+N6d5qPTYr1eLx7PtTcdTIZG7OerhZ2+5eH64WFULRqXmx7MadpO5aqTR/yID7vsEjvi49dya2si6Zdy+R7bJl/MecZETF7+Gh9/HsxzlDG5TKg3y7gdjD2PjN38YeUnkEBsmhnrLspVM+IcxW/SODGR9YM4kPnxvDxYigB8ab/yKrZNP7UVnhhyjmUaL9Az/HeEnD0YBOVBdAKxbqpPTrgod8lwgr/qhrKpLAnKj9mTSXA91sTa4MTtiXPYBM6r/US/rjOnCYpPv0IJUq6/scJN8C6/MI4/aSoJzO0pgm2G/c6Pw+TfSpBm2s0uF0GaaRnPSTCqnqxg6MyWioBzrWQjCMh56bOX2gTy8qggD8EEaTYIJfhTHYChU54qgpTv/QTwtXt68ll9gomIqmjRyjM3AeegAHcR5LDcsq9rjSBl8KeKKEF1ckWyh/PN24TJuQXf7LXcxWGR3ryM8+wdK5DcBFr57iLQ3jGJrgEItGsRIxioFLD9qfwSjstrTuDwjXaCgA3GZlwvNUkAS9BnUW3BSSw9BNDLRSBm8hN/sRf/PGhI1eEwAvmbb87A5JnjLSv2D8sRQZD9hxwugbmgihGzU+gjAJeNg+AxE7mUk4nSCPjQRbBWlYc+eWZRTWoLbiAYiy8JzinlJUhVAe4gKGtEvj8LCuQZE40AzGuFEMjJIa1G2FFfcAPBWZwunFIqgGDvJRA1YpFtRTZgPoIqETaBLAmY7wfeNxAsmXW6ztYh15NCE0xF9sqTk1jHrhclgaw6ZJ62CZbyuL53dQUSVBX7+UMUBc9wPZqAv8hSSRTgJIGoEa/TeQsMu14UBFzOAMInOUEgXqTDvXNfPSFfqU3A59syNgfRLjAaZw6Cpaqbyk9JgleQFPnNWCs9yJXkXHmiYrIJ5HVAdMcsAj4x4k0jAM0GmQ/1UtZBME0+1VzHToKy+CqbELJAtOpFQVB0otR0yJ8ogWxqZ96RB6ppNNQJjOAb4wJzEoj0iVYpRSBqRFZ258UmmTnEIQmOyUgVBwOMYCBPzCdANZB9BIcH3cBNkMvS6zLNPUUgasRUA7HqxYogWaje+BghmP0wQdHgSrVTcBMkR1UcHCkCWSPKXqwcOqEJ1KRIl2vn5wm4WRgUXW5YY3kIVOO/SCNBIGtEeemu8XoREqgXFRbNb4vgKI6YfRMB37+JGFZ9RVhc+wiSZ2nwckIJRI3ID+vXMr7kAgfBWbU5ZhuTQDZLGDa1PEpgFocHjYDBDv/gjVmp8xJUBbj46gwClU3kMKfqk+vvjtMIkr8qc+2tSlGrMAII2DE3QifARqngSIifYKQGX1Jsl3C2dy24/lYFnaDKxHZbakM2r3CCOg1kdZ2BMVQ/gSrAU4zg0fFTZa1eNAiqsUbrfGVHkWGvmfhnAruvGEBgzGqn73JOZQJzrNgkGHO4JSSo+ihWJ0EvHm4iOLNbCBLt9ZfYEAQeWrVmEqgmkEWQvMiWrHnPYau/f+Qmgq/bCM7wG9N2KWtEpodYE9aLFoFqflsEajSavcN8MBoyve9Ru6cIDgoK2yAC7YqHBFaNKOpFu+ZBCOBFpJd9ao5dztXXnj9d6xp4dElA3G6U7YLtl4zls7o9A+qrMALYCoGJkH1Ec3hgaNU8GEFezQtpFP9VO47xj8Vs9viwUVmrOrzsKW4/zNiOEtA6VJmTo8cLJJDDQQaBHDU1yy3RkIT1IkKgGoIWwbHKdZxrrY003ak9OAbRZ4nrbpL+YqtQgqoABwQzsaY9uCEbuVUexQiq962ZjQC6rs2qeoa+lXK9/h0ELGz41Lg3qApwQCAuZqQpK4pJUC+iBOpdA1Y7aIZPHcozMPB5KwHXJ9gJJpC1CSCQg/J7S0AV6lW9iBOoS8lqCp4PyBkwHnZn2UHAWbbX6ogaBOo7VwTyq8ZacXIoWRWUBIFkRFrDr8zICTxbaYWOj2DHkBg+mXl2Wz7FsYME5abWW7Xz9LruTj7sMZblLDbSexI7Uaf2WS7YmQkQK2KjA/l6kqmnKIpVPozab4me4/Uol8wyng2swEZaR+V6M3AauVhkrX6+fjAba/8OBminVuyk2vF/9oHKEInDdlIk7/Vjs9/v3+arT3uNkX2KImbf/MRTH320Nf4H1AmkAG2n31QAAAAASUVORK5CYII="/>
-          <p:cNvSpPr>
-            <a:spLocks noChangeAspect="1" noChangeArrowheads="1"/>
-          </p:cNvSpPr>
-          <p:nvPr/>
-        </p:nvSpPr>
-        <p:spPr bwMode="auto">
-          <a:xfrm>
-            <a:off x="155575" y="-144463"/>
-            <a:ext cx="304800" cy="304801"/>
-          </a:xfrm>
-          <a:prstGeom prst="rect">
-            <a:avLst/>
-          </a:prstGeom>
-          <a:noFill/>
-          <a:extLst>
-            <a:ext uri="{909E8E84-426E-40DD-AFC4-6F175D3DCCD1}">
-              <a14:hiddenFill xmlns:a14="http://schemas.microsoft.com/office/drawing/2010/main">
-                <a:solidFill>
-                  <a:srgbClr val="FFFFFF"/>
-                </a:solidFill>
-              </a14:hiddenFill>
-            </a:ext>
-          </a:extLst>
-        </p:spPr>
-        <p:txBody>
-          <a:bodyPr vert="horz" wrap="square" lIns="91440" tIns="45720" rIns="91440" bIns="45720" numCol="1" anchor="t" anchorCtr="0" compatLnSpc="1">
-            <a:prstTxWarp prst="textNoShape">
-              <a:avLst/>
-            </a:prstTxWarp>
-          </a:bodyPr>
-          <a:lstStyle/>
-          <a:p>
-            <a:endParaRPr lang="de-DE"/>
-          </a:p>
-        </p:txBody>
-      </p:sp>
-    </p:spTree>
-    <p:extLst>
-      <p:ext uri="{BB962C8B-B14F-4D97-AF65-F5344CB8AC3E}">
-        <p14:creationId xmlns:p14="http://schemas.microsoft.com/office/powerpoint/2010/main" val="3864699657"/>
-      </p:ext>
-    </p:extLst>
-  </p:cSld>
-  <p:clrMapOvr>
-    <a:masterClrMapping/>
-  </p:clrMapOvr>
-  <mc:AlternateContent xmlns:mc="http://schemas.openxmlformats.org/markup-compatibility/2006" xmlns:p14="http://schemas.microsoft.com/office/powerpoint/2010/main">
-    <mc:Choice Requires="p14">
-      <p:transition spd="med" p14:dur="700">
-        <p:fade/>
-      </p:transition>
-    </mc:Choice>
-    <mc:Fallback xmlns="">
-      <p:transition spd="med">
-        <p:fade/>
-      </p:transition>
-    </mc:Fallback>
-  </mc:AlternateContent>
-  <p:timing>
-    <p:tnLst>
-      <p:par>
-        <p:cTn id="1" dur="indefinite" restart="never" nodeType="tmRoot"/>
-      </p:par>
-    </p:tnLst>
-  </p:timing>
-</p:sld>
-</file>
-
-<file path=ppt/slides/slide5.xml><?xml version="1.0" encoding="utf-8"?>
-<p:sld xmlns:a="http://schemas.openxmlformats.org/drawingml/2006/main" xmlns:r="http://schemas.openxmlformats.org/officeDocument/2006/relationships" xmlns:p="http://schemas.openxmlformats.org/presentationml/2006/main">
-  <p:cSld>
-    <p:spTree>
-      <p:nvGrpSpPr>
-        <p:cNvPr id="1" name=""/>
-        <p:cNvGrpSpPr/>
-        <p:nvPr/>
-      </p:nvGrpSpPr>
-      <p:grpSpPr>
-        <a:xfrm>
-          <a:off x="0" y="0"/>
-          <a:ext cx="0" cy="0"/>
-          <a:chOff x="0" y="0"/>
-          <a:chExt cx="0" cy="0"/>
-        </a:xfrm>
-      </p:grpSpPr>
-      <p:sp>
-        <p:nvSpPr>
-          <p:cNvPr id="14" name="Titel 1">
-            <a:extLst>
-              <a:ext uri="{FF2B5EF4-FFF2-40B4-BE49-F238E27FC236}">
-                <a16:creationId xmlns:a16="http://schemas.microsoft.com/office/drawing/2014/main" xmlns="" id="{02E1418F-13E9-4DD1-A436-757FB376FACC}"/>
+                <a16:creationId xmlns="" xmlns:a16="http://schemas.microsoft.com/office/drawing/2014/main" id="{02E1418F-13E9-4DD1-A436-757FB376FACC}"/>
               </a:ext>
             </a:extLst>
           </p:cNvPr>
@@ -8636,10 +8020,17 @@
       </p:transition>
     </mc:Fallback>
   </mc:AlternateContent>
+  <p:timing>
+    <p:tnLst>
+      <p:par>
+        <p:cTn id="1" dur="indefinite" restart="never" nodeType="tmRoot"/>
+      </p:par>
+    </p:tnLst>
+  </p:timing>
 </p:sld>
 </file>
 
-<file path=ppt/slides/slide6.xml><?xml version="1.0" encoding="utf-8"?>
+<file path=ppt/slides/slide5.xml><?xml version="1.0" encoding="utf-8"?>
 <p:sld xmlns:a="http://schemas.openxmlformats.org/drawingml/2006/main" xmlns:r="http://schemas.openxmlformats.org/officeDocument/2006/relationships" xmlns:p="http://schemas.openxmlformats.org/presentationml/2006/main">
   <p:cSld>
     <p:spTree>
@@ -8661,7 +8052,7 @@
           <p:cNvPr id="14" name="Titel 1">
             <a:extLst>
               <a:ext uri="{FF2B5EF4-FFF2-40B4-BE49-F238E27FC236}">
-                <a16:creationId xmlns:a16="http://schemas.microsoft.com/office/drawing/2014/main" xmlns="" id="{02E1418F-13E9-4DD1-A436-757FB376FACC}"/>
+                <a16:creationId xmlns="" xmlns:a16="http://schemas.microsoft.com/office/drawing/2014/main" id="{02E1418F-13E9-4DD1-A436-757FB376FACC}"/>
               </a:ext>
             </a:extLst>
           </p:cNvPr>
@@ -8712,7 +8103,7 @@
           <p:cNvPr id="23" name="Titel 22">
             <a:extLst>
               <a:ext uri="{FF2B5EF4-FFF2-40B4-BE49-F238E27FC236}">
-                <a16:creationId xmlns:a16="http://schemas.microsoft.com/office/drawing/2014/main" xmlns="" id="{0F8728F2-FADF-46A9-8EB9-8EDE7B56745B}"/>
+                <a16:creationId xmlns="" xmlns:a16="http://schemas.microsoft.com/office/drawing/2014/main" id="{0F8728F2-FADF-46A9-8EB9-8EDE7B56745B}"/>
               </a:ext>
             </a:extLst>
           </p:cNvPr>
@@ -8749,7 +8140,7 @@
           <p:cNvPr id="3" name="Textplatzhalter 2">
             <a:extLst>
               <a:ext uri="{FF2B5EF4-FFF2-40B4-BE49-F238E27FC236}">
-                <a16:creationId xmlns:a16="http://schemas.microsoft.com/office/drawing/2014/main" xmlns="" id="{EFD70B09-D19F-48AE-BC9B-E7FCFD3657AC}"/>
+                <a16:creationId xmlns="" xmlns:a16="http://schemas.microsoft.com/office/drawing/2014/main" id="{EFD70B09-D19F-48AE-BC9B-E7FCFD3657AC}"/>
               </a:ext>
             </a:extLst>
           </p:cNvPr>
@@ -8987,10 +8378,17 @@
       </p:transition>
     </mc:Fallback>
   </mc:AlternateContent>
+  <p:timing>
+    <p:tnLst>
+      <p:par>
+        <p:cTn id="1" dur="indefinite" restart="never" nodeType="tmRoot"/>
+      </p:par>
+    </p:tnLst>
+  </p:timing>
 </p:sld>
 </file>
 
-<file path=ppt/slides/slide7.xml><?xml version="1.0" encoding="utf-8"?>
+<file path=ppt/slides/slide6.xml><?xml version="1.0" encoding="utf-8"?>
 <p:sld xmlns:a="http://schemas.openxmlformats.org/drawingml/2006/main" xmlns:r="http://schemas.openxmlformats.org/officeDocument/2006/relationships" xmlns:p="http://schemas.openxmlformats.org/presentationml/2006/main">
   <p:cSld>
     <p:spTree>
@@ -9012,7 +8410,7 @@
           <p:cNvPr id="14" name="Titel 1">
             <a:extLst>
               <a:ext uri="{FF2B5EF4-FFF2-40B4-BE49-F238E27FC236}">
-                <a16:creationId xmlns:a16="http://schemas.microsoft.com/office/drawing/2014/main" xmlns="" id="{02E1418F-13E9-4DD1-A436-757FB376FACC}"/>
+                <a16:creationId xmlns="" xmlns:a16="http://schemas.microsoft.com/office/drawing/2014/main" id="{02E1418F-13E9-4DD1-A436-757FB376FACC}"/>
               </a:ext>
             </a:extLst>
           </p:cNvPr>
@@ -9063,7 +8461,7 @@
           <p:cNvPr id="23" name="Titel 22">
             <a:extLst>
               <a:ext uri="{FF2B5EF4-FFF2-40B4-BE49-F238E27FC236}">
-                <a16:creationId xmlns:a16="http://schemas.microsoft.com/office/drawing/2014/main" xmlns="" id="{0F8728F2-FADF-46A9-8EB9-8EDE7B56745B}"/>
+                <a16:creationId xmlns="" xmlns:a16="http://schemas.microsoft.com/office/drawing/2014/main" id="{0F8728F2-FADF-46A9-8EB9-8EDE7B56745B}"/>
               </a:ext>
             </a:extLst>
           </p:cNvPr>
@@ -9447,7 +8845,7 @@
 </p:sld>
 </file>
 
-<file path=ppt/slides/slide8.xml><?xml version="1.0" encoding="utf-8"?>
+<file path=ppt/slides/slide7.xml><?xml version="1.0" encoding="utf-8"?>
 <p:sld xmlns:a="http://schemas.openxmlformats.org/drawingml/2006/main" xmlns:r="http://schemas.openxmlformats.org/officeDocument/2006/relationships" xmlns:p="http://schemas.openxmlformats.org/presentationml/2006/main">
   <p:cSld>
     <p:spTree>
@@ -9469,7 +8867,7 @@
           <p:cNvPr id="14" name="Titel 1">
             <a:extLst>
               <a:ext uri="{FF2B5EF4-FFF2-40B4-BE49-F238E27FC236}">
-                <a16:creationId xmlns:a16="http://schemas.microsoft.com/office/drawing/2014/main" xmlns="" id="{02E1418F-13E9-4DD1-A436-757FB376FACC}"/>
+                <a16:creationId xmlns="" xmlns:a16="http://schemas.microsoft.com/office/drawing/2014/main" id="{02E1418F-13E9-4DD1-A436-757FB376FACC}"/>
               </a:ext>
             </a:extLst>
           </p:cNvPr>
@@ -9538,7 +8936,7 @@
         </p:blipFill>
         <p:spPr bwMode="auto">
           <a:xfrm>
-            <a:off x="2766151" y="1854200"/>
+            <a:off x="3336721" y="1854200"/>
             <a:ext cx="719999" cy="720000"/>
           </a:xfrm>
           <a:prstGeom prst="rect">
@@ -9564,7 +8962,7 @@
         </p:nvSpPr>
         <p:spPr>
           <a:xfrm>
-            <a:off x="3854450" y="1854200"/>
+            <a:off x="4425020" y="1854200"/>
             <a:ext cx="2609850" cy="720000"/>
           </a:xfrm>
           <a:prstGeom prst="rect">
@@ -9610,11 +9008,6 @@
               </a:rPr>
               <a:t>!</a:t>
             </a:r>
-            <a:endParaRPr lang="de-DE" b="1" dirty="0" smtClean="0">
-              <a:solidFill>
-                <a:srgbClr val="344046"/>
-              </a:solidFill>
-            </a:endParaRPr>
           </a:p>
         </p:txBody>
       </p:sp>
@@ -9961,7 +9354,7 @@
   <a:extraClrSchemeLst/>
   <a:extLst>
     <a:ext uri="{05A4C25C-085E-4340-85A3-A5531E510DB2}">
-      <thm15:themeFamily xmlns:thm15="http://schemas.microsoft.com/office/thememl/2012/main" xmlns="" name="Vorlage_GB40_2019_allg" id="{14DD758D-386E-4F27-BADB-233AF4E437AC}" vid="{C23B5E58-6611-4838-943A-650A7F6C902E}"/>
+      <thm15:themeFamily xmlns="" xmlns:thm15="http://schemas.microsoft.com/office/thememl/2012/main" name="Vorlage_GB40_2019_allg" id="{14DD758D-386E-4F27-BADB-233AF4E437AC}" vid="{C23B5E58-6611-4838-943A-650A7F6C902E}"/>
     </a:ext>
   </a:extLst>
 </a:theme>
@@ -10222,7 +9615,7 @@
   <a:extraClrSchemeLst/>
   <a:extLst>
     <a:ext uri="{05A4C25C-085E-4340-85A3-A5531E510DB2}">
-      <thm15:themeFamily xmlns:thm15="http://schemas.microsoft.com/office/thememl/2012/main" xmlns="" name="Office Theme" id="{62F939B6-93AF-4DB8-9C6B-D6C7DFDC589F}" vid="{4A3C46E8-61CC-4603-A589-7422A47A8E4A}"/>
+      <thm15:themeFamily xmlns="" xmlns:thm15="http://schemas.microsoft.com/office/thememl/2012/main" name="Office Theme" id="{62F939B6-93AF-4DB8-9C6B-D6C7DFDC589F}" vid="{4A3C46E8-61CC-4603-A589-7422A47A8E4A}"/>
     </a:ext>
   </a:extLst>
 </a:theme>
